--- a/AML detection.pptx
+++ b/AML detection.pptx
@@ -23,19 +23,27 @@
     <p:sldId id="268" r:id="rId17"/>
     <p:sldId id="278" r:id="rId18"/>
     <p:sldId id="289" r:id="rId19"/>
-    <p:sldId id="282" r:id="rId20"/>
-    <p:sldId id="258" r:id="rId21"/>
-    <p:sldId id="279" r:id="rId22"/>
-    <p:sldId id="286" r:id="rId23"/>
-    <p:sldId id="287" r:id="rId24"/>
-    <p:sldId id="285" r:id="rId25"/>
-    <p:sldId id="284" r:id="rId26"/>
-    <p:sldId id="283" r:id="rId27"/>
-    <p:sldId id="259" r:id="rId28"/>
-    <p:sldId id="271" r:id="rId29"/>
-    <p:sldId id="272" r:id="rId30"/>
-    <p:sldId id="281" r:id="rId31"/>
-    <p:sldId id="288" r:id="rId32"/>
+    <p:sldId id="295" r:id="rId20"/>
+    <p:sldId id="296" r:id="rId21"/>
+    <p:sldId id="297" r:id="rId22"/>
+    <p:sldId id="282" r:id="rId23"/>
+    <p:sldId id="258" r:id="rId24"/>
+    <p:sldId id="291" r:id="rId25"/>
+    <p:sldId id="292" r:id="rId26"/>
+    <p:sldId id="293" r:id="rId27"/>
+    <p:sldId id="294" r:id="rId28"/>
+    <p:sldId id="279" r:id="rId29"/>
+    <p:sldId id="286" r:id="rId30"/>
+    <p:sldId id="287" r:id="rId31"/>
+    <p:sldId id="285" r:id="rId32"/>
+    <p:sldId id="284" r:id="rId33"/>
+    <p:sldId id="283" r:id="rId34"/>
+    <p:sldId id="259" r:id="rId35"/>
+    <p:sldId id="271" r:id="rId36"/>
+    <p:sldId id="272" r:id="rId37"/>
+    <p:sldId id="281" r:id="rId38"/>
+    <p:sldId id="288" r:id="rId39"/>
+    <p:sldId id="290" r:id="rId40"/>
   </p:sldIdLst>
   <p:sldSz cx="12192000" cy="6858000"/>
   <p:notesSz cx="6858000" cy="9144000"/>
@@ -134,12 +142,17 @@
       </a:defRPr>
     </a:lvl9pPr>
   </p:defaultTextStyle>
+  <p:extLst>
+    <p:ext uri="{EFAFB233-063F-42B5-8137-9DF3F51BA10A}">
+      <p15:sldGuideLst xmlns:p15="http://schemas.microsoft.com/office/powerpoint/2012/main"/>
+    </p:ext>
+  </p:extLst>
 </p:presentation>
 </file>
 
 <file path=ppt/commentAuthors.xml><?xml version="1.0" encoding="utf-8"?>
 <p:cmAuthorLst xmlns:a="http://schemas.openxmlformats.org/drawingml/2006/main" xmlns:r="http://schemas.openxmlformats.org/officeDocument/2006/relationships" xmlns:p="http://schemas.openxmlformats.org/presentationml/2006/main">
-  <p:cmAuthor id="1" name="user" initials="u" lastIdx="2" clrIdx="0">
+  <p:cmAuthor id="1" name="user" initials="u" lastIdx="3" clrIdx="0">
     <p:extLst>
       <p:ext uri="{19B8F6BF-5375-455C-9EA6-DF929625EA0E}">
         <p15:presenceInfo xmlns:p15="http://schemas.microsoft.com/office/powerpoint/2012/main" userId="user" providerId="None"/>
@@ -147,6 +160,22 @@
     </p:extLst>
   </p:cmAuthor>
 </p:cmAuthorLst>
+</file>
+
+<file path=ppt/comments/comment1.xml><?xml version="1.0" encoding="utf-8"?>
+<p:cmLst xmlns:a="http://schemas.openxmlformats.org/drawingml/2006/main" xmlns:r="http://schemas.openxmlformats.org/officeDocument/2006/relationships" xmlns:p="http://schemas.openxmlformats.org/presentationml/2006/main">
+  <p:cm authorId="1" dt="2022-12-26T08:30:35.731" idx="3">
+    <p:pos x="83" y="43"/>
+    <p:text>高斯和函數
+多項式核函數
+線性核函數</p:text>
+    <p:extLst>
+      <p:ext uri="{C676402C-5697-4E1C-873F-D02D1690AC5C}">
+        <p15:threadingInfo xmlns:p15="http://schemas.microsoft.com/office/powerpoint/2012/main" timeZoneBias="-480"/>
+      </p:ext>
+    </p:extLst>
+  </p:cm>
+</p:cmLst>
 </file>
 
 <file path=ppt/slideLayouts/slideLayout1.xml><?xml version="1.0" encoding="utf-8"?>
@@ -3100,11 +3129,7 @@
             </a:r>
             <a:r>
               <a:rPr lang="zh-TW" altLang="en-US" sz="2400" dirty="0" smtClean="0"/>
-              <a:t> </a:t>
-            </a:r>
-            <a:r>
-              <a:rPr lang="zh-TW" altLang="en-US" sz="2400" dirty="0" smtClean="0"/>
-              <a:t>紀勻翔</a:t>
+              <a:t> 紀勻翔</a:t>
             </a:r>
             <a:endParaRPr lang="zh-TW" altLang="en-US" sz="2400" dirty="0"/>
           </a:p>
@@ -3119,7 +3144,7 @@
         <p:spPr>
           <a:xfrm>
             <a:off x="359229" y="1553028"/>
-            <a:ext cx="7580084" cy="1938992"/>
+            <a:ext cx="7580084" cy="1569660"/>
           </a:xfrm>
           <a:prstGeom prst="rect">
             <a:avLst/>
@@ -3153,21 +3178,14 @@
                 <a:latin typeface="微軟正黑體" panose="020B0604030504040204" pitchFamily="34" charset="-120"/>
                 <a:ea typeface="微軟正黑體" panose="020B0604030504040204" pitchFamily="34" charset="-120"/>
               </a:rPr>
-              <a:t>我原本要做</a:t>
-            </a:r>
-            <a:r>
-              <a:rPr lang="en-US" altLang="zh-TW" sz="2400" dirty="0" smtClean="0">
-                <a:latin typeface="微軟正黑體" panose="020B0604030504040204" pitchFamily="34" charset="-120"/>
-                <a:ea typeface="微軟正黑體" panose="020B0604030504040204" pitchFamily="34" charset="-120"/>
-              </a:rPr>
-              <a:t>LSTM</a:t>
+              <a:t>希望</a:t>
             </a:r>
             <a:r>
               <a:rPr lang="zh-TW" altLang="en-US" sz="2400" dirty="0" smtClean="0">
                 <a:latin typeface="微軟正黑體" panose="020B0604030504040204" pitchFamily="34" charset="-120"/>
                 <a:ea typeface="微軟正黑體" panose="020B0604030504040204" pitchFamily="34" charset="-120"/>
               </a:rPr>
-              <a:t>的氣溫預測，但是我，希望透過這次報告更加瞭解號稱萬能分類器的</a:t>
+              <a:t>透過這次報告更加瞭解號稱萬能分類器的</a:t>
             </a:r>
             <a:r>
               <a:rPr lang="en-US" altLang="zh-TW" sz="2400" dirty="0" smtClean="0">
@@ -3575,21 +3593,28 @@
                 <a:latin typeface="Arial" panose="020B0604020202020204" pitchFamily="34" charset="0"/>
                 <a:cs typeface="Arial" panose="020B0604020202020204" pitchFamily="34" charset="0"/>
               </a:rPr>
-              <a:t>抽樣</a:t>
+              <a:t>抽樣與轉換資料型態</a:t>
+            </a:r>
+            <a:r>
+              <a:rPr lang="en-US" altLang="zh-TW" sz="2400" dirty="0" smtClean="0">
+                <a:latin typeface="Arial" panose="020B0604020202020204" pitchFamily="34" charset="0"/>
+                <a:cs typeface="Arial" panose="020B0604020202020204" pitchFamily="34" charset="0"/>
+              </a:rPr>
+              <a:t>(object</a:t>
             </a:r>
             <a:r>
               <a:rPr lang="zh-TW" altLang="en-US" sz="2400" dirty="0" smtClean="0">
                 <a:latin typeface="Arial" panose="020B0604020202020204" pitchFamily="34" charset="0"/>
                 <a:cs typeface="Arial" panose="020B0604020202020204" pitchFamily="34" charset="0"/>
               </a:rPr>
-              <a:t>與轉換資料型態</a:t>
+              <a:t> </a:t>
             </a:r>
             <a:r>
               <a:rPr lang="en-US" altLang="zh-TW" sz="2400" dirty="0" smtClean="0">
                 <a:latin typeface="Arial" panose="020B0604020202020204" pitchFamily="34" charset="0"/>
                 <a:cs typeface="Arial" panose="020B0604020202020204" pitchFamily="34" charset="0"/>
               </a:rPr>
-              <a:t>(object</a:t>
+              <a:t>=&gt;</a:t>
             </a:r>
             <a:r>
               <a:rPr lang="zh-TW" altLang="en-US" sz="2400" dirty="0" smtClean="0">
@@ -3603,26 +3628,8 @@
                 <a:latin typeface="Arial" panose="020B0604020202020204" pitchFamily="34" charset="0"/>
                 <a:cs typeface="Arial" panose="020B0604020202020204" pitchFamily="34" charset="0"/>
               </a:rPr>
-              <a:t>=&gt;</a:t>
-            </a:r>
-            <a:r>
-              <a:rPr lang="zh-TW" altLang="en-US" sz="2400" dirty="0" smtClean="0">
-                <a:latin typeface="Arial" panose="020B0604020202020204" pitchFamily="34" charset="0"/>
-                <a:cs typeface="Arial" panose="020B0604020202020204" pitchFamily="34" charset="0"/>
-              </a:rPr>
-              <a:t> </a:t>
-            </a:r>
-            <a:r>
-              <a:rPr lang="en-US" altLang="zh-TW" sz="2400" dirty="0" smtClean="0">
-                <a:latin typeface="Arial" panose="020B0604020202020204" pitchFamily="34" charset="0"/>
-                <a:cs typeface="Arial" panose="020B0604020202020204" pitchFamily="34" charset="0"/>
-              </a:rPr>
               <a:t>array)</a:t>
             </a:r>
-            <a:endParaRPr lang="en-US" altLang="zh-TW" sz="2400" dirty="0" smtClean="0">
-              <a:latin typeface="Arial" panose="020B0604020202020204" pitchFamily="34" charset="0"/>
-              <a:cs typeface="Arial" panose="020B0604020202020204" pitchFamily="34" charset="0"/>
-            </a:endParaRPr>
           </a:p>
         </p:txBody>
       </p:sp>
@@ -6560,14 +6567,7 @@
                 <a:latin typeface="Arial" panose="020B0604020202020204" pitchFamily="34" charset="0"/>
                 <a:cs typeface="Arial" panose="020B0604020202020204" pitchFamily="34" charset="0"/>
               </a:rPr>
-              <a:t>4</a:t>
-            </a:r>
-            <a:r>
-              <a:rPr lang="en-US" altLang="zh-TW" sz="2400" dirty="0" smtClean="0">
-                <a:latin typeface="Arial" panose="020B0604020202020204" pitchFamily="34" charset="0"/>
-                <a:cs typeface="Arial" panose="020B0604020202020204" pitchFamily="34" charset="0"/>
-              </a:rPr>
-              <a:t>.</a:t>
+              <a:t>4.</a:t>
             </a:r>
             <a:r>
               <a:rPr lang="zh-TW" altLang="en-US" sz="2400" dirty="0" smtClean="0">
@@ -7776,14 +7776,7 @@
                 <a:latin typeface="Arial" panose="020B0604020202020204" pitchFamily="34" charset="0"/>
                 <a:cs typeface="Arial" panose="020B0604020202020204" pitchFamily="34" charset="0"/>
               </a:rPr>
-              <a:t>4</a:t>
-            </a:r>
-            <a:r>
-              <a:rPr lang="en-US" altLang="zh-TW" sz="2400" dirty="0" smtClean="0">
-                <a:latin typeface="Arial" panose="020B0604020202020204" pitchFamily="34" charset="0"/>
-                <a:cs typeface="Arial" panose="020B0604020202020204" pitchFamily="34" charset="0"/>
-              </a:rPr>
-              <a:t>.</a:t>
+              <a:t>4.</a:t>
             </a:r>
             <a:r>
               <a:rPr lang="zh-TW" altLang="en-US" sz="2400" dirty="0" smtClean="0">
@@ -9463,7 +9456,6 @@
               <a:rPr lang="zh-TW" altLang="en-US" sz="2400" dirty="0"/>
               <a:t>套件匯入</a:t>
             </a:r>
-            <a:endParaRPr lang="zh-TW" altLang="en-US" sz="2400" dirty="0"/>
           </a:p>
         </p:txBody>
       </p:sp>
@@ -10958,60 +10950,116 @@
       </p:sp>
       <p:sp>
         <p:nvSpPr>
-          <p:cNvPr id="10" name="文字方塊 9"/>
-          <p:cNvSpPr txBox="1"/>
+          <p:cNvPr id="8" name="矩形 7"/>
+          <p:cNvSpPr/>
           <p:nvPr/>
         </p:nvSpPr>
         <p:spPr>
           <a:xfrm>
-            <a:off x="359229" y="1024390"/>
-            <a:ext cx="5341257" cy="461665"/>
-          </a:xfrm>
-          <a:prstGeom prst="rect">
-            <a:avLst/>
-          </a:prstGeom>
-          <a:noFill/>
+            <a:off x="359228" y="1509728"/>
+            <a:ext cx="11355443" cy="2308324"/>
+          </a:xfrm>
+          <a:prstGeom prst="rect">
+            <a:avLst/>
+          </a:prstGeom>
         </p:spPr>
         <p:txBody>
-          <a:bodyPr wrap="square" rtlCol="0">
+          <a:bodyPr wrap="square">
             <a:spAutoFit/>
           </a:bodyPr>
           <a:lstStyle/>
           <a:p>
             <a:r>
-              <a:rPr lang="en-US" altLang="zh-TW" sz="2400" dirty="0" err="1" smtClean="0"/>
-              <a:t>LinearSVC</a:t>
-            </a:r>
-            <a:r>
-              <a:rPr lang="en-US" altLang="zh-TW" sz="2400" dirty="0" smtClean="0"/>
-              <a:t>(</a:t>
-            </a:r>
-            <a:r>
-              <a:rPr lang="zh-CN" altLang="en-US" dirty="0" smtClean="0"/>
-              <a:t>線性支援向量分類</a:t>
-            </a:r>
-            <a:r>
-              <a:rPr lang="en-US" altLang="zh-TW" sz="2400" dirty="0" smtClean="0"/>
-              <a:t>)</a:t>
+              <a:rPr lang="zh-TW" altLang="en-US" sz="2400" dirty="0" smtClean="0"/>
+              <a:t>支持</a:t>
             </a:r>
             <a:r>
               <a:rPr lang="zh-TW" altLang="en-US" sz="2400" dirty="0"/>
-              <a:t>模型理論</a:t>
-            </a:r>
-            <a:endParaRPr lang="en-US" altLang="zh-TW" sz="2400" dirty="0"/>
+              <a:t>向量機</a:t>
+            </a:r>
+            <a:r>
+              <a:rPr lang="en-US" altLang="zh-TW" sz="2400" dirty="0"/>
+              <a:t>(SVM: Support Vector Machine)</a:t>
+            </a:r>
+            <a:r>
+              <a:rPr lang="zh-TW" altLang="en-US" sz="2400" dirty="0"/>
+              <a:t>是一種可用來做</a:t>
+            </a:r>
+            <a:r>
+              <a:rPr lang="zh-TW" altLang="en-US" sz="2400" dirty="0">
+                <a:solidFill>
+                  <a:srgbClr val="FF0000"/>
+                </a:solidFill>
+              </a:rPr>
+              <a:t>分類或迴歸</a:t>
+            </a:r>
+            <a:r>
+              <a:rPr lang="zh-TW" altLang="en-US" sz="2400" dirty="0"/>
+              <a:t>的方法。給予一群已經分類好的資料， </a:t>
+            </a:r>
+            <a:r>
+              <a:rPr lang="en-US" altLang="zh-TW" sz="2400" dirty="0"/>
+              <a:t>SVM</a:t>
+            </a:r>
+            <a:r>
+              <a:rPr lang="zh-TW" altLang="en-US" sz="2400" dirty="0"/>
+              <a:t>可以經由訓練</a:t>
+            </a:r>
+            <a:r>
+              <a:rPr lang="en-US" altLang="zh-TW" sz="2400" dirty="0"/>
+              <a:t>(Training)</a:t>
+            </a:r>
+            <a:r>
+              <a:rPr lang="zh-TW" altLang="en-US" sz="2400" dirty="0"/>
+              <a:t>獲得一組模型。爾後若有尚未分類的資料，支持向量機可以利用先前訓練好的模 型去預測</a:t>
+            </a:r>
+            <a:r>
+              <a:rPr lang="en-US" altLang="zh-TW" sz="2400" dirty="0"/>
+              <a:t>(Predict)</a:t>
+            </a:r>
+            <a:r>
+              <a:rPr lang="zh-TW" altLang="en-US" sz="2400" dirty="0"/>
+              <a:t>這筆資料所屬的類別。</a:t>
+            </a:r>
+          </a:p>
+          <a:p>
+            <a:r>
+              <a:rPr lang="zh-TW" altLang="en-US" sz="2400" dirty="0"/>
+              <a:t>因為支持向量機在建立模型時，必須要先有已經分類好的資料作為訓練用，所以支持向量機是</a:t>
+            </a:r>
+            <a:r>
+              <a:rPr lang="zh-TW" altLang="en-US" sz="2400" dirty="0">
+                <a:solidFill>
+                  <a:srgbClr val="FF0000"/>
+                </a:solidFill>
+              </a:rPr>
+              <a:t>監督式學習</a:t>
+            </a:r>
+            <a:r>
+              <a:rPr lang="en-US" altLang="zh-TW" sz="2400" dirty="0">
+                <a:solidFill>
+                  <a:srgbClr val="FF0000"/>
+                </a:solidFill>
+              </a:rPr>
+              <a:t>(Supervised Learning)</a:t>
+            </a:r>
+            <a:r>
+              <a:rPr lang="zh-TW" altLang="en-US" sz="2400" dirty="0"/>
+              <a:t>的方法之一。</a:t>
+            </a:r>
           </a:p>
         </p:txBody>
       </p:sp>
       <p:sp>
         <p:nvSpPr>
-          <p:cNvPr id="11" name="文字方塊 10"/>
+          <p:cNvPr id="10" name="文字方塊 9"/>
           <p:cNvSpPr txBox="1"/>
           <p:nvPr/>
         </p:nvSpPr>
         <p:spPr>
           <a:xfrm>
-            <a:off x="359229" y="1667492"/>
-            <a:ext cx="11107057" cy="923330"/>
+            <a:off x="359229" y="1089719"/>
+            <a:ext cx="1445717" cy="461665"/>
           </a:xfrm>
           <a:prstGeom prst="rect">
             <a:avLst/>
@@ -11019,63 +11067,57 @@
           <a:noFill/>
         </p:spPr>
         <p:txBody>
-          <a:bodyPr wrap="square" rtlCol="0">
+          <a:bodyPr wrap="none" rtlCol="0">
             <a:spAutoFit/>
           </a:bodyPr>
           <a:lstStyle/>
           <a:p>
             <a:r>
-              <a:rPr lang="zh-CN" altLang="en-US" dirty="0" smtClean="0"/>
-              <a:t>線性支</a:t>
-            </a:r>
-            <a:r>
-              <a:rPr lang="zh-TW" altLang="en-US" dirty="0" smtClean="0"/>
-              <a:t>持</a:t>
-            </a:r>
-            <a:r>
-              <a:rPr lang="zh-CN" altLang="en-US" dirty="0" smtClean="0"/>
-              <a:t>向量分類，類似於</a:t>
-            </a:r>
-            <a:r>
-              <a:rPr lang="en-US" altLang="zh-CN" dirty="0" smtClean="0"/>
-              <a:t>SVC</a:t>
-            </a:r>
-            <a:r>
-              <a:rPr lang="zh-CN" altLang="en-US" dirty="0" smtClean="0"/>
-              <a:t>，但是其使用的核函數是”</a:t>
-            </a:r>
-            <a:r>
-              <a:rPr lang="en-US" altLang="zh-CN" dirty="0" smtClean="0"/>
-              <a:t>linear“</a:t>
-            </a:r>
-            <a:r>
-              <a:rPr lang="zh-CN" altLang="en-US" dirty="0" smtClean="0"/>
-              <a:t>上邊介紹的兩種是按照</a:t>
-            </a:r>
-            <a:r>
-              <a:rPr lang="en-US" altLang="zh-CN" dirty="0" err="1" smtClean="0"/>
-              <a:t>brf</a:t>
-            </a:r>
-            <a:r>
-              <a:rPr lang="zh-CN" altLang="en-US" dirty="0" smtClean="0"/>
-              <a:t>（徑向基函數計算的，其實現也不是基於</a:t>
-            </a:r>
-            <a:r>
-              <a:rPr lang="en-US" altLang="zh-CN" dirty="0" smtClean="0"/>
-              <a:t>LIBSVM</a:t>
-            </a:r>
-            <a:r>
-              <a:rPr lang="zh-CN" altLang="en-US" dirty="0" smtClean="0"/>
-              <a:t>，所以它具有更大的靈活性在選擇處罰和損失函數時，而且可以適應更大的資料集，他支持密集和稀疏的輸入是通過一對一的方式解決的</a:t>
-            </a:r>
-            <a:endParaRPr lang="en-US" altLang="zh-CN" dirty="0" smtClean="0"/>
+              <a:rPr lang="en-US" altLang="zh-TW" sz="2400" dirty="0" smtClean="0"/>
+              <a:t>SVM</a:t>
+            </a:r>
+            <a:r>
+              <a:rPr lang="zh-TW" altLang="en-US" sz="2400" dirty="0" smtClean="0"/>
+              <a:t> 模型</a:t>
+            </a:r>
+            <a:endParaRPr lang="zh-TW" altLang="en-US" sz="2400" dirty="0"/>
           </a:p>
         </p:txBody>
       </p:sp>
+      <p:pic>
+        <p:nvPicPr>
+          <p:cNvPr id="11" name="圖片 10"/>
+          <p:cNvPicPr>
+            <a:picLocks noChangeAspect="1"/>
+          </p:cNvPicPr>
+          <p:nvPr/>
+        </p:nvPicPr>
+        <p:blipFill>
+          <a:blip r:embed="rId4">
+            <a:extLst>
+              <a:ext uri="{28A0092B-C50C-407E-A947-70E740481C1C}">
+                <a14:useLocalDpi xmlns:a14="http://schemas.microsoft.com/office/drawing/2010/main" val="0"/>
+              </a:ext>
+            </a:extLst>
+          </a:blip>
+          <a:stretch>
+            <a:fillRect/>
+          </a:stretch>
+        </p:blipFill>
+        <p:spPr>
+          <a:xfrm>
+            <a:off x="490755" y="3818052"/>
+            <a:ext cx="7173326" cy="2791215"/>
+          </a:xfrm>
+          <a:prstGeom prst="rect">
+            <a:avLst/>
+          </a:prstGeom>
+        </p:spPr>
+      </p:pic>
     </p:spTree>
     <p:extLst>
       <p:ext uri="{BB962C8B-B14F-4D97-AF65-F5344CB8AC3E}">
-        <p14:creationId xmlns:p14="http://schemas.microsoft.com/office/powerpoint/2010/main" val="4127372445"/>
+        <p14:creationId xmlns:p14="http://schemas.microsoft.com/office/powerpoint/2010/main" val="3828396442"/>
       </p:ext>
     </p:extLst>
   </p:cSld>
@@ -11420,21 +11462,21 @@
           <a:p>
             <a:pPr algn="l"/>
             <a:r>
-              <a:rPr lang="zh-TW" altLang="en-US" dirty="0" smtClean="0">
+              <a:rPr lang="zh-TW" altLang="en-US" smtClean="0">
                 <a:latin typeface="微軟正黑體" panose="020B0604030504040204" pitchFamily="34" charset="-120"/>
                 <a:ea typeface="微軟正黑體" panose="020B0604030504040204" pitchFamily="34" charset="-120"/>
               </a:rPr>
               <a:t>建構模型</a:t>
             </a:r>
             <a:r>
-              <a:rPr lang="en-US" altLang="zh-TW" b="1" dirty="0" smtClean="0">
+              <a:rPr lang="en-US" altLang="zh-TW" b="1" smtClean="0">
                 <a:latin typeface="微軟正黑體" panose="020B0604030504040204" pitchFamily="34" charset="-120"/>
                 <a:ea typeface="微軟正黑體" panose="020B0604030504040204" pitchFamily="34" charset="-120"/>
               </a:rPr>
               <a:t/>
             </a:r>
             <a:br>
-              <a:rPr lang="en-US" altLang="zh-TW" b="1" dirty="0" smtClean="0">
+              <a:rPr lang="en-US" altLang="zh-TW" b="1" smtClean="0">
                 <a:latin typeface="微軟正黑體" panose="020B0604030504040204" pitchFamily="34" charset="-120"/>
                 <a:ea typeface="微軟正黑體" panose="020B0604030504040204" pitchFamily="34" charset="-120"/>
               </a:rPr>
@@ -11454,8 +11496,8 @@
         </p:nvSpPr>
         <p:spPr>
           <a:xfrm>
-            <a:off x="359229" y="1024390"/>
-            <a:ext cx="5341257" cy="461665"/>
+            <a:off x="359229" y="1089719"/>
+            <a:ext cx="2676823" cy="461665"/>
           </a:xfrm>
           <a:prstGeom prst="rect">
             <a:avLst/>
@@ -11463,242 +11505,127 @@
           <a:noFill/>
         </p:spPr>
         <p:txBody>
-          <a:bodyPr wrap="square" rtlCol="0">
+          <a:bodyPr wrap="none" rtlCol="0">
             <a:spAutoFit/>
           </a:bodyPr>
           <a:lstStyle/>
           <a:p>
             <a:r>
-              <a:rPr lang="en-US" altLang="zh-TW" sz="2400" dirty="0" err="1" smtClean="0"/>
-              <a:t>LinearSVC</a:t>
+              <a:rPr lang="zh-TW" altLang="en-US" sz="2400" dirty="0" smtClean="0"/>
+              <a:t>線性可分</a:t>
             </a:r>
             <a:r>
               <a:rPr lang="en-US" altLang="zh-TW" sz="2400" dirty="0" smtClean="0"/>
-              <a:t>(</a:t>
-            </a:r>
-            <a:r>
-              <a:rPr lang="zh-CN" altLang="en-US" dirty="0" smtClean="0"/>
-              <a:t>線性支援向量分類</a:t>
-            </a:r>
-            <a:r>
-              <a:rPr lang="en-US" altLang="zh-TW" sz="2400" dirty="0" smtClean="0"/>
-              <a:t>)</a:t>
-            </a:r>
-            <a:r>
-              <a:rPr lang="zh-TW" altLang="en-US" sz="2400" dirty="0"/>
-              <a:t>模型理論</a:t>
-            </a:r>
-            <a:endParaRPr lang="en-US" altLang="zh-TW" sz="2400" dirty="0"/>
+              <a:t>SVM</a:t>
+            </a:r>
+            <a:r>
+              <a:rPr lang="zh-TW" altLang="en-US" sz="2400" dirty="0" smtClean="0"/>
+              <a:t> 模型</a:t>
+            </a:r>
+            <a:endParaRPr lang="zh-TW" altLang="en-US" sz="2400" dirty="0"/>
           </a:p>
         </p:txBody>
       </p:sp>
+      <p:pic>
+        <p:nvPicPr>
+          <p:cNvPr id="3" name="圖片 2"/>
+          <p:cNvPicPr>
+            <a:picLocks noChangeAspect="1"/>
+          </p:cNvPicPr>
+          <p:nvPr/>
+        </p:nvPicPr>
+        <p:blipFill>
+          <a:blip r:embed="rId4">
+            <a:extLst>
+              <a:ext uri="{28A0092B-C50C-407E-A947-70E740481C1C}">
+                <a14:useLocalDpi xmlns:a14="http://schemas.microsoft.com/office/drawing/2010/main" val="0"/>
+              </a:ext>
+            </a:extLst>
+          </a:blip>
+          <a:stretch>
+            <a:fillRect/>
+          </a:stretch>
+        </p:blipFill>
+        <p:spPr>
+          <a:xfrm>
+            <a:off x="392495" y="1915180"/>
+            <a:ext cx="5287113" cy="4105848"/>
+          </a:xfrm>
+          <a:prstGeom prst="rect">
+            <a:avLst/>
+          </a:prstGeom>
+        </p:spPr>
+      </p:pic>
       <p:sp>
         <p:nvSpPr>
-          <p:cNvPr id="12" name="文字方塊 11"/>
-          <p:cNvSpPr txBox="1"/>
+          <p:cNvPr id="5" name="矩形 4"/>
+          <p:cNvSpPr/>
           <p:nvPr/>
         </p:nvSpPr>
         <p:spPr>
           <a:xfrm>
-            <a:off x="359229" y="1795890"/>
-            <a:ext cx="11107057" cy="3139321"/>
-          </a:xfrm>
-          <a:prstGeom prst="rect">
-            <a:avLst/>
-          </a:prstGeom>
-          <a:noFill/>
+            <a:off x="7485993" y="1089718"/>
+            <a:ext cx="2984600" cy="461665"/>
+          </a:xfrm>
+          <a:prstGeom prst="rect">
+            <a:avLst/>
+          </a:prstGeom>
         </p:spPr>
         <p:txBody>
-          <a:bodyPr wrap="square" rtlCol="0">
+          <a:bodyPr wrap="none">
             <a:spAutoFit/>
           </a:bodyPr>
           <a:lstStyle/>
           <a:p>
             <a:r>
-              <a:rPr lang="zh-TW" altLang="en-US" dirty="0" smtClean="0">
-                <a:latin typeface="微軟正黑體" panose="020B0604030504040204" pitchFamily="34" charset="-120"/>
-                <a:ea typeface="微軟正黑體" panose="020B0604030504040204" pitchFamily="34" charset="-120"/>
-              </a:rPr>
-              <a:t>核函數</a:t>
-            </a:r>
-            <a:r>
-              <a:rPr lang="en-US" altLang="zh-TW" dirty="0" smtClean="0">
-                <a:latin typeface="微軟正黑體" panose="020B0604030504040204" pitchFamily="34" charset="-120"/>
-                <a:ea typeface="微軟正黑體" panose="020B0604030504040204" pitchFamily="34" charset="-120"/>
-              </a:rPr>
-              <a:t>(kernel</a:t>
-            </a:r>
-            <a:r>
-              <a:rPr lang="zh-TW" altLang="en-US" dirty="0" smtClean="0">
-                <a:latin typeface="微軟正黑體" panose="020B0604030504040204" pitchFamily="34" charset="-120"/>
-                <a:ea typeface="微軟正黑體" panose="020B0604030504040204" pitchFamily="34" charset="-120"/>
-              </a:rPr>
-              <a:t> </a:t>
-            </a:r>
-            <a:r>
-              <a:rPr lang="en-US" altLang="zh-TW" dirty="0" smtClean="0">
-                <a:latin typeface="微軟正黑體" panose="020B0604030504040204" pitchFamily="34" charset="-120"/>
-                <a:ea typeface="微軟正黑體" panose="020B0604030504040204" pitchFamily="34" charset="-120"/>
-              </a:rPr>
-              <a:t>function)</a:t>
-            </a:r>
-            <a:r>
-              <a:rPr lang="zh-TW" altLang="en-US" dirty="0" smtClean="0">
-                <a:latin typeface="微軟正黑體" panose="020B0604030504040204" pitchFamily="34" charset="-120"/>
-                <a:ea typeface="微軟正黑體" panose="020B0604030504040204" pitchFamily="34" charset="-120"/>
-              </a:rPr>
-              <a:t>有很多種其中一種是</a:t>
-            </a:r>
-            <a:r>
-              <a:rPr lang="en-US" altLang="zh-TW" dirty="0" smtClean="0">
-                <a:latin typeface="微軟正黑體" panose="020B0604030504040204" pitchFamily="34" charset="-120"/>
-                <a:ea typeface="微軟正黑體" panose="020B0604030504040204" pitchFamily="34" charset="-120"/>
-              </a:rPr>
-              <a:t>RBF</a:t>
-            </a:r>
-          </a:p>
-          <a:p>
-            <a:r>
-              <a:rPr lang="zh-TW" altLang="en-US" dirty="0" smtClean="0">
-                <a:latin typeface="微軟正黑體" panose="020B0604030504040204" pitchFamily="34" charset="-120"/>
-                <a:ea typeface="微軟正黑體" panose="020B0604030504040204" pitchFamily="34" charset="-120"/>
-              </a:rPr>
-              <a:t>什麼是</a:t>
-            </a:r>
-            <a:r>
-              <a:rPr lang="en-US" altLang="zh-TW" dirty="0" smtClean="0">
-                <a:latin typeface="微軟正黑體" panose="020B0604030504040204" pitchFamily="34" charset="-120"/>
-                <a:ea typeface="微軟正黑體" panose="020B0604030504040204" pitchFamily="34" charset="-120"/>
-              </a:rPr>
-              <a:t>kernel</a:t>
-            </a:r>
-            <a:r>
-              <a:rPr lang="zh-TW" altLang="en-US" dirty="0" smtClean="0">
-                <a:latin typeface="微軟正黑體" panose="020B0604030504040204" pitchFamily="34" charset="-120"/>
-                <a:ea typeface="微軟正黑體" panose="020B0604030504040204" pitchFamily="34" charset="-120"/>
-              </a:rPr>
-              <a:t> </a:t>
-            </a:r>
-            <a:r>
-              <a:rPr lang="en-US" altLang="zh-TW" dirty="0" smtClean="0">
-                <a:latin typeface="微軟正黑體" panose="020B0604030504040204" pitchFamily="34" charset="-120"/>
-                <a:ea typeface="微軟正黑體" panose="020B0604030504040204" pitchFamily="34" charset="-120"/>
-              </a:rPr>
-              <a:t>function?</a:t>
-            </a:r>
-          </a:p>
-          <a:p>
-            <a:endParaRPr lang="en-US" altLang="zh-TW" dirty="0" smtClean="0">
-              <a:latin typeface="微軟正黑體" panose="020B0604030504040204" pitchFamily="34" charset="-120"/>
-              <a:ea typeface="微軟正黑體" panose="020B0604030504040204" pitchFamily="34" charset="-120"/>
-            </a:endParaRPr>
-          </a:p>
-          <a:p>
-            <a:endParaRPr lang="en-US" altLang="zh-TW" dirty="0" smtClean="0">
-              <a:latin typeface="微軟正黑體" panose="020B0604030504040204" pitchFamily="34" charset="-120"/>
-              <a:ea typeface="微軟正黑體" panose="020B0604030504040204" pitchFamily="34" charset="-120"/>
-            </a:endParaRPr>
-          </a:p>
-          <a:p>
-            <a:r>
-              <a:rPr lang="zh-TW" altLang="en-US" dirty="0" smtClean="0">
-                <a:latin typeface="微軟正黑體" panose="020B0604030504040204" pitchFamily="34" charset="-120"/>
-                <a:ea typeface="微軟正黑體" panose="020B0604030504040204" pitchFamily="34" charset="-120"/>
-              </a:rPr>
-              <a:t>徑</a:t>
-            </a:r>
-            <a:r>
-              <a:rPr lang="zh-TW" altLang="en-US" dirty="0">
-                <a:latin typeface="微軟正黑體" panose="020B0604030504040204" pitchFamily="34" charset="-120"/>
-                <a:ea typeface="微軟正黑體" panose="020B0604030504040204" pitchFamily="34" charset="-120"/>
-              </a:rPr>
-              <a:t>向基</a:t>
-            </a:r>
-            <a:r>
-              <a:rPr lang="zh-TW" altLang="en-US" dirty="0" smtClean="0">
-                <a:latin typeface="微軟正黑體" panose="020B0604030504040204" pitchFamily="34" charset="-120"/>
-                <a:ea typeface="微軟正黑體" panose="020B0604030504040204" pitchFamily="34" charset="-120"/>
-              </a:rPr>
-              <a:t>函數</a:t>
-            </a:r>
-            <a:r>
-              <a:rPr lang="en-US" altLang="zh-TW" dirty="0" smtClean="0">
-                <a:latin typeface="微軟正黑體" panose="020B0604030504040204" pitchFamily="34" charset="-120"/>
-                <a:ea typeface="微軟正黑體" panose="020B0604030504040204" pitchFamily="34" charset="-120"/>
-              </a:rPr>
-              <a:t>(</a:t>
-            </a:r>
-            <a:r>
-              <a:rPr lang="en-US" altLang="zh-TW" dirty="0"/>
-              <a:t>radial basis function</a:t>
-            </a:r>
-            <a:r>
-              <a:rPr lang="zh-TW" altLang="en-US" dirty="0"/>
-              <a:t>，縮寫為</a:t>
-            </a:r>
-            <a:r>
-              <a:rPr lang="en-US" altLang="zh-TW" dirty="0"/>
-              <a:t>RBF</a:t>
-            </a:r>
-            <a:r>
-              <a:rPr lang="en-US" altLang="zh-TW" dirty="0" smtClean="0">
-                <a:latin typeface="微軟正黑體" panose="020B0604030504040204" pitchFamily="34" charset="-120"/>
-                <a:ea typeface="微軟正黑體" panose="020B0604030504040204" pitchFamily="34" charset="-120"/>
-              </a:rPr>
-              <a:t>)</a:t>
-            </a:r>
-          </a:p>
-          <a:p>
-            <a:endParaRPr lang="en-US" altLang="zh-TW" dirty="0">
-              <a:latin typeface="微軟正黑體" panose="020B0604030504040204" pitchFamily="34" charset="-120"/>
-              <a:ea typeface="微軟正黑體" panose="020B0604030504040204" pitchFamily="34" charset="-120"/>
-            </a:endParaRPr>
-          </a:p>
-          <a:p>
-            <a:r>
-              <a:rPr lang="zh-TW" altLang="en-US" dirty="0"/>
-              <a:t>常見的徑向基</a:t>
-            </a:r>
-            <a:r>
-              <a:rPr lang="zh-TW" altLang="en-US" dirty="0" smtClean="0"/>
-              <a:t>函數</a:t>
-            </a:r>
-            <a:endParaRPr lang="en-US" altLang="zh-TW" dirty="0" smtClean="0"/>
-          </a:p>
-          <a:p>
-            <a:endParaRPr lang="en-US" altLang="zh-TW" dirty="0">
-              <a:latin typeface="微軟正黑體" panose="020B0604030504040204" pitchFamily="34" charset="-120"/>
-              <a:ea typeface="微軟正黑體" panose="020B0604030504040204" pitchFamily="34" charset="-120"/>
-            </a:endParaRPr>
-          </a:p>
-          <a:p>
-            <a:r>
-              <a:rPr lang="zh-TW" altLang="en-US" dirty="0" smtClean="0">
-                <a:latin typeface="微軟正黑體" panose="020B0604030504040204" pitchFamily="34" charset="-120"/>
-                <a:ea typeface="微軟正黑體" panose="020B0604030504040204" pitchFamily="34" charset="-120"/>
-              </a:rPr>
-              <a:t>高斯函數</a:t>
-            </a:r>
-            <a:endParaRPr lang="en-US" altLang="zh-TW" dirty="0" smtClean="0">
-              <a:latin typeface="微軟正黑體" panose="020B0604030504040204" pitchFamily="34" charset="-120"/>
-              <a:ea typeface="微軟正黑體" panose="020B0604030504040204" pitchFamily="34" charset="-120"/>
-            </a:endParaRPr>
-          </a:p>
-          <a:p>
-            <a:endParaRPr lang="en-US" altLang="zh-TW" dirty="0" smtClean="0">
-              <a:latin typeface="微軟正黑體" panose="020B0604030504040204" pitchFamily="34" charset="-120"/>
-              <a:ea typeface="微軟正黑體" panose="020B0604030504040204" pitchFamily="34" charset="-120"/>
-            </a:endParaRPr>
-          </a:p>
-          <a:p>
-            <a:endParaRPr lang="zh-TW" altLang="en-US" dirty="0"/>
+              <a:rPr lang="zh-TW" altLang="en-US" sz="2400" dirty="0"/>
+              <a:t>線性不可分</a:t>
+            </a:r>
+            <a:r>
+              <a:rPr lang="en-US" altLang="zh-TW" sz="2400" dirty="0"/>
+              <a:t>SVM</a:t>
+            </a:r>
+            <a:r>
+              <a:rPr lang="zh-TW" altLang="en-US" sz="2400" dirty="0"/>
+              <a:t> 模型</a:t>
+            </a:r>
           </a:p>
         </p:txBody>
       </p:sp>
+      <p:pic>
+        <p:nvPicPr>
+          <p:cNvPr id="12" name="圖片 11"/>
+          <p:cNvPicPr>
+            <a:picLocks noChangeAspect="1"/>
+          </p:cNvPicPr>
+          <p:nvPr/>
+        </p:nvPicPr>
+        <p:blipFill>
+          <a:blip r:embed="rId5">
+            <a:extLst>
+              <a:ext uri="{28A0092B-C50C-407E-A947-70E740481C1C}">
+                <a14:useLocalDpi xmlns:a14="http://schemas.microsoft.com/office/drawing/2010/main" val="0"/>
+              </a:ext>
+            </a:extLst>
+          </a:blip>
+          <a:stretch>
+            <a:fillRect/>
+          </a:stretch>
+        </p:blipFill>
+        <p:spPr>
+          <a:xfrm>
+            <a:off x="6193035" y="1812310"/>
+            <a:ext cx="5157137" cy="4070890"/>
+          </a:xfrm>
+          <a:prstGeom prst="rect">
+            <a:avLst/>
+          </a:prstGeom>
+        </p:spPr>
+      </p:pic>
     </p:spTree>
     <p:extLst>
       <p:ext uri="{BB962C8B-B14F-4D97-AF65-F5344CB8AC3E}">
-        <p14:creationId xmlns:p14="http://schemas.microsoft.com/office/powerpoint/2010/main" val="3114388124"/>
+        <p14:creationId xmlns:p14="http://schemas.microsoft.com/office/powerpoint/2010/main" val="3964014769"/>
       </p:ext>
     </p:extLst>
   </p:cSld>
@@ -11823,337 +11750,9 @@
           </a:p>
         </p:txBody>
       </p:sp>
-      <p:pic>
-        <p:nvPicPr>
-          <p:cNvPr id="3" name="圖片 2"/>
-          <p:cNvPicPr>
-            <a:picLocks noChangeAspect="1"/>
-          </p:cNvPicPr>
-          <p:nvPr/>
-        </p:nvPicPr>
-        <p:blipFill rotWithShape="1">
-          <a:blip r:embed="rId4">
-            <a:extLst>
-              <a:ext uri="{28A0092B-C50C-407E-A947-70E740481C1C}">
-                <a14:useLocalDpi xmlns:a14="http://schemas.microsoft.com/office/drawing/2010/main" val="0"/>
-              </a:ext>
-            </a:extLst>
-          </a:blip>
-          <a:srcRect b="62450"/>
-          <a:stretch/>
-        </p:blipFill>
-        <p:spPr>
-          <a:xfrm>
-            <a:off x="359228" y="5257367"/>
-            <a:ext cx="6773220" cy="1341439"/>
-          </a:xfrm>
-          <a:prstGeom prst="rect">
-            <a:avLst/>
-          </a:prstGeom>
-        </p:spPr>
-      </p:pic>
       <p:sp>
         <p:nvSpPr>
-          <p:cNvPr id="9" name="矩形 8"/>
-          <p:cNvSpPr/>
-          <p:nvPr/>
-        </p:nvSpPr>
-        <p:spPr>
-          <a:xfrm>
-            <a:off x="307633" y="2695758"/>
-            <a:ext cx="11489626" cy="1754326"/>
-          </a:xfrm>
-          <a:prstGeom prst="rect">
-            <a:avLst/>
-          </a:prstGeom>
-        </p:spPr>
-        <p:txBody>
-          <a:bodyPr wrap="square">
-            <a:spAutoFit/>
-          </a:bodyPr>
-          <a:lstStyle/>
-          <a:p>
-            <a:r>
-              <a:rPr lang="zh-TW" altLang="en-US" dirty="0" smtClean="0"/>
-              <a:t>當前問題</a:t>
-            </a:r>
-            <a:r>
-              <a:rPr lang="en-US" altLang="zh-TW" dirty="0" smtClean="0"/>
-              <a:t>:</a:t>
-            </a:r>
-          </a:p>
-          <a:p>
-            <a:endParaRPr lang="en-US" altLang="zh-TW" dirty="0"/>
-          </a:p>
-          <a:p>
-            <a:r>
-              <a:rPr lang="zh-TW" altLang="en-US" dirty="0" smtClean="0"/>
-              <a:t>目前的數據不平衡，在現實世界中，採集的數據往往是比例失衡的。</a:t>
-            </a:r>
-            <a:endParaRPr lang="en-US" altLang="zh-TW" dirty="0" smtClean="0"/>
-          </a:p>
-          <a:p>
-            <a:pPr>
-              <a:lnSpc>
-                <a:spcPct val="150000"/>
-              </a:lnSpc>
-            </a:pPr>
-            <a:r>
-              <a:rPr lang="zh-CN" altLang="en-US" b="1" dirty="0" smtClean="0">
-                <a:solidFill>
-                  <a:schemeClr val="accent2">
-                    <a:lumMod val="75000"/>
-                  </a:schemeClr>
-                </a:solidFill>
-              </a:rPr>
-              <a:t>欺詐性交易的數量要遠低於正常和健康的交易，也就是說，它只占到了總觀測量的大約 </a:t>
-            </a:r>
-            <a:r>
-              <a:rPr lang="en-US" altLang="zh-TW" b="1" dirty="0" smtClean="0">
-                <a:solidFill>
-                  <a:schemeClr val="accent2">
-                    <a:lumMod val="75000"/>
-                  </a:schemeClr>
-                </a:solidFill>
-              </a:rPr>
-              <a:t>0.1</a:t>
-            </a:r>
-            <a:r>
-              <a:rPr lang="en-US" altLang="zh-CN" b="1" dirty="0" smtClean="0">
-                <a:solidFill>
-                  <a:schemeClr val="accent2">
-                    <a:lumMod val="75000"/>
-                  </a:schemeClr>
-                </a:solidFill>
-              </a:rPr>
-              <a:t>%</a:t>
-            </a:r>
-            <a:r>
-              <a:rPr lang="zh-CN" altLang="en-US" b="1" dirty="0" smtClean="0">
-                <a:solidFill>
-                  <a:schemeClr val="accent2">
-                    <a:lumMod val="75000"/>
-                  </a:schemeClr>
-                </a:solidFill>
-              </a:rPr>
-              <a:t>。這裡的問題是提高識別罕見的少數類別的準確率，而不是實現更高的總體準確率</a:t>
-            </a:r>
-            <a:r>
-              <a:rPr lang="zh-CN" altLang="en-US" dirty="0" smtClean="0">
-                <a:solidFill>
-                  <a:schemeClr val="accent2">
-                    <a:lumMod val="75000"/>
-                  </a:schemeClr>
-                </a:solidFill>
-              </a:rPr>
-              <a:t>。</a:t>
-            </a:r>
-            <a:r>
-              <a:rPr lang="zh-TW" altLang="en-US" dirty="0" smtClean="0">
-                <a:solidFill>
-                  <a:schemeClr val="accent2">
-                    <a:lumMod val="75000"/>
-                  </a:schemeClr>
-                </a:solidFill>
-              </a:rPr>
-              <a:t>因此我們需要針對該情況作抽樣上的調整</a:t>
-            </a:r>
-            <a:endParaRPr lang="en-US" altLang="zh-TW" dirty="0">
-              <a:solidFill>
-                <a:schemeClr val="accent2">
-                  <a:lumMod val="75000"/>
-                </a:schemeClr>
-              </a:solidFill>
-            </a:endParaRPr>
-          </a:p>
-        </p:txBody>
-      </p:sp>
-      <p:sp>
-        <p:nvSpPr>
-          <p:cNvPr id="5" name="矩形 4"/>
-          <p:cNvSpPr/>
-          <p:nvPr/>
-        </p:nvSpPr>
-        <p:spPr>
-          <a:xfrm>
-            <a:off x="359228" y="2799523"/>
-            <a:ext cx="10990944" cy="646331"/>
-          </a:xfrm>
-          <a:prstGeom prst="rect">
-            <a:avLst/>
-          </a:prstGeom>
-        </p:spPr>
-        <p:txBody>
-          <a:bodyPr wrap="square">
-            <a:spAutoFit/>
-          </a:bodyPr>
-          <a:lstStyle/>
-          <a:p>
-            <a:endParaRPr lang="zh-CN" altLang="en-US" dirty="0"/>
-          </a:p>
-          <a:p>
-            <a:endParaRPr lang="zh-TW" altLang="en-US" dirty="0"/>
-          </a:p>
-        </p:txBody>
-      </p:sp>
-      <p:sp>
-        <p:nvSpPr>
-          <p:cNvPr id="10" name="矩形 9"/>
-          <p:cNvSpPr/>
-          <p:nvPr/>
-        </p:nvSpPr>
-        <p:spPr>
-          <a:xfrm>
-            <a:off x="-18143" y="0"/>
-            <a:ext cx="377372" cy="377372"/>
-          </a:xfrm>
-          <a:prstGeom prst="rect">
-            <a:avLst/>
-          </a:prstGeom>
-          <a:solidFill>
-            <a:srgbClr val="FF0000"/>
-          </a:solidFill>
-          <a:ln>
-            <a:noFill/>
-          </a:ln>
-        </p:spPr>
-        <p:style>
-          <a:lnRef idx="2">
-            <a:schemeClr val="accent1">
-              <a:shade val="50000"/>
-            </a:schemeClr>
-          </a:lnRef>
-          <a:fillRef idx="1">
-            <a:schemeClr val="accent1"/>
-          </a:fillRef>
-          <a:effectRef idx="0">
-            <a:schemeClr val="accent1"/>
-          </a:effectRef>
-          <a:fontRef idx="minor">
-            <a:schemeClr val="lt1"/>
-          </a:fontRef>
-        </p:style>
-        <p:txBody>
-          <a:bodyPr rtlCol="0" anchor="ctr"/>
-          <a:lstStyle/>
-          <a:p>
-            <a:pPr algn="ctr"/>
-            <a:endParaRPr lang="zh-TW" altLang="en-US"/>
-          </a:p>
-        </p:txBody>
-      </p:sp>
-      <p:pic>
-        <p:nvPicPr>
-          <p:cNvPr id="11" name="圖片 10"/>
-          <p:cNvPicPr>
-            <a:picLocks noChangeAspect="1"/>
-          </p:cNvPicPr>
-          <p:nvPr/>
-        </p:nvPicPr>
-        <p:blipFill rotWithShape="1">
-          <a:blip r:embed="rId5">
-            <a:extLst>
-              <a:ext uri="{28A0092B-C50C-407E-A947-70E740481C1C}">
-                <a14:useLocalDpi xmlns:a14="http://schemas.microsoft.com/office/drawing/2010/main" val="0"/>
-              </a:ext>
-            </a:extLst>
-          </a:blip>
-          <a:srcRect t="76441"/>
-          <a:stretch/>
-        </p:blipFill>
-        <p:spPr>
-          <a:xfrm>
-            <a:off x="359228" y="2064411"/>
-            <a:ext cx="6649378" cy="626161"/>
-          </a:xfrm>
-          <a:prstGeom prst="rect">
-            <a:avLst/>
-          </a:prstGeom>
-        </p:spPr>
-      </p:pic>
-      <p:sp>
-        <p:nvSpPr>
-          <p:cNvPr id="8" name="向下箭號 7"/>
-          <p:cNvSpPr/>
-          <p:nvPr/>
-        </p:nvSpPr>
-        <p:spPr>
-          <a:xfrm>
-            <a:off x="3265714" y="2740397"/>
-            <a:ext cx="418203" cy="490770"/>
-          </a:xfrm>
-          <a:prstGeom prst="downArrow">
-            <a:avLst/>
-          </a:prstGeom>
-        </p:spPr>
-        <p:style>
-          <a:lnRef idx="2">
-            <a:schemeClr val="accent1">
-              <a:shade val="50000"/>
-            </a:schemeClr>
-          </a:lnRef>
-          <a:fillRef idx="1">
-            <a:schemeClr val="accent1"/>
-          </a:fillRef>
-          <a:effectRef idx="0">
-            <a:schemeClr val="accent1"/>
-          </a:effectRef>
-          <a:fontRef idx="minor">
-            <a:schemeClr val="lt1"/>
-          </a:fontRef>
-        </p:style>
-        <p:txBody>
-          <a:bodyPr rtlCol="0" anchor="ctr"/>
-          <a:lstStyle/>
-          <a:p>
-            <a:pPr algn="ctr"/>
-            <a:endParaRPr lang="zh-TW" altLang="en-US"/>
-          </a:p>
-        </p:txBody>
-      </p:sp>
-      <p:sp>
-        <p:nvSpPr>
-          <p:cNvPr id="12" name="向下箭號 11"/>
-          <p:cNvSpPr/>
-          <p:nvPr/>
-        </p:nvSpPr>
-        <p:spPr>
-          <a:xfrm>
-            <a:off x="3265713" y="4496252"/>
-            <a:ext cx="418203" cy="656318"/>
-          </a:xfrm>
-          <a:prstGeom prst="downArrow">
-            <a:avLst/>
-          </a:prstGeom>
-        </p:spPr>
-        <p:style>
-          <a:lnRef idx="2">
-            <a:schemeClr val="accent1">
-              <a:shade val="50000"/>
-            </a:schemeClr>
-          </a:lnRef>
-          <a:fillRef idx="1">
-            <a:schemeClr val="accent1"/>
-          </a:fillRef>
-          <a:effectRef idx="0">
-            <a:schemeClr val="accent1"/>
-          </a:effectRef>
-          <a:fontRef idx="minor">
-            <a:schemeClr val="lt1"/>
-          </a:fontRef>
-        </p:style>
-        <p:txBody>
-          <a:bodyPr rtlCol="0" anchor="ctr"/>
-          <a:lstStyle/>
-          <a:p>
-            <a:pPr algn="ctr"/>
-            <a:endParaRPr lang="zh-TW" altLang="en-US"/>
-          </a:p>
-        </p:txBody>
-      </p:sp>
-      <p:sp>
-        <p:nvSpPr>
-          <p:cNvPr id="13" name="標題 1"/>
+          <p:cNvPr id="7" name="標題 1"/>
           <p:cNvSpPr txBox="1">
             <a:spLocks/>
           </p:cNvSpPr>
@@ -12222,81 +11821,126 @@
       </p:sp>
       <p:sp>
         <p:nvSpPr>
-          <p:cNvPr id="14" name="矩形 13"/>
-          <p:cNvSpPr/>
+          <p:cNvPr id="10" name="文字方塊 9"/>
+          <p:cNvSpPr txBox="1"/>
           <p:nvPr/>
         </p:nvSpPr>
         <p:spPr>
           <a:xfrm>
-            <a:off x="307633" y="1353609"/>
-            <a:ext cx="2088200" cy="369332"/>
-          </a:xfrm>
-          <a:prstGeom prst="rect">
-            <a:avLst/>
-          </a:prstGeom>
+            <a:off x="359229" y="1089719"/>
+            <a:ext cx="2369046" cy="461665"/>
+          </a:xfrm>
+          <a:prstGeom prst="rect">
+            <a:avLst/>
+          </a:prstGeom>
+          <a:noFill/>
         </p:spPr>
         <p:txBody>
-          <a:bodyPr wrap="none">
+          <a:bodyPr wrap="none" rtlCol="0">
             <a:spAutoFit/>
           </a:bodyPr>
           <a:lstStyle/>
           <a:p>
-            <a:pPr>
-              <a:defRPr/>
-            </a:pPr>
-            <a:r>
-              <a:rPr lang="en-US" altLang="zh-TW" kern="100" dirty="0">
-                <a:latin typeface="Calibri" panose="020F0502020204030204" pitchFamily="34" charset="0"/>
-                <a:cs typeface="Times New Roman" panose="02020603050405020304" pitchFamily="18" charset="0"/>
-              </a:rPr>
-              <a:t>2.</a:t>
-            </a:r>
-            <a:r>
-              <a:rPr lang="zh-TW" altLang="en-US" kern="100" dirty="0">
-                <a:latin typeface="Calibri" panose="020F0502020204030204" pitchFamily="34" charset="0"/>
-                <a:cs typeface="Times New Roman" panose="02020603050405020304" pitchFamily="18" charset="0"/>
-              </a:rPr>
-              <a:t> 什麼是</a:t>
-            </a:r>
-            <a:r>
-              <a:rPr lang="en-US" altLang="zh-TW" kern="100" dirty="0">
-                <a:latin typeface="Calibri" panose="020F0502020204030204" pitchFamily="34" charset="0"/>
-                <a:cs typeface="Times New Roman" panose="02020603050405020304" pitchFamily="18" charset="0"/>
-              </a:rPr>
-              <a:t>ADASYN</a:t>
-            </a:r>
-            <a:r>
-              <a:rPr lang="zh-TW" altLang="en-US" kern="100" dirty="0">
-                <a:latin typeface="Calibri" panose="020F0502020204030204" pitchFamily="34" charset="0"/>
-                <a:cs typeface="Times New Roman" panose="02020603050405020304" pitchFamily="18" charset="0"/>
-              </a:rPr>
+            <a:r>
+              <a:rPr lang="zh-TW" altLang="en-US" sz="2400" dirty="0" smtClean="0"/>
+              <a:t>非線性</a:t>
+            </a:r>
+            <a:r>
+              <a:rPr lang="en-US" altLang="zh-TW" sz="2400" dirty="0" smtClean="0"/>
+              <a:t>SVM</a:t>
+            </a:r>
+            <a:r>
+              <a:rPr lang="zh-TW" altLang="en-US" sz="2400" dirty="0" smtClean="0"/>
+              <a:t> 模型</a:t>
+            </a:r>
+            <a:endParaRPr lang="zh-TW" altLang="en-US" sz="2400" dirty="0"/>
+          </a:p>
+        </p:txBody>
+      </p:sp>
+      <p:pic>
+        <p:nvPicPr>
+          <p:cNvPr id="8" name="圖片 7"/>
+          <p:cNvPicPr>
+            <a:picLocks noChangeAspect="1"/>
+          </p:cNvPicPr>
+          <p:nvPr/>
+        </p:nvPicPr>
+        <p:blipFill>
+          <a:blip r:embed="rId4">
+            <a:extLst>
+              <a:ext uri="{28A0092B-C50C-407E-A947-70E740481C1C}">
+                <a14:useLocalDpi xmlns:a14="http://schemas.microsoft.com/office/drawing/2010/main" val="0"/>
+              </a:ext>
+            </a:extLst>
+          </a:blip>
+          <a:stretch>
+            <a:fillRect/>
+          </a:stretch>
+        </p:blipFill>
+        <p:spPr>
+          <a:xfrm>
+            <a:off x="359229" y="1928011"/>
+            <a:ext cx="6424120" cy="3711480"/>
+          </a:xfrm>
+          <a:prstGeom prst="rect">
+            <a:avLst/>
+          </a:prstGeom>
+        </p:spPr>
+      </p:pic>
+      <p:sp>
+        <p:nvSpPr>
+          <p:cNvPr id="9" name="文字方塊 8"/>
+          <p:cNvSpPr txBox="1"/>
+          <p:nvPr/>
+        </p:nvSpPr>
+        <p:spPr>
+          <a:xfrm>
+            <a:off x="2180156" y="1776018"/>
+            <a:ext cx="3788794" cy="369332"/>
+          </a:xfrm>
+          <a:prstGeom prst="rect">
+            <a:avLst/>
+          </a:prstGeom>
+          <a:noFill/>
+        </p:spPr>
+        <p:txBody>
+          <a:bodyPr wrap="none" rtlCol="0">
+            <a:spAutoFit/>
+          </a:bodyPr>
+          <a:lstStyle/>
+          <a:p>
+            <a:r>
+              <a:rPr lang="zh-TW" altLang="en-US" dirty="0" smtClean="0"/>
+              <a:t>透過映射函數 </a:t>
+            </a:r>
+            <a:r>
+              <a:rPr lang="en-US" altLang="zh-TW" dirty="0" smtClean="0"/>
+              <a:t>=&gt;</a:t>
+            </a:r>
+            <a:r>
+              <a:rPr lang="zh-TW" altLang="en-US" dirty="0" smtClean="0"/>
+              <a:t> 透過</a:t>
+            </a:r>
+            <a:r>
+              <a:rPr lang="en-US" altLang="zh-TW" dirty="0" smtClean="0"/>
+              <a:t>kernel</a:t>
+            </a:r>
+            <a:r>
+              <a:rPr lang="zh-TW" altLang="en-US" dirty="0" smtClean="0"/>
               <a:t> </a:t>
             </a:r>
             <a:r>
-              <a:rPr lang="en-US" altLang="zh-TW" kern="100" dirty="0">
-                <a:latin typeface="Calibri" panose="020F0502020204030204" pitchFamily="34" charset="0"/>
-                <a:cs typeface="Times New Roman" panose="02020603050405020304" pitchFamily="18" charset="0"/>
-              </a:rPr>
-              <a:t>?</a:t>
-            </a:r>
-            <a:r>
-              <a:rPr lang="zh-TW" altLang="en-US" kern="100" dirty="0">
-                <a:latin typeface="Calibri" panose="020F0502020204030204" pitchFamily="34" charset="0"/>
-                <a:cs typeface="Times New Roman" panose="02020603050405020304" pitchFamily="18" charset="0"/>
-              </a:rPr>
-              <a:t> </a:t>
-            </a:r>
-            <a:endParaRPr lang="zh-TW" altLang="zh-TW" kern="100" dirty="0">
-              <a:latin typeface="Calibri" panose="020F0502020204030204" pitchFamily="34" charset="0"/>
-              <a:cs typeface="Times New Roman" panose="02020603050405020304" pitchFamily="18" charset="0"/>
-            </a:endParaRPr>
+              <a:rPr lang="en-US" altLang="zh-TW" dirty="0" smtClean="0"/>
+              <a:t>function</a:t>
+            </a:r>
+            <a:endParaRPr lang="zh-TW" altLang="en-US" dirty="0"/>
           </a:p>
         </p:txBody>
       </p:sp>
     </p:spTree>
     <p:extLst>
       <p:ext uri="{BB962C8B-B14F-4D97-AF65-F5344CB8AC3E}">
-        <p14:creationId xmlns:p14="http://schemas.microsoft.com/office/powerpoint/2010/main" val="951638388"/>
+        <p14:creationId xmlns:p14="http://schemas.microsoft.com/office/powerpoint/2010/main" val="1735113750"/>
       </p:ext>
     </p:extLst>
   </p:cSld>
@@ -12332,7 +11976,7 @@
       </p:grpSpPr>
       <p:pic>
         <p:nvPicPr>
-          <p:cNvPr id="4" name="圖片 3"/>
+          <p:cNvPr id="3" name="圖片 2"/>
           <p:cNvPicPr>
             <a:picLocks noChangeAspect="1"/>
           </p:cNvPicPr>
@@ -12352,6 +11996,36 @@
         </p:blipFill>
         <p:spPr>
           <a:xfrm>
+            <a:off x="6073153" y="2954316"/>
+            <a:ext cx="5696725" cy="3528377"/>
+          </a:xfrm>
+          <a:prstGeom prst="rect">
+            <a:avLst/>
+          </a:prstGeom>
+        </p:spPr>
+      </p:pic>
+      <p:pic>
+        <p:nvPicPr>
+          <p:cNvPr id="4" name="圖片 3"/>
+          <p:cNvPicPr>
+            <a:picLocks noChangeAspect="1"/>
+          </p:cNvPicPr>
+          <p:nvPr/>
+        </p:nvPicPr>
+        <p:blipFill>
+          <a:blip r:embed="rId3">
+            <a:extLst>
+              <a:ext uri="{28A0092B-C50C-407E-A947-70E740481C1C}">
+                <a14:useLocalDpi xmlns:a14="http://schemas.microsoft.com/office/drawing/2010/main" val="0"/>
+              </a:ext>
+            </a:extLst>
+          </a:blip>
+          <a:stretch>
+            <a:fillRect/>
+          </a:stretch>
+        </p:blipFill>
+        <p:spPr>
+          <a:xfrm>
             <a:off x="7400256" y="0"/>
             <a:ext cx="4791744" cy="828791"/>
           </a:xfrm>
@@ -12369,7 +12043,7 @@
           <p:nvPr/>
         </p:nvPicPr>
         <p:blipFill>
-          <a:blip r:embed="rId3">
+          <a:blip r:embed="rId4">
             <a:extLst>
               <a:ext uri="{28A0092B-C50C-407E-A947-70E740481C1C}">
                 <a14:useLocalDpi xmlns:a14="http://schemas.microsoft.com/office/drawing/2010/main" val="0"/>
@@ -12490,170 +12164,156 @@
           </a:p>
         </p:txBody>
       </p:sp>
+      <p:sp>
+        <p:nvSpPr>
+          <p:cNvPr id="10" name="文字方塊 9"/>
+          <p:cNvSpPr txBox="1"/>
+          <p:nvPr/>
+        </p:nvSpPr>
+        <p:spPr>
+          <a:xfrm>
+            <a:off x="359229" y="1024390"/>
+            <a:ext cx="5341257" cy="461665"/>
+          </a:xfrm>
+          <a:prstGeom prst="rect">
+            <a:avLst/>
+          </a:prstGeom>
+          <a:noFill/>
+        </p:spPr>
+        <p:txBody>
+          <a:bodyPr wrap="square" rtlCol="0">
+            <a:spAutoFit/>
+          </a:bodyPr>
+          <a:lstStyle/>
+          <a:p>
+            <a:r>
+              <a:rPr lang="en-US" altLang="zh-TW" sz="2400" dirty="0" err="1" smtClean="0"/>
+              <a:t>LinearSVC</a:t>
+            </a:r>
+            <a:r>
+              <a:rPr lang="en-US" altLang="zh-TW" sz="2400" dirty="0" smtClean="0"/>
+              <a:t>(</a:t>
+            </a:r>
+            <a:r>
+              <a:rPr lang="zh-CN" altLang="en-US" dirty="0" smtClean="0"/>
+              <a:t>線性支援向量分類</a:t>
+            </a:r>
+            <a:r>
+              <a:rPr lang="en-US" altLang="zh-TW" sz="2400" dirty="0" smtClean="0"/>
+              <a:t>)</a:t>
+            </a:r>
+            <a:r>
+              <a:rPr lang="zh-TW" altLang="en-US" sz="2400" dirty="0"/>
+              <a:t>模型理論</a:t>
+            </a:r>
+            <a:endParaRPr lang="en-US" altLang="zh-TW" sz="2400" dirty="0"/>
+          </a:p>
+        </p:txBody>
+      </p:sp>
+      <p:sp>
+        <p:nvSpPr>
+          <p:cNvPr id="11" name="文字方塊 10"/>
+          <p:cNvSpPr txBox="1"/>
+          <p:nvPr/>
+        </p:nvSpPr>
+        <p:spPr>
+          <a:xfrm>
+            <a:off x="359229" y="1667492"/>
+            <a:ext cx="11107057" cy="923330"/>
+          </a:xfrm>
+          <a:prstGeom prst="rect">
+            <a:avLst/>
+          </a:prstGeom>
+          <a:noFill/>
+        </p:spPr>
+        <p:txBody>
+          <a:bodyPr wrap="square" rtlCol="0">
+            <a:spAutoFit/>
+          </a:bodyPr>
+          <a:lstStyle/>
+          <a:p>
+            <a:r>
+              <a:rPr lang="zh-CN" altLang="en-US" dirty="0" smtClean="0"/>
+              <a:t>線性支</a:t>
+            </a:r>
+            <a:r>
+              <a:rPr lang="zh-TW" altLang="en-US" dirty="0" smtClean="0"/>
+              <a:t>持</a:t>
+            </a:r>
+            <a:r>
+              <a:rPr lang="zh-CN" altLang="en-US" dirty="0" smtClean="0"/>
+              <a:t>向量分類，類似於</a:t>
+            </a:r>
+            <a:r>
+              <a:rPr lang="en-US" altLang="zh-CN" dirty="0" smtClean="0"/>
+              <a:t>SVC</a:t>
+            </a:r>
+            <a:r>
+              <a:rPr lang="zh-CN" altLang="en-US" dirty="0" smtClean="0"/>
+              <a:t>，但是其使用的核函數是”</a:t>
+            </a:r>
+            <a:r>
+              <a:rPr lang="en-US" altLang="zh-CN" dirty="0" smtClean="0"/>
+              <a:t>linear“</a:t>
+            </a:r>
+            <a:r>
+              <a:rPr lang="zh-CN" altLang="en-US" dirty="0" smtClean="0"/>
+              <a:t>上邊介紹的兩種是按照</a:t>
+            </a:r>
+            <a:r>
+              <a:rPr lang="en-US" altLang="zh-CN" dirty="0" err="1" smtClean="0"/>
+              <a:t>brf</a:t>
+            </a:r>
+            <a:r>
+              <a:rPr lang="zh-CN" altLang="en-US" dirty="0" smtClean="0"/>
+              <a:t>（徑向基函數計算的，其實現也不是基於</a:t>
+            </a:r>
+            <a:r>
+              <a:rPr lang="en-US" altLang="zh-CN" dirty="0" smtClean="0"/>
+              <a:t>LIBSVM</a:t>
+            </a:r>
+            <a:r>
+              <a:rPr lang="zh-CN" altLang="en-US" dirty="0" smtClean="0"/>
+              <a:t>，所以它具有更大的靈活性在選擇處罰和損失函數時，而且可以適應更大的資料集，他支持密集和稀疏的輸入是通過一對一的方式解決的</a:t>
+            </a:r>
+            <a:endParaRPr lang="en-US" altLang="zh-CN" dirty="0" smtClean="0"/>
+          </a:p>
+        </p:txBody>
+      </p:sp>
       <p:pic>
         <p:nvPicPr>
-          <p:cNvPr id="3" name="圖片 2"/>
+          <p:cNvPr id="5" name="圖片 4"/>
           <p:cNvPicPr>
             <a:picLocks noChangeAspect="1"/>
           </p:cNvPicPr>
           <p:nvPr/>
         </p:nvPicPr>
-        <p:blipFill rotWithShape="1">
-          <a:blip r:embed="rId4">
+        <p:blipFill>
+          <a:blip r:embed="rId5">
             <a:extLst>
               <a:ext uri="{28A0092B-C50C-407E-A947-70E740481C1C}">
                 <a14:useLocalDpi xmlns:a14="http://schemas.microsoft.com/office/drawing/2010/main" val="0"/>
               </a:ext>
             </a:extLst>
           </a:blip>
-          <a:srcRect b="62450"/>
-          <a:stretch/>
+          <a:stretch>
+            <a:fillRect/>
+          </a:stretch>
         </p:blipFill>
         <p:spPr>
           <a:xfrm>
-            <a:off x="359229" y="1024390"/>
-            <a:ext cx="6773220" cy="1341439"/>
+            <a:off x="583517" y="3086575"/>
+            <a:ext cx="4316288" cy="3365242"/>
           </a:xfrm>
           <a:prstGeom prst="rect">
             <a:avLst/>
           </a:prstGeom>
         </p:spPr>
       </p:pic>
-      <p:sp>
-        <p:nvSpPr>
-          <p:cNvPr id="9" name="矩形 8"/>
-          <p:cNvSpPr/>
-          <p:nvPr/>
-        </p:nvSpPr>
-        <p:spPr>
-          <a:xfrm>
-            <a:off x="359229" y="2430191"/>
-            <a:ext cx="6206827" cy="369332"/>
-          </a:xfrm>
-          <a:prstGeom prst="rect">
-            <a:avLst/>
-          </a:prstGeom>
-        </p:spPr>
-        <p:txBody>
-          <a:bodyPr wrap="none">
-            <a:spAutoFit/>
-          </a:bodyPr>
-          <a:lstStyle/>
-          <a:p>
-            <a:r>
-              <a:rPr lang="zh-CN" altLang="en-US" dirty="0" smtClean="0"/>
-              <a:t>處理不平衡學習</a:t>
-            </a:r>
-            <a:r>
-              <a:rPr lang="zh-TW" altLang="en-US" dirty="0" smtClean="0"/>
-              <a:t>的其中一種方式 </a:t>
-            </a:r>
-            <a:r>
-              <a:rPr lang="en-US" altLang="zh-TW" dirty="0" smtClean="0"/>
-              <a:t>=&gt;</a:t>
-            </a:r>
-            <a:r>
-              <a:rPr lang="zh-TW" altLang="en-US" dirty="0" smtClean="0"/>
-              <a:t>過採樣 </a:t>
-            </a:r>
-            <a:r>
-              <a:rPr lang="en-US" altLang="zh-TW" dirty="0" smtClean="0"/>
-              <a:t>(</a:t>
-            </a:r>
-            <a:r>
-              <a:rPr lang="en-US" altLang="zh-TW" dirty="0" err="1" smtClean="0"/>
-              <a:t>Onver</a:t>
-            </a:r>
-            <a:r>
-              <a:rPr lang="en-US" altLang="zh-TW" dirty="0" smtClean="0"/>
-              <a:t>-Sampling</a:t>
-            </a:r>
-            <a:r>
-              <a:rPr lang="en-US" altLang="zh-TW" dirty="0"/>
-              <a:t>)</a:t>
-            </a:r>
-            <a:endParaRPr lang="en-US" altLang="zh-TW" b="1" dirty="0"/>
-          </a:p>
-        </p:txBody>
-      </p:sp>
-      <p:sp>
-        <p:nvSpPr>
-          <p:cNvPr id="5" name="矩形 4"/>
-          <p:cNvSpPr/>
-          <p:nvPr/>
-        </p:nvSpPr>
-        <p:spPr>
-          <a:xfrm>
-            <a:off x="359228" y="2799523"/>
-            <a:ext cx="10990944" cy="646331"/>
-          </a:xfrm>
-          <a:prstGeom prst="rect">
-            <a:avLst/>
-          </a:prstGeom>
-        </p:spPr>
-        <p:txBody>
-          <a:bodyPr wrap="square">
-            <a:spAutoFit/>
-          </a:bodyPr>
-          <a:lstStyle/>
-          <a:p>
-            <a:endParaRPr lang="zh-CN" altLang="en-US" dirty="0"/>
-          </a:p>
-          <a:p>
-            <a:endParaRPr lang="zh-TW" altLang="en-US" dirty="0"/>
-          </a:p>
-        </p:txBody>
-      </p:sp>
-      <p:sp>
-        <p:nvSpPr>
-          <p:cNvPr id="10" name="矩形 9"/>
-          <p:cNvSpPr/>
-          <p:nvPr/>
-        </p:nvSpPr>
-        <p:spPr>
-          <a:xfrm>
-            <a:off x="-18143" y="0"/>
-            <a:ext cx="377372" cy="377372"/>
-          </a:xfrm>
-          <a:prstGeom prst="rect">
-            <a:avLst/>
-          </a:prstGeom>
-          <a:solidFill>
-            <a:srgbClr val="FF0000"/>
-          </a:solidFill>
-          <a:ln>
-            <a:noFill/>
-          </a:ln>
-        </p:spPr>
-        <p:style>
-          <a:lnRef idx="2">
-            <a:schemeClr val="accent1">
-              <a:shade val="50000"/>
-            </a:schemeClr>
-          </a:lnRef>
-          <a:fillRef idx="1">
-            <a:schemeClr val="accent1"/>
-          </a:fillRef>
-          <a:effectRef idx="0">
-            <a:schemeClr val="accent1"/>
-          </a:effectRef>
-          <a:fontRef idx="minor">
-            <a:schemeClr val="lt1"/>
-          </a:fontRef>
-        </p:style>
-        <p:txBody>
-          <a:bodyPr rtlCol="0" anchor="ctr"/>
-          <a:lstStyle/>
-          <a:p>
-            <a:pPr algn="ctr"/>
-            <a:endParaRPr lang="zh-TW" altLang="en-US"/>
-          </a:p>
-        </p:txBody>
-      </p:sp>
     </p:spTree>
     <p:extLst>
       <p:ext uri="{BB962C8B-B14F-4D97-AF65-F5344CB8AC3E}">
-        <p14:creationId xmlns:p14="http://schemas.microsoft.com/office/powerpoint/2010/main" val="398999244"/>
+        <p14:creationId xmlns:p14="http://schemas.microsoft.com/office/powerpoint/2010/main" val="4127372445"/>
       </p:ext>
     </p:extLst>
   </p:cSld>
@@ -12847,6 +12507,165 @@
           </a:p>
         </p:txBody>
       </p:sp>
+      <p:sp>
+        <p:nvSpPr>
+          <p:cNvPr id="10" name="文字方塊 9"/>
+          <p:cNvSpPr txBox="1"/>
+          <p:nvPr/>
+        </p:nvSpPr>
+        <p:spPr>
+          <a:xfrm>
+            <a:off x="359229" y="1024390"/>
+            <a:ext cx="5341257" cy="461665"/>
+          </a:xfrm>
+          <a:prstGeom prst="rect">
+            <a:avLst/>
+          </a:prstGeom>
+          <a:noFill/>
+        </p:spPr>
+        <p:txBody>
+          <a:bodyPr wrap="square" rtlCol="0">
+            <a:spAutoFit/>
+          </a:bodyPr>
+          <a:lstStyle/>
+          <a:p>
+            <a:r>
+              <a:rPr lang="en-US" altLang="zh-TW" sz="2400" dirty="0" err="1" smtClean="0"/>
+              <a:t>LinearSVC</a:t>
+            </a:r>
+            <a:r>
+              <a:rPr lang="en-US" altLang="zh-TW" sz="2400" dirty="0" smtClean="0"/>
+              <a:t>(</a:t>
+            </a:r>
+            <a:r>
+              <a:rPr lang="zh-CN" altLang="en-US" dirty="0" smtClean="0"/>
+              <a:t>線性支援向量分類</a:t>
+            </a:r>
+            <a:r>
+              <a:rPr lang="en-US" altLang="zh-TW" sz="2400" dirty="0" smtClean="0"/>
+              <a:t>)</a:t>
+            </a:r>
+            <a:r>
+              <a:rPr lang="zh-TW" altLang="en-US" sz="2400" dirty="0"/>
+              <a:t>模型理論</a:t>
+            </a:r>
+            <a:endParaRPr lang="en-US" altLang="zh-TW" sz="2400" dirty="0"/>
+          </a:p>
+        </p:txBody>
+      </p:sp>
+      <p:sp>
+        <p:nvSpPr>
+          <p:cNvPr id="12" name="文字方塊 11"/>
+          <p:cNvSpPr txBox="1"/>
+          <p:nvPr/>
+        </p:nvSpPr>
+        <p:spPr>
+          <a:xfrm>
+            <a:off x="359229" y="1795890"/>
+            <a:ext cx="11107057" cy="1477328"/>
+          </a:xfrm>
+          <a:prstGeom prst="rect">
+            <a:avLst/>
+          </a:prstGeom>
+          <a:noFill/>
+        </p:spPr>
+        <p:txBody>
+          <a:bodyPr wrap="square" rtlCol="0">
+            <a:spAutoFit/>
+          </a:bodyPr>
+          <a:lstStyle/>
+          <a:p>
+            <a:r>
+              <a:rPr lang="zh-TW" altLang="en-US" dirty="0" smtClean="0">
+                <a:latin typeface="微軟正黑體" panose="020B0604030504040204" pitchFamily="34" charset="-120"/>
+                <a:ea typeface="微軟正黑體" panose="020B0604030504040204" pitchFamily="34" charset="-120"/>
+              </a:rPr>
+              <a:t>核</a:t>
+            </a:r>
+            <a:r>
+              <a:rPr lang="zh-TW" altLang="en-US" dirty="0" smtClean="0">
+                <a:latin typeface="微軟正黑體" panose="020B0604030504040204" pitchFamily="34" charset="-120"/>
+                <a:ea typeface="微軟正黑體" panose="020B0604030504040204" pitchFamily="34" charset="-120"/>
+              </a:rPr>
+              <a:t>方</a:t>
+            </a:r>
+            <a:r>
+              <a:rPr lang="zh-TW" altLang="en-US" dirty="0">
+                <a:latin typeface="微軟正黑體" panose="020B0604030504040204" pitchFamily="34" charset="-120"/>
+                <a:ea typeface="微軟正黑體" panose="020B0604030504040204" pitchFamily="34" charset="-120"/>
+              </a:rPr>
+              <a:t>法</a:t>
+            </a:r>
+            <a:r>
+              <a:rPr lang="en-US" altLang="zh-TW" dirty="0" smtClean="0">
+                <a:latin typeface="微軟正黑體" panose="020B0604030504040204" pitchFamily="34" charset="-120"/>
+                <a:ea typeface="微軟正黑體" panose="020B0604030504040204" pitchFamily="34" charset="-120"/>
+              </a:rPr>
+              <a:t>(</a:t>
+            </a:r>
+            <a:r>
+              <a:rPr lang="en-US" altLang="zh-TW" dirty="0" smtClean="0">
+                <a:latin typeface="微軟正黑體" panose="020B0604030504040204" pitchFamily="34" charset="-120"/>
+                <a:ea typeface="微軟正黑體" panose="020B0604030504040204" pitchFamily="34" charset="-120"/>
+              </a:rPr>
+              <a:t>kernel</a:t>
+            </a:r>
+            <a:r>
+              <a:rPr lang="zh-TW" altLang="en-US" dirty="0" smtClean="0">
+                <a:latin typeface="微軟正黑體" panose="020B0604030504040204" pitchFamily="34" charset="-120"/>
+                <a:ea typeface="微軟正黑體" panose="020B0604030504040204" pitchFamily="34" charset="-120"/>
+              </a:rPr>
+              <a:t> </a:t>
+            </a:r>
+            <a:r>
+              <a:rPr lang="en-US" altLang="zh-TW" dirty="0" smtClean="0">
+                <a:latin typeface="微軟正黑體" panose="020B0604030504040204" pitchFamily="34" charset="-120"/>
+                <a:ea typeface="微軟正黑體" panose="020B0604030504040204" pitchFamily="34" charset="-120"/>
+              </a:rPr>
+              <a:t>method</a:t>
+            </a:r>
+            <a:r>
+              <a:rPr lang="en-US" altLang="zh-TW" dirty="0" smtClean="0">
+                <a:latin typeface="微軟正黑體" panose="020B0604030504040204" pitchFamily="34" charset="-120"/>
+                <a:ea typeface="微軟正黑體" panose="020B0604030504040204" pitchFamily="34" charset="-120"/>
+              </a:rPr>
+              <a:t>)</a:t>
+            </a:r>
+            <a:r>
+              <a:rPr lang="zh-TW" altLang="en-US" dirty="0" smtClean="0">
+                <a:latin typeface="微軟正黑體" panose="020B0604030504040204" pitchFamily="34" charset="-120"/>
+                <a:ea typeface="微軟正黑體" panose="020B0604030504040204" pitchFamily="34" charset="-120"/>
+              </a:rPr>
+              <a:t>概念</a:t>
+            </a:r>
+            <a:endParaRPr lang="en-US" altLang="zh-TW" dirty="0" smtClean="0">
+              <a:latin typeface="微軟正黑體" panose="020B0604030504040204" pitchFamily="34" charset="-120"/>
+              <a:ea typeface="微軟正黑體" panose="020B0604030504040204" pitchFamily="34" charset="-120"/>
+            </a:endParaRPr>
+          </a:p>
+          <a:p>
+            <a:endParaRPr lang="en-US" altLang="zh-TW" dirty="0" smtClean="0">
+              <a:latin typeface="微軟正黑體" panose="020B0604030504040204" pitchFamily="34" charset="-120"/>
+              <a:ea typeface="微軟正黑體" panose="020B0604030504040204" pitchFamily="34" charset="-120"/>
+            </a:endParaRPr>
+          </a:p>
+          <a:p>
+            <a:endParaRPr lang="en-US" altLang="zh-TW" dirty="0">
+              <a:latin typeface="微軟正黑體" panose="020B0604030504040204" pitchFamily="34" charset="-120"/>
+              <a:ea typeface="微軟正黑體" panose="020B0604030504040204" pitchFamily="34" charset="-120"/>
+            </a:endParaRPr>
+          </a:p>
+          <a:p>
+            <a:endParaRPr lang="en-US" altLang="zh-TW" dirty="0" smtClean="0">
+              <a:latin typeface="微軟正黑體" panose="020B0604030504040204" pitchFamily="34" charset="-120"/>
+              <a:ea typeface="微軟正黑體" panose="020B0604030504040204" pitchFamily="34" charset="-120"/>
+            </a:endParaRPr>
+          </a:p>
+          <a:p>
+            <a:endParaRPr lang="zh-TW" altLang="en-US" dirty="0"/>
+          </a:p>
+        </p:txBody>
+      </p:sp>
       <p:pic>
         <p:nvPicPr>
           <p:cNvPr id="3" name="圖片 2"/>
@@ -12855,7 +12674,7 @@
           </p:cNvPicPr>
           <p:nvPr/>
         </p:nvPicPr>
-        <p:blipFill rotWithShape="1">
+        <p:blipFill>
           <a:blip r:embed="rId4">
             <a:extLst>
               <a:ext uri="{28A0092B-C50C-407E-A947-70E740481C1C}">
@@ -12863,227 +12682,84 @@
               </a:ext>
             </a:extLst>
           </a:blip>
-          <a:srcRect b="62450"/>
-          <a:stretch/>
+          <a:stretch>
+            <a:fillRect/>
+          </a:stretch>
         </p:blipFill>
         <p:spPr>
           <a:xfrm>
-            <a:off x="359229" y="1024390"/>
-            <a:ext cx="6773220" cy="1341439"/>
+            <a:off x="1667848" y="2328395"/>
+            <a:ext cx="2584807" cy="3925476"/>
           </a:xfrm>
           <a:prstGeom prst="rect">
             <a:avLst/>
           </a:prstGeom>
         </p:spPr>
       </p:pic>
-      <p:sp>
-        <p:nvSpPr>
-          <p:cNvPr id="9" name="矩形 8"/>
-          <p:cNvSpPr/>
-          <p:nvPr/>
-        </p:nvSpPr>
-        <p:spPr>
-          <a:xfrm>
-            <a:off x="359229" y="2430191"/>
-            <a:ext cx="6206827" cy="1200329"/>
-          </a:xfrm>
-          <a:prstGeom prst="rect">
-            <a:avLst/>
-          </a:prstGeom>
-        </p:spPr>
-        <p:txBody>
-          <a:bodyPr wrap="none">
-            <a:spAutoFit/>
-          </a:bodyPr>
-          <a:lstStyle/>
-          <a:p>
-            <a:r>
-              <a:rPr lang="zh-CN" altLang="en-US" dirty="0" smtClean="0"/>
-              <a:t>處理不平衡學習</a:t>
-            </a:r>
-            <a:r>
-              <a:rPr lang="zh-TW" altLang="en-US" dirty="0" smtClean="0"/>
-              <a:t>的其中一種方式 </a:t>
-            </a:r>
-            <a:r>
-              <a:rPr lang="en-US" altLang="zh-TW" dirty="0" smtClean="0"/>
-              <a:t>=&gt;</a:t>
-            </a:r>
-            <a:r>
-              <a:rPr lang="zh-TW" altLang="en-US" dirty="0" smtClean="0"/>
-              <a:t>過採樣 </a:t>
-            </a:r>
-            <a:r>
-              <a:rPr lang="en-US" altLang="zh-TW" dirty="0" smtClean="0"/>
-              <a:t>(</a:t>
-            </a:r>
-            <a:r>
-              <a:rPr lang="en-US" altLang="zh-TW" dirty="0" err="1" smtClean="0"/>
-              <a:t>Onver</a:t>
-            </a:r>
-            <a:r>
-              <a:rPr lang="en-US" altLang="zh-TW" dirty="0" smtClean="0"/>
-              <a:t>-Sampling)</a:t>
-            </a:r>
-            <a:endParaRPr lang="en-US" altLang="zh-TW" dirty="0" smtClean="0"/>
-          </a:p>
-          <a:p>
-            <a:endParaRPr lang="en-US" altLang="zh-TW" i="1" dirty="0" smtClean="0">
-              <a:solidFill>
-                <a:schemeClr val="bg2">
-                  <a:lumMod val="50000"/>
-                </a:schemeClr>
-              </a:solidFill>
-            </a:endParaRPr>
-          </a:p>
-          <a:p>
-            <a:r>
-              <a:rPr lang="en-US" altLang="zh-TW" i="1" dirty="0" smtClean="0">
-                <a:solidFill>
-                  <a:schemeClr val="bg2">
-                    <a:lumMod val="50000"/>
-                  </a:schemeClr>
-                </a:solidFill>
-              </a:rPr>
-              <a:t>SMOTE(</a:t>
-            </a:r>
-            <a:r>
-              <a:rPr lang="en-US" altLang="zh-TW" dirty="0" smtClean="0">
-                <a:solidFill>
-                  <a:schemeClr val="bg2">
-                    <a:lumMod val="50000"/>
-                  </a:schemeClr>
-                </a:solidFill>
-              </a:rPr>
-              <a:t>Synthetic </a:t>
-            </a:r>
-            <a:r>
-              <a:rPr lang="en-US" altLang="zh-TW" dirty="0">
-                <a:solidFill>
-                  <a:schemeClr val="bg2">
-                    <a:lumMod val="50000"/>
-                  </a:schemeClr>
-                </a:solidFill>
-              </a:rPr>
-              <a:t>Minority Oversampling </a:t>
-            </a:r>
-            <a:r>
-              <a:rPr lang="en-US" altLang="zh-TW" dirty="0" smtClean="0">
-                <a:solidFill>
-                  <a:schemeClr val="bg2">
-                    <a:lumMod val="50000"/>
-                  </a:schemeClr>
-                </a:solidFill>
-              </a:rPr>
-              <a:t>Technique)</a:t>
-            </a:r>
-            <a:endParaRPr lang="en-US" altLang="zh-TW" b="1" dirty="0">
-              <a:solidFill>
-                <a:schemeClr val="bg2">
-                  <a:lumMod val="50000"/>
-                </a:schemeClr>
-              </a:solidFill>
-            </a:endParaRPr>
-          </a:p>
-          <a:p>
-            <a:r>
-              <a:rPr lang="en-US" altLang="zh-TW" b="1" dirty="0"/>
-              <a:t>Adaptive </a:t>
-            </a:r>
-            <a:r>
-              <a:rPr lang="en-US" altLang="zh-TW" b="1" dirty="0" smtClean="0"/>
-              <a:t>Synthetic(</a:t>
-            </a:r>
-            <a:r>
-              <a:rPr lang="en-US" altLang="zh-TW" b="1" dirty="0"/>
-              <a:t>ADASYN</a:t>
-            </a:r>
-            <a:r>
-              <a:rPr lang="en-US" altLang="zh-TW" b="1" dirty="0" smtClean="0"/>
-              <a:t>)</a:t>
-            </a:r>
-            <a:endParaRPr lang="en-US" altLang="zh-TW" b="1" dirty="0"/>
-          </a:p>
-        </p:txBody>
-      </p:sp>
-      <p:sp>
-        <p:nvSpPr>
-          <p:cNvPr id="5" name="矩形 4"/>
-          <p:cNvSpPr/>
-          <p:nvPr/>
-        </p:nvSpPr>
-        <p:spPr>
-          <a:xfrm>
-            <a:off x="359228" y="2799523"/>
-            <a:ext cx="10990944" cy="646331"/>
-          </a:xfrm>
-          <a:prstGeom prst="rect">
-            <a:avLst/>
-          </a:prstGeom>
-        </p:spPr>
-        <p:txBody>
-          <a:bodyPr wrap="square">
-            <a:spAutoFit/>
-          </a:bodyPr>
-          <a:lstStyle/>
-          <a:p>
-            <a:endParaRPr lang="zh-CN" altLang="en-US" dirty="0"/>
-          </a:p>
-          <a:p>
-            <a:endParaRPr lang="zh-TW" altLang="en-US" dirty="0"/>
-          </a:p>
-        </p:txBody>
-      </p:sp>
-      <p:sp>
-        <p:nvSpPr>
-          <p:cNvPr id="10" name="矩形 9"/>
-          <p:cNvSpPr/>
-          <p:nvPr/>
-        </p:nvSpPr>
-        <p:spPr>
-          <a:xfrm>
-            <a:off x="-18143" y="0"/>
-            <a:ext cx="377372" cy="377372"/>
-          </a:xfrm>
-          <a:prstGeom prst="rect">
-            <a:avLst/>
-          </a:prstGeom>
-          <a:solidFill>
-            <a:srgbClr val="FF0000"/>
-          </a:solidFill>
-          <a:ln>
-            <a:noFill/>
-          </a:ln>
-        </p:spPr>
-        <p:style>
-          <a:lnRef idx="2">
-            <a:schemeClr val="accent1">
-              <a:shade val="50000"/>
-            </a:schemeClr>
-          </a:lnRef>
-          <a:fillRef idx="1">
-            <a:schemeClr val="accent1"/>
-          </a:fillRef>
-          <a:effectRef idx="0">
-            <a:schemeClr val="accent1"/>
-          </a:effectRef>
-          <a:fontRef idx="minor">
-            <a:schemeClr val="lt1"/>
-          </a:fontRef>
-        </p:style>
-        <p:txBody>
-          <a:bodyPr rtlCol="0" anchor="ctr"/>
-          <a:lstStyle/>
-          <a:p>
-            <a:pPr algn="ctr"/>
-            <a:endParaRPr lang="zh-TW" altLang="en-US"/>
-          </a:p>
-        </p:txBody>
-      </p:sp>
+      <p:pic>
+        <p:nvPicPr>
+          <p:cNvPr id="5" name="圖片 4"/>
+          <p:cNvPicPr>
+            <a:picLocks noChangeAspect="1"/>
+          </p:cNvPicPr>
+          <p:nvPr/>
+        </p:nvPicPr>
+        <p:blipFill>
+          <a:blip r:embed="rId5">
+            <a:extLst>
+              <a:ext uri="{28A0092B-C50C-407E-A947-70E740481C1C}">
+                <a14:useLocalDpi xmlns:a14="http://schemas.microsoft.com/office/drawing/2010/main" val="0"/>
+              </a:ext>
+            </a:extLst>
+          </a:blip>
+          <a:stretch>
+            <a:fillRect/>
+          </a:stretch>
+        </p:blipFill>
+        <p:spPr>
+          <a:xfrm>
+            <a:off x="4252655" y="2566867"/>
+            <a:ext cx="3686689" cy="1724266"/>
+          </a:xfrm>
+          <a:prstGeom prst="rect">
+            <a:avLst/>
+          </a:prstGeom>
+        </p:spPr>
+      </p:pic>
+      <p:pic>
+        <p:nvPicPr>
+          <p:cNvPr id="8" name="圖片 7"/>
+          <p:cNvPicPr>
+            <a:picLocks noChangeAspect="1"/>
+          </p:cNvPicPr>
+          <p:nvPr/>
+        </p:nvPicPr>
+        <p:blipFill>
+          <a:blip r:embed="rId6">
+            <a:extLst>
+              <a:ext uri="{28A0092B-C50C-407E-A947-70E740481C1C}">
+                <a14:useLocalDpi xmlns:a14="http://schemas.microsoft.com/office/drawing/2010/main" val="0"/>
+              </a:ext>
+            </a:extLst>
+          </a:blip>
+          <a:stretch>
+            <a:fillRect/>
+          </a:stretch>
+        </p:blipFill>
+        <p:spPr>
+          <a:xfrm>
+            <a:off x="8041747" y="1493564"/>
+            <a:ext cx="2931054" cy="4885090"/>
+          </a:xfrm>
+          <a:prstGeom prst="rect">
+            <a:avLst/>
+          </a:prstGeom>
+        </p:spPr>
+      </p:pic>
     </p:spTree>
     <p:extLst>
       <p:ext uri="{BB962C8B-B14F-4D97-AF65-F5344CB8AC3E}">
-        <p14:creationId xmlns:p14="http://schemas.microsoft.com/office/powerpoint/2010/main" val="1892465289"/>
+        <p14:creationId xmlns:p14="http://schemas.microsoft.com/office/powerpoint/2010/main" val="3114388124"/>
       </p:ext>
     </p:extLst>
   </p:cSld>
@@ -13279,171 +12955,253 @@
       </p:sp>
       <p:sp>
         <p:nvSpPr>
-          <p:cNvPr id="9" name="矩形 8"/>
-          <p:cNvSpPr/>
+          <p:cNvPr id="10" name="文字方塊 9"/>
+          <p:cNvSpPr txBox="1"/>
           <p:nvPr/>
         </p:nvSpPr>
         <p:spPr>
           <a:xfrm>
-            <a:off x="359228" y="1171739"/>
-            <a:ext cx="2135328" cy="369332"/>
-          </a:xfrm>
-          <a:prstGeom prst="rect">
-            <a:avLst/>
-          </a:prstGeom>
+            <a:off x="359229" y="1024390"/>
+            <a:ext cx="5341257" cy="461665"/>
+          </a:xfrm>
+          <a:prstGeom prst="rect">
+            <a:avLst/>
+          </a:prstGeom>
+          <a:noFill/>
         </p:spPr>
         <p:txBody>
-          <a:bodyPr wrap="none">
+          <a:bodyPr wrap="square" rtlCol="0">
             <a:spAutoFit/>
           </a:bodyPr>
           <a:lstStyle/>
           <a:p>
             <a:r>
-              <a:rPr lang="zh-TW" altLang="en-US" b="1" dirty="0" smtClean="0"/>
-              <a:t>插值演算法</a:t>
-            </a:r>
-            <a:r>
-              <a:rPr lang="en-US" altLang="zh-TW" b="1" dirty="0" smtClean="0"/>
-              <a:t>ADASYN</a:t>
-            </a:r>
-            <a:endParaRPr lang="en-US" altLang="zh-TW" b="1" dirty="0"/>
+              <a:rPr lang="en-US" altLang="zh-TW" sz="2400" dirty="0" err="1" smtClean="0"/>
+              <a:t>LinearSVC</a:t>
+            </a:r>
+            <a:r>
+              <a:rPr lang="en-US" altLang="zh-TW" sz="2400" dirty="0" smtClean="0"/>
+              <a:t>(</a:t>
+            </a:r>
+            <a:r>
+              <a:rPr lang="zh-CN" altLang="en-US" dirty="0" smtClean="0"/>
+              <a:t>線性支援向量分類</a:t>
+            </a:r>
+            <a:r>
+              <a:rPr lang="en-US" altLang="zh-TW" sz="2400" dirty="0" smtClean="0"/>
+              <a:t>)</a:t>
+            </a:r>
+            <a:r>
+              <a:rPr lang="zh-TW" altLang="en-US" sz="2400" dirty="0"/>
+              <a:t>模型理論</a:t>
+            </a:r>
+            <a:endParaRPr lang="en-US" altLang="zh-TW" sz="2400" dirty="0"/>
           </a:p>
         </p:txBody>
       </p:sp>
       <p:sp>
         <p:nvSpPr>
-          <p:cNvPr id="5" name="矩形 4"/>
-          <p:cNvSpPr/>
+          <p:cNvPr id="12" name="文字方塊 11"/>
+          <p:cNvSpPr txBox="1"/>
           <p:nvPr/>
         </p:nvSpPr>
         <p:spPr>
           <a:xfrm>
-            <a:off x="359228" y="1586470"/>
-            <a:ext cx="10990944" cy="1200329"/>
-          </a:xfrm>
-          <a:prstGeom prst="rect">
-            <a:avLst/>
-          </a:prstGeom>
+            <a:off x="359229" y="1795890"/>
+            <a:ext cx="11107057" cy="2862322"/>
+          </a:xfrm>
+          <a:prstGeom prst="rect">
+            <a:avLst/>
+          </a:prstGeom>
+          <a:noFill/>
         </p:spPr>
         <p:txBody>
-          <a:bodyPr wrap="square">
+          <a:bodyPr wrap="square" rtlCol="0">
             <a:spAutoFit/>
           </a:bodyPr>
           <a:lstStyle/>
           <a:p>
             <a:r>
-              <a:rPr lang="zh-CN" altLang="en-US" dirty="0" smtClean="0"/>
-              <a:t>基於</a:t>
-            </a:r>
-            <a:r>
-              <a:rPr lang="en-US" altLang="zh-CN" dirty="0" smtClean="0"/>
-              <a:t>k</a:t>
-            </a:r>
-            <a:r>
-              <a:rPr lang="zh-CN" altLang="en-US" dirty="0" smtClean="0"/>
-              <a:t>臨近和插值演算法。不同的是</a:t>
-            </a:r>
-            <a:r>
-              <a:rPr lang="en-US" altLang="zh-CN" dirty="0" smtClean="0"/>
-              <a:t>ADASYN</a:t>
-            </a:r>
-            <a:r>
-              <a:rPr lang="zh-CN" altLang="en-US" dirty="0" smtClean="0"/>
-              <a:t>演算法在考慮</a:t>
-            </a:r>
-            <a:r>
-              <a:rPr lang="en-US" altLang="zh-CN" dirty="0" smtClean="0"/>
-              <a:t>K</a:t>
-            </a:r>
-            <a:r>
-              <a:rPr lang="zh-CN" altLang="en-US" dirty="0" smtClean="0"/>
-              <a:t>個臨近樣本點的時候是包括所有類別的不僅僅是 </a:t>
-            </a:r>
-            <a:r>
-              <a:rPr lang="en-US" altLang="zh-CN" dirty="0" smtClean="0"/>
-              <a:t>Xi</a:t>
-            </a:r>
-            <a:r>
-              <a:rPr lang="en-US" altLang="zh-CN" dirty="0"/>
-              <a:t> </a:t>
-            </a:r>
-            <a:r>
-              <a:rPr lang="zh-CN" altLang="en-US" dirty="0" smtClean="0"/>
-              <a:t>同類。並且根據每個少數類樣本周圍異類樣本點的個數賦予權重 </a:t>
-            </a:r>
-            <a:r>
-              <a:rPr lang="en-US" altLang="zh-CN" dirty="0" err="1" smtClean="0"/>
-              <a:t>ri</a:t>
-            </a:r>
-            <a:r>
-              <a:rPr lang="en-US" altLang="zh-CN" dirty="0"/>
-              <a:t> </a:t>
-            </a:r>
-            <a:r>
-              <a:rPr lang="en-US" altLang="zh-CN" dirty="0" smtClean="0"/>
-              <a:t>,</a:t>
-            </a:r>
-            <a:r>
-              <a:rPr lang="zh-CN" altLang="en-US" dirty="0" smtClean="0"/>
-              <a:t>權重越高，一會根據同類臨近點生成的樣本數也就越多。</a:t>
-            </a:r>
-            <a:endParaRPr lang="zh-CN" altLang="en-US" dirty="0"/>
+              <a:rPr lang="zh-TW" altLang="en-US" dirty="0" smtClean="0">
+                <a:latin typeface="微軟正黑體" panose="020B0604030504040204" pitchFamily="34" charset="-120"/>
+                <a:ea typeface="微軟正黑體" panose="020B0604030504040204" pitchFamily="34" charset="-120"/>
+              </a:rPr>
+              <a:t>核</a:t>
+            </a:r>
+            <a:r>
+              <a:rPr lang="zh-TW" altLang="en-US" dirty="0" smtClean="0">
+                <a:latin typeface="微軟正黑體" panose="020B0604030504040204" pitchFamily="34" charset="-120"/>
+                <a:ea typeface="微軟正黑體" panose="020B0604030504040204" pitchFamily="34" charset="-120"/>
+              </a:rPr>
+              <a:t>方</a:t>
+            </a:r>
+            <a:r>
+              <a:rPr lang="zh-TW" altLang="en-US" dirty="0">
+                <a:latin typeface="微軟正黑體" panose="020B0604030504040204" pitchFamily="34" charset="-120"/>
+                <a:ea typeface="微軟正黑體" panose="020B0604030504040204" pitchFamily="34" charset="-120"/>
+              </a:rPr>
+              <a:t>法</a:t>
+            </a:r>
+            <a:r>
+              <a:rPr lang="en-US" altLang="zh-TW" dirty="0" smtClean="0">
+                <a:latin typeface="微軟正黑體" panose="020B0604030504040204" pitchFamily="34" charset="-120"/>
+                <a:ea typeface="微軟正黑體" panose="020B0604030504040204" pitchFamily="34" charset="-120"/>
+              </a:rPr>
+              <a:t>(</a:t>
+            </a:r>
+            <a:r>
+              <a:rPr lang="en-US" altLang="zh-TW" dirty="0" smtClean="0">
+                <a:latin typeface="微軟正黑體" panose="020B0604030504040204" pitchFamily="34" charset="-120"/>
+                <a:ea typeface="微軟正黑體" panose="020B0604030504040204" pitchFamily="34" charset="-120"/>
+              </a:rPr>
+              <a:t>kernel</a:t>
+            </a:r>
+            <a:r>
+              <a:rPr lang="zh-TW" altLang="en-US" dirty="0" smtClean="0">
+                <a:latin typeface="微軟正黑體" panose="020B0604030504040204" pitchFamily="34" charset="-120"/>
+                <a:ea typeface="微軟正黑體" panose="020B0604030504040204" pitchFamily="34" charset="-120"/>
+              </a:rPr>
+              <a:t> </a:t>
+            </a:r>
+            <a:r>
+              <a:rPr lang="en-US" altLang="zh-TW" dirty="0" smtClean="0">
+                <a:latin typeface="微軟正黑體" panose="020B0604030504040204" pitchFamily="34" charset="-120"/>
+                <a:ea typeface="微軟正黑體" panose="020B0604030504040204" pitchFamily="34" charset="-120"/>
+              </a:rPr>
+              <a:t>method</a:t>
+            </a:r>
+            <a:r>
+              <a:rPr lang="en-US" altLang="zh-TW" dirty="0" smtClean="0">
+                <a:latin typeface="微軟正黑體" panose="020B0604030504040204" pitchFamily="34" charset="-120"/>
+                <a:ea typeface="微軟正黑體" panose="020B0604030504040204" pitchFamily="34" charset="-120"/>
+              </a:rPr>
+              <a:t>)</a:t>
+            </a:r>
+            <a:r>
+              <a:rPr lang="zh-TW" altLang="en-US" dirty="0" smtClean="0">
+                <a:latin typeface="微軟正黑體" panose="020B0604030504040204" pitchFamily="34" charset="-120"/>
+                <a:ea typeface="微軟正黑體" panose="020B0604030504040204" pitchFamily="34" charset="-120"/>
+              </a:rPr>
+              <a:t>概念</a:t>
+            </a:r>
+            <a:endParaRPr lang="en-US" altLang="zh-TW" dirty="0" smtClean="0">
+              <a:latin typeface="微軟正黑體" panose="020B0604030504040204" pitchFamily="34" charset="-120"/>
+              <a:ea typeface="微軟正黑體" panose="020B0604030504040204" pitchFamily="34" charset="-120"/>
+            </a:endParaRPr>
+          </a:p>
+          <a:p>
+            <a:endParaRPr lang="en-US" altLang="zh-TW" dirty="0">
+              <a:latin typeface="微軟正黑體" panose="020B0604030504040204" pitchFamily="34" charset="-120"/>
+              <a:ea typeface="微軟正黑體" panose="020B0604030504040204" pitchFamily="34" charset="-120"/>
+            </a:endParaRPr>
+          </a:p>
+          <a:p>
+            <a:r>
+              <a:rPr lang="zh-TW" altLang="en-US" dirty="0" smtClean="0">
+                <a:latin typeface="微軟正黑體" panose="020B0604030504040204" pitchFamily="34" charset="-120"/>
+                <a:ea typeface="微軟正黑體" panose="020B0604030504040204" pitchFamily="34" charset="-120"/>
+              </a:rPr>
+              <a:t>在原始空間 </a:t>
+            </a:r>
+            <a:r>
+              <a:rPr lang="en-US" altLang="zh-TW" dirty="0" smtClean="0">
+                <a:latin typeface="微軟正黑體" panose="020B0604030504040204" pitchFamily="34" charset="-120"/>
+                <a:ea typeface="微軟正黑體" panose="020B0604030504040204" pitchFamily="34" charset="-120"/>
+              </a:rPr>
+              <a:t>X</a:t>
+            </a:r>
+            <a:r>
+              <a:rPr lang="zh-TW" altLang="en-US" dirty="0" smtClean="0">
+                <a:latin typeface="微軟正黑體" panose="020B0604030504040204" pitchFamily="34" charset="-120"/>
+                <a:ea typeface="微軟正黑體" panose="020B0604030504040204" pitchFamily="34" charset="-120"/>
+              </a:rPr>
+              <a:t> 不好區分的資料可以用非線性的</a:t>
+            </a:r>
+            <a:r>
+              <a:rPr lang="zh-TW" altLang="en-US" dirty="0" smtClean="0">
+                <a:solidFill>
+                  <a:srgbClr val="FF0000"/>
+                </a:solidFill>
+                <a:latin typeface="微軟正黑體" panose="020B0604030504040204" pitchFamily="34" charset="-120"/>
+                <a:ea typeface="微軟正黑體" panose="020B0604030504040204" pitchFamily="34" charset="-120"/>
+              </a:rPr>
+              <a:t>映射函數</a:t>
+            </a:r>
+            <a:r>
+              <a:rPr lang="zh-TW" altLang="en-US" dirty="0" smtClean="0">
+                <a:latin typeface="微軟正黑體" panose="020B0604030504040204" pitchFamily="34" charset="-120"/>
+                <a:ea typeface="微軟正黑體" panose="020B0604030504040204" pitchFamily="34" charset="-120"/>
+              </a:rPr>
+              <a:t>將這些資料轉換到另一個空間 </a:t>
+            </a:r>
+            <a:r>
+              <a:rPr lang="en-US" altLang="zh-TW" dirty="0" smtClean="0">
+                <a:latin typeface="微軟正黑體" panose="020B0604030504040204" pitchFamily="34" charset="-120"/>
+                <a:ea typeface="微軟正黑體" panose="020B0604030504040204" pitchFamily="34" charset="-120"/>
+              </a:rPr>
+              <a:t>H</a:t>
+            </a:r>
+            <a:r>
+              <a:rPr lang="zh-TW" altLang="en-US" dirty="0" smtClean="0">
+                <a:latin typeface="微軟正黑體" panose="020B0604030504040204" pitchFamily="34" charset="-120"/>
+                <a:ea typeface="微軟正黑體" panose="020B0604030504040204" pitchFamily="34" charset="-120"/>
+              </a:rPr>
+              <a:t>，可能可以找到一條線做分割超平面 </a:t>
+            </a:r>
+            <a:r>
+              <a:rPr lang="en-US" altLang="zh-TW" dirty="0">
+                <a:latin typeface="微軟正黑體" panose="020B0604030504040204" pitchFamily="34" charset="-120"/>
+                <a:ea typeface="微軟正黑體" panose="020B0604030504040204" pitchFamily="34" charset="-120"/>
+              </a:rPr>
+              <a:t>(Hyperplane</a:t>
+            </a:r>
+            <a:r>
+              <a:rPr lang="en-US" altLang="zh-TW" dirty="0" smtClean="0">
+                <a:latin typeface="微軟正黑體" panose="020B0604030504040204" pitchFamily="34" charset="-120"/>
+                <a:ea typeface="微軟正黑體" panose="020B0604030504040204" pitchFamily="34" charset="-120"/>
+              </a:rPr>
+              <a:t>)</a:t>
+            </a:r>
+          </a:p>
+          <a:p>
+            <a:endParaRPr lang="en-US" altLang="zh-TW" dirty="0">
+              <a:latin typeface="微軟正黑體" panose="020B0604030504040204" pitchFamily="34" charset="-120"/>
+              <a:ea typeface="微軟正黑體" panose="020B0604030504040204" pitchFamily="34" charset="-120"/>
+            </a:endParaRPr>
+          </a:p>
+          <a:p>
+            <a:endParaRPr lang="en-US" altLang="zh-TW" dirty="0" smtClean="0">
+              <a:latin typeface="微軟正黑體" panose="020B0604030504040204" pitchFamily="34" charset="-120"/>
+              <a:ea typeface="微軟正黑體" panose="020B0604030504040204" pitchFamily="34" charset="-120"/>
+            </a:endParaRPr>
+          </a:p>
+          <a:p>
+            <a:endParaRPr lang="en-US" altLang="zh-TW" dirty="0" smtClean="0">
+              <a:latin typeface="微軟正黑體" panose="020B0604030504040204" pitchFamily="34" charset="-120"/>
+              <a:ea typeface="微軟正黑體" panose="020B0604030504040204" pitchFamily="34" charset="-120"/>
+            </a:endParaRPr>
+          </a:p>
+          <a:p>
+            <a:endParaRPr lang="en-US" altLang="zh-TW" dirty="0">
+              <a:latin typeface="微軟正黑體" panose="020B0604030504040204" pitchFamily="34" charset="-120"/>
+              <a:ea typeface="微軟正黑體" panose="020B0604030504040204" pitchFamily="34" charset="-120"/>
+            </a:endParaRPr>
+          </a:p>
+          <a:p>
+            <a:endParaRPr lang="en-US" altLang="zh-TW" dirty="0" smtClean="0">
+              <a:latin typeface="微軟正黑體" panose="020B0604030504040204" pitchFamily="34" charset="-120"/>
+              <a:ea typeface="微軟正黑體" panose="020B0604030504040204" pitchFamily="34" charset="-120"/>
+            </a:endParaRPr>
           </a:p>
           <a:p>
             <a:endParaRPr lang="zh-TW" altLang="en-US" dirty="0"/>
-          </a:p>
-        </p:txBody>
-      </p:sp>
-      <p:sp>
-        <p:nvSpPr>
-          <p:cNvPr id="10" name="矩形 9"/>
-          <p:cNvSpPr/>
-          <p:nvPr/>
-        </p:nvSpPr>
-        <p:spPr>
-          <a:xfrm>
-            <a:off x="-18144" y="0"/>
-            <a:ext cx="377372" cy="377372"/>
-          </a:xfrm>
-          <a:prstGeom prst="rect">
-            <a:avLst/>
-          </a:prstGeom>
-          <a:solidFill>
-            <a:srgbClr val="002060"/>
-          </a:solidFill>
-          <a:ln>
-            <a:noFill/>
-          </a:ln>
-        </p:spPr>
-        <p:style>
-          <a:lnRef idx="2">
-            <a:schemeClr val="accent1">
-              <a:shade val="50000"/>
-            </a:schemeClr>
-          </a:lnRef>
-          <a:fillRef idx="1">
-            <a:schemeClr val="accent1"/>
-          </a:fillRef>
-          <a:effectRef idx="0">
-            <a:schemeClr val="accent1"/>
-          </a:effectRef>
-          <a:fontRef idx="minor">
-            <a:schemeClr val="lt1"/>
-          </a:fontRef>
-        </p:style>
-        <p:txBody>
-          <a:bodyPr rtlCol="0" anchor="ctr"/>
-          <a:lstStyle/>
-          <a:p>
-            <a:pPr algn="ctr"/>
-            <a:endParaRPr lang="zh-TW" altLang="en-US"/>
           </a:p>
         </p:txBody>
       </p:sp>
     </p:spTree>
     <p:extLst>
       <p:ext uri="{BB962C8B-B14F-4D97-AF65-F5344CB8AC3E}">
-        <p14:creationId xmlns:p14="http://schemas.microsoft.com/office/powerpoint/2010/main" val="3014193443"/>
+        <p14:creationId xmlns:p14="http://schemas.microsoft.com/office/powerpoint/2010/main" val="1107176014"/>
       </p:ext>
     </p:extLst>
   </p:cSld>
@@ -13637,6 +13395,3412 @@
           </a:p>
         </p:txBody>
       </p:sp>
+      <p:sp>
+        <p:nvSpPr>
+          <p:cNvPr id="10" name="文字方塊 9"/>
+          <p:cNvSpPr txBox="1"/>
+          <p:nvPr/>
+        </p:nvSpPr>
+        <p:spPr>
+          <a:xfrm>
+            <a:off x="359229" y="1024390"/>
+            <a:ext cx="5341257" cy="461665"/>
+          </a:xfrm>
+          <a:prstGeom prst="rect">
+            <a:avLst/>
+          </a:prstGeom>
+          <a:noFill/>
+        </p:spPr>
+        <p:txBody>
+          <a:bodyPr wrap="square" rtlCol="0">
+            <a:spAutoFit/>
+          </a:bodyPr>
+          <a:lstStyle/>
+          <a:p>
+            <a:r>
+              <a:rPr lang="en-US" altLang="zh-TW" sz="2400" dirty="0" err="1" smtClean="0"/>
+              <a:t>LinearSVC</a:t>
+            </a:r>
+            <a:r>
+              <a:rPr lang="en-US" altLang="zh-TW" sz="2400" dirty="0" smtClean="0"/>
+              <a:t>(</a:t>
+            </a:r>
+            <a:r>
+              <a:rPr lang="zh-CN" altLang="en-US" dirty="0" smtClean="0"/>
+              <a:t>線性支援向量分類</a:t>
+            </a:r>
+            <a:r>
+              <a:rPr lang="en-US" altLang="zh-TW" sz="2400" dirty="0" smtClean="0"/>
+              <a:t>)</a:t>
+            </a:r>
+            <a:r>
+              <a:rPr lang="zh-TW" altLang="en-US" sz="2400" dirty="0"/>
+              <a:t>模型理論</a:t>
+            </a:r>
+            <a:endParaRPr lang="en-US" altLang="zh-TW" sz="2400" dirty="0"/>
+          </a:p>
+        </p:txBody>
+      </p:sp>
+      <p:sp>
+        <p:nvSpPr>
+          <p:cNvPr id="12" name="文字方塊 11"/>
+          <p:cNvSpPr txBox="1"/>
+          <p:nvPr/>
+        </p:nvSpPr>
+        <p:spPr>
+          <a:xfrm>
+            <a:off x="359229" y="1795890"/>
+            <a:ext cx="11107057" cy="3139321"/>
+          </a:xfrm>
+          <a:prstGeom prst="rect">
+            <a:avLst/>
+          </a:prstGeom>
+          <a:noFill/>
+        </p:spPr>
+        <p:txBody>
+          <a:bodyPr wrap="square" rtlCol="0">
+            <a:spAutoFit/>
+          </a:bodyPr>
+          <a:lstStyle/>
+          <a:p>
+            <a:r>
+              <a:rPr lang="zh-TW" altLang="en-US" dirty="0" smtClean="0">
+                <a:latin typeface="微軟正黑體" panose="020B0604030504040204" pitchFamily="34" charset="-120"/>
+                <a:ea typeface="微軟正黑體" panose="020B0604030504040204" pitchFamily="34" charset="-120"/>
+              </a:rPr>
+              <a:t>核</a:t>
+            </a:r>
+            <a:r>
+              <a:rPr lang="zh-TW" altLang="en-US" dirty="0" smtClean="0">
+                <a:latin typeface="微軟正黑體" panose="020B0604030504040204" pitchFamily="34" charset="-120"/>
+                <a:ea typeface="微軟正黑體" panose="020B0604030504040204" pitchFamily="34" charset="-120"/>
+              </a:rPr>
+              <a:t>方</a:t>
+            </a:r>
+            <a:r>
+              <a:rPr lang="zh-TW" altLang="en-US" dirty="0">
+                <a:latin typeface="微軟正黑體" panose="020B0604030504040204" pitchFamily="34" charset="-120"/>
+                <a:ea typeface="微軟正黑體" panose="020B0604030504040204" pitchFamily="34" charset="-120"/>
+              </a:rPr>
+              <a:t>法</a:t>
+            </a:r>
+            <a:r>
+              <a:rPr lang="en-US" altLang="zh-TW" dirty="0" smtClean="0">
+                <a:latin typeface="微軟正黑體" panose="020B0604030504040204" pitchFamily="34" charset="-120"/>
+                <a:ea typeface="微軟正黑體" panose="020B0604030504040204" pitchFamily="34" charset="-120"/>
+              </a:rPr>
+              <a:t>(</a:t>
+            </a:r>
+            <a:r>
+              <a:rPr lang="en-US" altLang="zh-TW" dirty="0" smtClean="0">
+                <a:latin typeface="微軟正黑體" panose="020B0604030504040204" pitchFamily="34" charset="-120"/>
+                <a:ea typeface="微軟正黑體" panose="020B0604030504040204" pitchFamily="34" charset="-120"/>
+              </a:rPr>
+              <a:t>kernel</a:t>
+            </a:r>
+            <a:r>
+              <a:rPr lang="zh-TW" altLang="en-US" dirty="0" smtClean="0">
+                <a:latin typeface="微軟正黑體" panose="020B0604030504040204" pitchFamily="34" charset="-120"/>
+                <a:ea typeface="微軟正黑體" panose="020B0604030504040204" pitchFamily="34" charset="-120"/>
+              </a:rPr>
+              <a:t> </a:t>
+            </a:r>
+            <a:r>
+              <a:rPr lang="en-US" altLang="zh-TW" dirty="0" smtClean="0">
+                <a:latin typeface="微軟正黑體" panose="020B0604030504040204" pitchFamily="34" charset="-120"/>
+                <a:ea typeface="微軟正黑體" panose="020B0604030504040204" pitchFamily="34" charset="-120"/>
+              </a:rPr>
+              <a:t>method</a:t>
+            </a:r>
+            <a:r>
+              <a:rPr lang="en-US" altLang="zh-TW" dirty="0" smtClean="0">
+                <a:latin typeface="微軟正黑體" panose="020B0604030504040204" pitchFamily="34" charset="-120"/>
+                <a:ea typeface="微軟正黑體" panose="020B0604030504040204" pitchFamily="34" charset="-120"/>
+              </a:rPr>
+              <a:t>)</a:t>
+            </a:r>
+            <a:r>
+              <a:rPr lang="zh-TW" altLang="en-US" dirty="0" smtClean="0">
+                <a:latin typeface="微軟正黑體" panose="020B0604030504040204" pitchFamily="34" charset="-120"/>
+                <a:ea typeface="微軟正黑體" panose="020B0604030504040204" pitchFamily="34" charset="-120"/>
+              </a:rPr>
+              <a:t>概念</a:t>
+            </a:r>
+            <a:endParaRPr lang="en-US" altLang="zh-TW" dirty="0" smtClean="0">
+              <a:latin typeface="微軟正黑體" panose="020B0604030504040204" pitchFamily="34" charset="-120"/>
+              <a:ea typeface="微軟正黑體" panose="020B0604030504040204" pitchFamily="34" charset="-120"/>
+            </a:endParaRPr>
+          </a:p>
+          <a:p>
+            <a:endParaRPr lang="en-US" altLang="zh-TW" dirty="0">
+              <a:latin typeface="微軟正黑體" panose="020B0604030504040204" pitchFamily="34" charset="-120"/>
+              <a:ea typeface="微軟正黑體" panose="020B0604030504040204" pitchFamily="34" charset="-120"/>
+            </a:endParaRPr>
+          </a:p>
+          <a:p>
+            <a:r>
+              <a:rPr lang="zh-TW" altLang="en-US" dirty="0" smtClean="0">
+                <a:latin typeface="微軟正黑體" panose="020B0604030504040204" pitchFamily="34" charset="-120"/>
+                <a:ea typeface="微軟正黑體" panose="020B0604030504040204" pitchFamily="34" charset="-120"/>
+              </a:rPr>
+              <a:t>缺點</a:t>
+            </a:r>
+            <a:r>
+              <a:rPr lang="en-US" altLang="zh-TW" dirty="0" smtClean="0">
+                <a:latin typeface="微軟正黑體" panose="020B0604030504040204" pitchFamily="34" charset="-120"/>
+                <a:ea typeface="微軟正黑體" panose="020B0604030504040204" pitchFamily="34" charset="-120"/>
+              </a:rPr>
+              <a:t>:</a:t>
+            </a:r>
+            <a:r>
+              <a:rPr lang="zh-TW" altLang="en-US" dirty="0" smtClean="0">
+                <a:latin typeface="微軟正黑體" panose="020B0604030504040204" pitchFamily="34" charset="-120"/>
+                <a:ea typeface="微軟正黑體" panose="020B0604030504040204" pitchFamily="34" charset="-120"/>
+              </a:rPr>
+              <a:t> 但是映像函數需要對該問題有清楚的了解，才有機會找出一條符合邏輯的映象函數</a:t>
+            </a:r>
+            <a:endParaRPr lang="en-US" altLang="zh-TW" dirty="0">
+              <a:latin typeface="微軟正黑體" panose="020B0604030504040204" pitchFamily="34" charset="-120"/>
+              <a:ea typeface="微軟正黑體" panose="020B0604030504040204" pitchFamily="34" charset="-120"/>
+            </a:endParaRPr>
+          </a:p>
+          <a:p>
+            <a:endParaRPr lang="en-US" altLang="zh-TW" dirty="0" smtClean="0">
+              <a:latin typeface="微軟正黑體" panose="020B0604030504040204" pitchFamily="34" charset="-120"/>
+              <a:ea typeface="微軟正黑體" panose="020B0604030504040204" pitchFamily="34" charset="-120"/>
+            </a:endParaRPr>
+          </a:p>
+          <a:p>
+            <a:pPr marL="285750" indent="-285750">
+              <a:buFont typeface="Wingdings" panose="05000000000000000000" pitchFamily="2" charset="2"/>
+              <a:buChar char="Ø"/>
+            </a:pPr>
+            <a:r>
+              <a:rPr lang="zh-TW" altLang="en-US" dirty="0" smtClean="0">
+                <a:latin typeface="微軟正黑體" panose="020B0604030504040204" pitchFamily="34" charset="-120"/>
+                <a:ea typeface="微軟正黑體" panose="020B0604030504040204" pitchFamily="34" charset="-120"/>
+              </a:rPr>
+              <a:t>因此我們可以透過核函數</a:t>
+            </a:r>
+            <a:r>
+              <a:rPr lang="en-US" altLang="zh-TW" dirty="0" smtClean="0">
+                <a:latin typeface="微軟正黑體" panose="020B0604030504040204" pitchFamily="34" charset="-120"/>
+                <a:ea typeface="微軟正黑體" panose="020B0604030504040204" pitchFamily="34" charset="-120"/>
+              </a:rPr>
+              <a:t>(kernel</a:t>
+            </a:r>
+            <a:r>
+              <a:rPr lang="zh-TW" altLang="en-US" dirty="0" smtClean="0">
+                <a:latin typeface="微軟正黑體" panose="020B0604030504040204" pitchFamily="34" charset="-120"/>
+                <a:ea typeface="微軟正黑體" panose="020B0604030504040204" pitchFamily="34" charset="-120"/>
+              </a:rPr>
+              <a:t> </a:t>
+            </a:r>
+            <a:r>
+              <a:rPr lang="en-US" altLang="zh-TW" dirty="0" smtClean="0">
+                <a:latin typeface="微軟正黑體" panose="020B0604030504040204" pitchFamily="34" charset="-120"/>
+                <a:ea typeface="微軟正黑體" panose="020B0604030504040204" pitchFamily="34" charset="-120"/>
+              </a:rPr>
+              <a:t>function)</a:t>
+            </a:r>
+            <a:r>
+              <a:rPr lang="zh-TW" altLang="en-US" dirty="0" smtClean="0">
+                <a:latin typeface="微軟正黑體" panose="020B0604030504040204" pitchFamily="34" charset="-120"/>
+                <a:ea typeface="微軟正黑體" panose="020B0604030504040204" pitchFamily="34" charset="-120"/>
+              </a:rPr>
+              <a:t> 去找到分割超平面。</a:t>
+            </a:r>
+            <a:endParaRPr lang="en-US" altLang="zh-TW" dirty="0" smtClean="0">
+              <a:latin typeface="微軟正黑體" panose="020B0604030504040204" pitchFamily="34" charset="-120"/>
+              <a:ea typeface="微軟正黑體" panose="020B0604030504040204" pitchFamily="34" charset="-120"/>
+            </a:endParaRPr>
+          </a:p>
+          <a:p>
+            <a:endParaRPr lang="en-US" altLang="zh-TW" dirty="0">
+              <a:latin typeface="微軟正黑體" panose="020B0604030504040204" pitchFamily="34" charset="-120"/>
+              <a:ea typeface="微軟正黑體" panose="020B0604030504040204" pitchFamily="34" charset="-120"/>
+            </a:endParaRPr>
+          </a:p>
+          <a:p>
+            <a:endParaRPr lang="en-US" altLang="zh-TW" dirty="0" smtClean="0">
+              <a:latin typeface="微軟正黑體" panose="020B0604030504040204" pitchFamily="34" charset="-120"/>
+              <a:ea typeface="微軟正黑體" panose="020B0604030504040204" pitchFamily="34" charset="-120"/>
+            </a:endParaRPr>
+          </a:p>
+          <a:p>
+            <a:endParaRPr lang="en-US" altLang="zh-TW" dirty="0" smtClean="0">
+              <a:latin typeface="微軟正黑體" panose="020B0604030504040204" pitchFamily="34" charset="-120"/>
+              <a:ea typeface="微軟正黑體" panose="020B0604030504040204" pitchFamily="34" charset="-120"/>
+            </a:endParaRPr>
+          </a:p>
+          <a:p>
+            <a:endParaRPr lang="en-US" altLang="zh-TW" dirty="0">
+              <a:latin typeface="微軟正黑體" panose="020B0604030504040204" pitchFamily="34" charset="-120"/>
+              <a:ea typeface="微軟正黑體" panose="020B0604030504040204" pitchFamily="34" charset="-120"/>
+            </a:endParaRPr>
+          </a:p>
+          <a:p>
+            <a:endParaRPr lang="en-US" altLang="zh-TW" dirty="0" smtClean="0">
+              <a:latin typeface="微軟正黑體" panose="020B0604030504040204" pitchFamily="34" charset="-120"/>
+              <a:ea typeface="微軟正黑體" panose="020B0604030504040204" pitchFamily="34" charset="-120"/>
+            </a:endParaRPr>
+          </a:p>
+          <a:p>
+            <a:endParaRPr lang="zh-TW" altLang="en-US" dirty="0"/>
+          </a:p>
+        </p:txBody>
+      </p:sp>
+    </p:spTree>
+    <p:extLst>
+      <p:ext uri="{BB962C8B-B14F-4D97-AF65-F5344CB8AC3E}">
+        <p14:creationId xmlns:p14="http://schemas.microsoft.com/office/powerpoint/2010/main" val="161981835"/>
+      </p:ext>
+    </p:extLst>
+  </p:cSld>
+  <p:clrMapOvr>
+    <a:masterClrMapping/>
+  </p:clrMapOvr>
+  <p:timing>
+    <p:tnLst>
+      <p:par>
+        <p:cTn id="1" dur="indefinite" restart="never" nodeType="tmRoot"/>
+      </p:par>
+    </p:tnLst>
+  </p:timing>
+</p:sld>
+</file>
+
+<file path=ppt/slides/slide26.xml><?xml version="1.0" encoding="utf-8"?>
+<p:sld xmlns:a="http://schemas.openxmlformats.org/drawingml/2006/main" xmlns:r="http://schemas.openxmlformats.org/officeDocument/2006/relationships" xmlns:p="http://schemas.openxmlformats.org/presentationml/2006/main">
+  <p:cSld>
+    <p:spTree>
+      <p:nvGrpSpPr>
+        <p:cNvPr id="1" name=""/>
+        <p:cNvGrpSpPr/>
+        <p:nvPr/>
+      </p:nvGrpSpPr>
+      <p:grpSpPr>
+        <a:xfrm>
+          <a:off x="0" y="0"/>
+          <a:ext cx="0" cy="0"/>
+          <a:chOff x="0" y="0"/>
+          <a:chExt cx="0" cy="0"/>
+        </a:xfrm>
+      </p:grpSpPr>
+      <p:pic>
+        <p:nvPicPr>
+          <p:cNvPr id="4" name="圖片 3"/>
+          <p:cNvPicPr>
+            <a:picLocks noChangeAspect="1"/>
+          </p:cNvPicPr>
+          <p:nvPr/>
+        </p:nvPicPr>
+        <p:blipFill>
+          <a:blip r:embed="rId2">
+            <a:extLst>
+              <a:ext uri="{28A0092B-C50C-407E-A947-70E740481C1C}">
+                <a14:useLocalDpi xmlns:a14="http://schemas.microsoft.com/office/drawing/2010/main" val="0"/>
+              </a:ext>
+            </a:extLst>
+          </a:blip>
+          <a:stretch>
+            <a:fillRect/>
+          </a:stretch>
+        </p:blipFill>
+        <p:spPr>
+          <a:xfrm>
+            <a:off x="7400256" y="0"/>
+            <a:ext cx="4791744" cy="828791"/>
+          </a:xfrm>
+          <a:prstGeom prst="rect">
+            <a:avLst/>
+          </a:prstGeom>
+        </p:spPr>
+      </p:pic>
+      <p:pic>
+        <p:nvPicPr>
+          <p:cNvPr id="2" name="圖片 1"/>
+          <p:cNvPicPr>
+            <a:picLocks noChangeAspect="1"/>
+          </p:cNvPicPr>
+          <p:nvPr/>
+        </p:nvPicPr>
+        <p:blipFill>
+          <a:blip r:embed="rId3">
+            <a:extLst>
+              <a:ext uri="{28A0092B-C50C-407E-A947-70E740481C1C}">
+                <a14:useLocalDpi xmlns:a14="http://schemas.microsoft.com/office/drawing/2010/main" val="0"/>
+              </a:ext>
+            </a:extLst>
+          </a:blip>
+          <a:stretch>
+            <a:fillRect/>
+          </a:stretch>
+        </p:blipFill>
+        <p:spPr>
+          <a:xfrm>
+            <a:off x="7485993" y="0"/>
+            <a:ext cx="4706007" cy="1171739"/>
+          </a:xfrm>
+          <a:prstGeom prst="rect">
+            <a:avLst/>
+          </a:prstGeom>
+        </p:spPr>
+      </p:pic>
+      <p:sp>
+        <p:nvSpPr>
+          <p:cNvPr id="6" name="文字方塊 5"/>
+          <p:cNvSpPr txBox="1"/>
+          <p:nvPr/>
+        </p:nvSpPr>
+        <p:spPr>
+          <a:xfrm>
+            <a:off x="11350172" y="6021028"/>
+            <a:ext cx="841828" cy="461665"/>
+          </a:xfrm>
+          <a:prstGeom prst="rect">
+            <a:avLst/>
+          </a:prstGeom>
+          <a:noFill/>
+        </p:spPr>
+        <p:txBody>
+          <a:bodyPr wrap="square" rtlCol="0">
+            <a:spAutoFit/>
+          </a:bodyPr>
+          <a:lstStyle/>
+          <a:p>
+            <a:r>
+              <a:rPr lang="en-US" altLang="zh-TW" sz="2400" b="1" dirty="0" smtClean="0">
+                <a:latin typeface="Arial Black" panose="020B0A04020102020204" pitchFamily="34" charset="0"/>
+              </a:rPr>
+              <a:t>1</a:t>
+            </a:r>
+          </a:p>
+        </p:txBody>
+      </p:sp>
+      <p:sp>
+        <p:nvSpPr>
+          <p:cNvPr id="7" name="標題 1"/>
+          <p:cNvSpPr txBox="1">
+            <a:spLocks/>
+          </p:cNvSpPr>
+          <p:nvPr/>
+        </p:nvSpPr>
+        <p:spPr>
+          <a:xfrm>
+            <a:off x="359229" y="495753"/>
+            <a:ext cx="7928429" cy="1057275"/>
+          </a:xfrm>
+          <a:prstGeom prst="rect">
+            <a:avLst/>
+          </a:prstGeom>
+        </p:spPr>
+        <p:txBody>
+          <a:bodyPr vert="horz" lIns="91440" tIns="45720" rIns="91440" bIns="45720" rtlCol="0" anchor="b">
+            <a:normAutofit fontScale="75000" lnSpcReduction="20000"/>
+          </a:bodyPr>
+          <a:lstStyle>
+            <a:lvl1pPr algn="ctr" defTabSz="914400" rtl="0" eaLnBrk="1" latinLnBrk="0" hangingPunct="1">
+              <a:lnSpc>
+                <a:spcPct val="90000"/>
+              </a:lnSpc>
+              <a:spcBef>
+                <a:spcPct val="0"/>
+              </a:spcBef>
+              <a:buNone/>
+              <a:defRPr sz="6000" kern="1200">
+                <a:solidFill>
+                  <a:schemeClr val="tx1"/>
+                </a:solidFill>
+                <a:latin typeface="+mj-lt"/>
+                <a:ea typeface="+mj-ea"/>
+                <a:cs typeface="+mj-cs"/>
+              </a:defRPr>
+            </a:lvl1pPr>
+          </a:lstStyle>
+          <a:p>
+            <a:pPr algn="l"/>
+            <a:r>
+              <a:rPr lang="zh-TW" altLang="en-US" dirty="0" smtClean="0">
+                <a:latin typeface="微軟正黑體" panose="020B0604030504040204" pitchFamily="34" charset="-120"/>
+                <a:ea typeface="微軟正黑體" panose="020B0604030504040204" pitchFamily="34" charset="-120"/>
+              </a:rPr>
+              <a:t>建構模型</a:t>
+            </a:r>
+            <a:r>
+              <a:rPr lang="en-US" altLang="zh-TW" b="1" dirty="0" smtClean="0">
+                <a:latin typeface="微軟正黑體" panose="020B0604030504040204" pitchFamily="34" charset="-120"/>
+                <a:ea typeface="微軟正黑體" panose="020B0604030504040204" pitchFamily="34" charset="-120"/>
+              </a:rPr>
+              <a:t/>
+            </a:r>
+            <a:br>
+              <a:rPr lang="en-US" altLang="zh-TW" b="1" dirty="0" smtClean="0">
+                <a:latin typeface="微軟正黑體" panose="020B0604030504040204" pitchFamily="34" charset="-120"/>
+                <a:ea typeface="微軟正黑體" panose="020B0604030504040204" pitchFamily="34" charset="-120"/>
+              </a:rPr>
+            </a:br>
+            <a:endParaRPr lang="zh-TW" altLang="en-US" b="1" dirty="0">
+              <a:latin typeface="微軟正黑體" panose="020B0604030504040204" pitchFamily="34" charset="-120"/>
+              <a:ea typeface="微軟正黑體" panose="020B0604030504040204" pitchFamily="34" charset="-120"/>
+            </a:endParaRPr>
+          </a:p>
+        </p:txBody>
+      </p:sp>
+      <p:sp>
+        <p:nvSpPr>
+          <p:cNvPr id="10" name="文字方塊 9"/>
+          <p:cNvSpPr txBox="1"/>
+          <p:nvPr/>
+        </p:nvSpPr>
+        <p:spPr>
+          <a:xfrm>
+            <a:off x="359229" y="1024390"/>
+            <a:ext cx="5341257" cy="461665"/>
+          </a:xfrm>
+          <a:prstGeom prst="rect">
+            <a:avLst/>
+          </a:prstGeom>
+          <a:noFill/>
+        </p:spPr>
+        <p:txBody>
+          <a:bodyPr wrap="square" rtlCol="0">
+            <a:spAutoFit/>
+          </a:bodyPr>
+          <a:lstStyle/>
+          <a:p>
+            <a:r>
+              <a:rPr lang="en-US" altLang="zh-TW" sz="2400" dirty="0" err="1" smtClean="0"/>
+              <a:t>LinearSVC</a:t>
+            </a:r>
+            <a:r>
+              <a:rPr lang="en-US" altLang="zh-TW" sz="2400" dirty="0" smtClean="0"/>
+              <a:t>(</a:t>
+            </a:r>
+            <a:r>
+              <a:rPr lang="zh-CN" altLang="en-US" dirty="0" smtClean="0"/>
+              <a:t>線性支援向量分類</a:t>
+            </a:r>
+            <a:r>
+              <a:rPr lang="en-US" altLang="zh-TW" sz="2400" dirty="0" smtClean="0"/>
+              <a:t>)</a:t>
+            </a:r>
+            <a:r>
+              <a:rPr lang="zh-TW" altLang="en-US" sz="2400" dirty="0"/>
+              <a:t>模型理論</a:t>
+            </a:r>
+            <a:endParaRPr lang="en-US" altLang="zh-TW" sz="2400" dirty="0"/>
+          </a:p>
+        </p:txBody>
+      </p:sp>
+      <p:sp>
+        <p:nvSpPr>
+          <p:cNvPr id="12" name="文字方塊 11"/>
+          <p:cNvSpPr txBox="1"/>
+          <p:nvPr/>
+        </p:nvSpPr>
+        <p:spPr>
+          <a:xfrm>
+            <a:off x="359229" y="1795890"/>
+            <a:ext cx="11107057" cy="2308324"/>
+          </a:xfrm>
+          <a:prstGeom prst="rect">
+            <a:avLst/>
+          </a:prstGeom>
+          <a:noFill/>
+        </p:spPr>
+        <p:txBody>
+          <a:bodyPr wrap="square" rtlCol="0">
+            <a:spAutoFit/>
+          </a:bodyPr>
+          <a:lstStyle/>
+          <a:p>
+            <a:r>
+              <a:rPr lang="zh-TW" altLang="en-US" dirty="0" smtClean="0">
+                <a:latin typeface="微軟正黑體" panose="020B0604030504040204" pitchFamily="34" charset="-120"/>
+                <a:ea typeface="微軟正黑體" panose="020B0604030504040204" pitchFamily="34" charset="-120"/>
+              </a:rPr>
+              <a:t>核函數</a:t>
+            </a:r>
+            <a:r>
+              <a:rPr lang="en-US" altLang="zh-TW" dirty="0" smtClean="0">
+                <a:latin typeface="微軟正黑體" panose="020B0604030504040204" pitchFamily="34" charset="-120"/>
+                <a:ea typeface="微軟正黑體" panose="020B0604030504040204" pitchFamily="34" charset="-120"/>
+              </a:rPr>
+              <a:t>(kernel</a:t>
+            </a:r>
+            <a:r>
+              <a:rPr lang="zh-TW" altLang="en-US" dirty="0" smtClean="0">
+                <a:latin typeface="微軟正黑體" panose="020B0604030504040204" pitchFamily="34" charset="-120"/>
+                <a:ea typeface="微軟正黑體" panose="020B0604030504040204" pitchFamily="34" charset="-120"/>
+              </a:rPr>
+              <a:t> </a:t>
+            </a:r>
+            <a:r>
+              <a:rPr lang="en-US" altLang="zh-TW" dirty="0" smtClean="0">
+                <a:latin typeface="微軟正黑體" panose="020B0604030504040204" pitchFamily="34" charset="-120"/>
+                <a:ea typeface="微軟正黑體" panose="020B0604030504040204" pitchFamily="34" charset="-120"/>
+              </a:rPr>
+              <a:t>function)</a:t>
+            </a:r>
+          </a:p>
+          <a:p>
+            <a:endParaRPr lang="en-US" altLang="zh-TW" dirty="0">
+              <a:latin typeface="微軟正黑體" panose="020B0604030504040204" pitchFamily="34" charset="-120"/>
+              <a:ea typeface="微軟正黑體" panose="020B0604030504040204" pitchFamily="34" charset="-120"/>
+            </a:endParaRPr>
+          </a:p>
+          <a:p>
+            <a:r>
+              <a:rPr lang="en-US" altLang="zh-TW" dirty="0" smtClean="0">
+                <a:latin typeface="微軟正黑體" panose="020B0604030504040204" pitchFamily="34" charset="-120"/>
+                <a:ea typeface="微軟正黑體" panose="020B0604030504040204" pitchFamily="34" charset="-120"/>
+              </a:rPr>
+              <a:t>Kernel</a:t>
+            </a:r>
+            <a:r>
+              <a:rPr lang="zh-TW" altLang="en-US" dirty="0" smtClean="0">
+                <a:latin typeface="微軟正黑體" panose="020B0604030504040204" pitchFamily="34" charset="-120"/>
+                <a:ea typeface="微軟正黑體" panose="020B0604030504040204" pitchFamily="34" charset="-120"/>
+              </a:rPr>
+              <a:t> </a:t>
+            </a:r>
+            <a:r>
+              <a:rPr lang="en-US" altLang="zh-TW" dirty="0" smtClean="0">
+                <a:latin typeface="微軟正黑體" panose="020B0604030504040204" pitchFamily="34" charset="-120"/>
+                <a:ea typeface="微軟正黑體" panose="020B0604030504040204" pitchFamily="34" charset="-120"/>
+              </a:rPr>
+              <a:t>function</a:t>
+            </a:r>
+            <a:r>
+              <a:rPr lang="zh-TW" altLang="en-US" dirty="0" smtClean="0">
+                <a:latin typeface="微軟正黑體" panose="020B0604030504040204" pitchFamily="34" charset="-120"/>
+                <a:ea typeface="微軟正黑體" panose="020B0604030504040204" pitchFamily="34" charset="-120"/>
+              </a:rPr>
+              <a:t> 就可以知道特徵空間終點跟點的</a:t>
+            </a:r>
+            <a:r>
+              <a:rPr lang="zh-TW" altLang="en-US" dirty="0" smtClean="0">
+                <a:solidFill>
+                  <a:srgbClr val="FF0000"/>
+                </a:solidFill>
+                <a:latin typeface="微軟正黑體" panose="020B0604030504040204" pitchFamily="34" charset="-120"/>
+                <a:ea typeface="微軟正黑體" panose="020B0604030504040204" pitchFamily="34" charset="-120"/>
+              </a:rPr>
+              <a:t>內積、距離、角度</a:t>
+            </a:r>
+            <a:endParaRPr lang="en-US" altLang="zh-TW" dirty="0">
+              <a:solidFill>
+                <a:srgbClr val="FF0000"/>
+              </a:solidFill>
+              <a:latin typeface="微軟正黑體" panose="020B0604030504040204" pitchFamily="34" charset="-120"/>
+              <a:ea typeface="微軟正黑體" panose="020B0604030504040204" pitchFamily="34" charset="-120"/>
+            </a:endParaRPr>
+          </a:p>
+          <a:p>
+            <a:endParaRPr lang="en-US" altLang="zh-TW" dirty="0" smtClean="0">
+              <a:latin typeface="微軟正黑體" panose="020B0604030504040204" pitchFamily="34" charset="-120"/>
+              <a:ea typeface="微軟正黑體" panose="020B0604030504040204" pitchFamily="34" charset="-120"/>
+            </a:endParaRPr>
+          </a:p>
+          <a:p>
+            <a:endParaRPr lang="en-US" altLang="zh-TW" dirty="0" smtClean="0">
+              <a:latin typeface="微軟正黑體" panose="020B0604030504040204" pitchFamily="34" charset="-120"/>
+              <a:ea typeface="微軟正黑體" panose="020B0604030504040204" pitchFamily="34" charset="-120"/>
+            </a:endParaRPr>
+          </a:p>
+          <a:p>
+            <a:endParaRPr lang="en-US" altLang="zh-TW" dirty="0">
+              <a:latin typeface="微軟正黑體" panose="020B0604030504040204" pitchFamily="34" charset="-120"/>
+              <a:ea typeface="微軟正黑體" panose="020B0604030504040204" pitchFamily="34" charset="-120"/>
+            </a:endParaRPr>
+          </a:p>
+          <a:p>
+            <a:endParaRPr lang="en-US" altLang="zh-TW" dirty="0" smtClean="0">
+              <a:latin typeface="微軟正黑體" panose="020B0604030504040204" pitchFamily="34" charset="-120"/>
+              <a:ea typeface="微軟正黑體" panose="020B0604030504040204" pitchFamily="34" charset="-120"/>
+            </a:endParaRPr>
+          </a:p>
+          <a:p>
+            <a:endParaRPr lang="zh-TW" altLang="en-US" dirty="0"/>
+          </a:p>
+        </p:txBody>
+      </p:sp>
+      <p:pic>
+        <p:nvPicPr>
+          <p:cNvPr id="3" name="圖片 2"/>
+          <p:cNvPicPr>
+            <a:picLocks noChangeAspect="1"/>
+          </p:cNvPicPr>
+          <p:nvPr/>
+        </p:nvPicPr>
+        <p:blipFill>
+          <a:blip r:embed="rId4">
+            <a:extLst>
+              <a:ext uri="{28A0092B-C50C-407E-A947-70E740481C1C}">
+                <a14:useLocalDpi xmlns:a14="http://schemas.microsoft.com/office/drawing/2010/main" val="0"/>
+              </a:ext>
+            </a:extLst>
+          </a:blip>
+          <a:stretch>
+            <a:fillRect/>
+          </a:stretch>
+        </p:blipFill>
+        <p:spPr>
+          <a:xfrm>
+            <a:off x="359229" y="2791677"/>
+            <a:ext cx="6773220" cy="781159"/>
+          </a:xfrm>
+          <a:prstGeom prst="rect">
+            <a:avLst/>
+          </a:prstGeom>
+        </p:spPr>
+      </p:pic>
+      <p:pic>
+        <p:nvPicPr>
+          <p:cNvPr id="5" name="圖片 4"/>
+          <p:cNvPicPr>
+            <a:picLocks noChangeAspect="1"/>
+          </p:cNvPicPr>
+          <p:nvPr/>
+        </p:nvPicPr>
+        <p:blipFill>
+          <a:blip r:embed="rId5">
+            <a:extLst>
+              <a:ext uri="{28A0092B-C50C-407E-A947-70E740481C1C}">
+                <a14:useLocalDpi xmlns:a14="http://schemas.microsoft.com/office/drawing/2010/main" val="0"/>
+              </a:ext>
+            </a:extLst>
+          </a:blip>
+          <a:stretch>
+            <a:fillRect/>
+          </a:stretch>
+        </p:blipFill>
+        <p:spPr>
+          <a:xfrm>
+            <a:off x="541299" y="3674110"/>
+            <a:ext cx="6858957" cy="962159"/>
+          </a:xfrm>
+          <a:prstGeom prst="rect">
+            <a:avLst/>
+          </a:prstGeom>
+        </p:spPr>
+      </p:pic>
+      <p:pic>
+        <p:nvPicPr>
+          <p:cNvPr id="8" name="圖片 7"/>
+          <p:cNvPicPr>
+            <a:picLocks noChangeAspect="1"/>
+          </p:cNvPicPr>
+          <p:nvPr/>
+        </p:nvPicPr>
+        <p:blipFill>
+          <a:blip r:embed="rId6">
+            <a:extLst>
+              <a:ext uri="{28A0092B-C50C-407E-A947-70E740481C1C}">
+                <a14:useLocalDpi xmlns:a14="http://schemas.microsoft.com/office/drawing/2010/main" val="0"/>
+              </a:ext>
+            </a:extLst>
+          </a:blip>
+          <a:stretch>
+            <a:fillRect/>
+          </a:stretch>
+        </p:blipFill>
+        <p:spPr>
+          <a:xfrm>
+            <a:off x="541299" y="4636269"/>
+            <a:ext cx="6058746" cy="1762371"/>
+          </a:xfrm>
+          <a:prstGeom prst="rect">
+            <a:avLst/>
+          </a:prstGeom>
+        </p:spPr>
+      </p:pic>
+    </p:spTree>
+    <p:extLst>
+      <p:ext uri="{BB962C8B-B14F-4D97-AF65-F5344CB8AC3E}">
+        <p14:creationId xmlns:p14="http://schemas.microsoft.com/office/powerpoint/2010/main" val="2269730044"/>
+      </p:ext>
+    </p:extLst>
+  </p:cSld>
+  <p:clrMapOvr>
+    <a:masterClrMapping/>
+  </p:clrMapOvr>
+  <p:timing>
+    <p:tnLst>
+      <p:par>
+        <p:cTn id="1" dur="indefinite" restart="never" nodeType="tmRoot"/>
+      </p:par>
+    </p:tnLst>
+  </p:timing>
+</p:sld>
+</file>
+
+<file path=ppt/slides/slide27.xml><?xml version="1.0" encoding="utf-8"?>
+<p:sld xmlns:a="http://schemas.openxmlformats.org/drawingml/2006/main" xmlns:r="http://schemas.openxmlformats.org/officeDocument/2006/relationships" xmlns:p="http://schemas.openxmlformats.org/presentationml/2006/main">
+  <p:cSld>
+    <p:spTree>
+      <p:nvGrpSpPr>
+        <p:cNvPr id="1" name=""/>
+        <p:cNvGrpSpPr/>
+        <p:nvPr/>
+      </p:nvGrpSpPr>
+      <p:grpSpPr>
+        <a:xfrm>
+          <a:off x="0" y="0"/>
+          <a:ext cx="0" cy="0"/>
+          <a:chOff x="0" y="0"/>
+          <a:chExt cx="0" cy="0"/>
+        </a:xfrm>
+      </p:grpSpPr>
+      <p:pic>
+        <p:nvPicPr>
+          <p:cNvPr id="4" name="圖片 3"/>
+          <p:cNvPicPr>
+            <a:picLocks noChangeAspect="1"/>
+          </p:cNvPicPr>
+          <p:nvPr/>
+        </p:nvPicPr>
+        <p:blipFill>
+          <a:blip r:embed="rId2">
+            <a:extLst>
+              <a:ext uri="{28A0092B-C50C-407E-A947-70E740481C1C}">
+                <a14:useLocalDpi xmlns:a14="http://schemas.microsoft.com/office/drawing/2010/main" val="0"/>
+              </a:ext>
+            </a:extLst>
+          </a:blip>
+          <a:stretch>
+            <a:fillRect/>
+          </a:stretch>
+        </p:blipFill>
+        <p:spPr>
+          <a:xfrm>
+            <a:off x="7400256" y="0"/>
+            <a:ext cx="4791744" cy="828791"/>
+          </a:xfrm>
+          <a:prstGeom prst="rect">
+            <a:avLst/>
+          </a:prstGeom>
+        </p:spPr>
+      </p:pic>
+      <p:pic>
+        <p:nvPicPr>
+          <p:cNvPr id="2" name="圖片 1"/>
+          <p:cNvPicPr>
+            <a:picLocks noChangeAspect="1"/>
+          </p:cNvPicPr>
+          <p:nvPr/>
+        </p:nvPicPr>
+        <p:blipFill>
+          <a:blip r:embed="rId3">
+            <a:extLst>
+              <a:ext uri="{28A0092B-C50C-407E-A947-70E740481C1C}">
+                <a14:useLocalDpi xmlns:a14="http://schemas.microsoft.com/office/drawing/2010/main" val="0"/>
+              </a:ext>
+            </a:extLst>
+          </a:blip>
+          <a:stretch>
+            <a:fillRect/>
+          </a:stretch>
+        </p:blipFill>
+        <p:spPr>
+          <a:xfrm>
+            <a:off x="7485993" y="0"/>
+            <a:ext cx="4706007" cy="1171739"/>
+          </a:xfrm>
+          <a:prstGeom prst="rect">
+            <a:avLst/>
+          </a:prstGeom>
+        </p:spPr>
+      </p:pic>
+      <p:sp>
+        <p:nvSpPr>
+          <p:cNvPr id="6" name="文字方塊 5"/>
+          <p:cNvSpPr txBox="1"/>
+          <p:nvPr/>
+        </p:nvSpPr>
+        <p:spPr>
+          <a:xfrm>
+            <a:off x="11350172" y="6021028"/>
+            <a:ext cx="841828" cy="461665"/>
+          </a:xfrm>
+          <a:prstGeom prst="rect">
+            <a:avLst/>
+          </a:prstGeom>
+          <a:noFill/>
+        </p:spPr>
+        <p:txBody>
+          <a:bodyPr wrap="square" rtlCol="0">
+            <a:spAutoFit/>
+          </a:bodyPr>
+          <a:lstStyle/>
+          <a:p>
+            <a:r>
+              <a:rPr lang="en-US" altLang="zh-TW" sz="2400" b="1" dirty="0" smtClean="0">
+                <a:latin typeface="Arial Black" panose="020B0A04020102020204" pitchFamily="34" charset="0"/>
+              </a:rPr>
+              <a:t>1</a:t>
+            </a:r>
+          </a:p>
+        </p:txBody>
+      </p:sp>
+      <p:sp>
+        <p:nvSpPr>
+          <p:cNvPr id="7" name="標題 1"/>
+          <p:cNvSpPr txBox="1">
+            <a:spLocks/>
+          </p:cNvSpPr>
+          <p:nvPr/>
+        </p:nvSpPr>
+        <p:spPr>
+          <a:xfrm>
+            <a:off x="359229" y="495753"/>
+            <a:ext cx="7928429" cy="1057275"/>
+          </a:xfrm>
+          <a:prstGeom prst="rect">
+            <a:avLst/>
+          </a:prstGeom>
+        </p:spPr>
+        <p:txBody>
+          <a:bodyPr vert="horz" lIns="91440" tIns="45720" rIns="91440" bIns="45720" rtlCol="0" anchor="b">
+            <a:normAutofit fontScale="75000" lnSpcReduction="20000"/>
+          </a:bodyPr>
+          <a:lstStyle>
+            <a:lvl1pPr algn="ctr" defTabSz="914400" rtl="0" eaLnBrk="1" latinLnBrk="0" hangingPunct="1">
+              <a:lnSpc>
+                <a:spcPct val="90000"/>
+              </a:lnSpc>
+              <a:spcBef>
+                <a:spcPct val="0"/>
+              </a:spcBef>
+              <a:buNone/>
+              <a:defRPr sz="6000" kern="1200">
+                <a:solidFill>
+                  <a:schemeClr val="tx1"/>
+                </a:solidFill>
+                <a:latin typeface="+mj-lt"/>
+                <a:ea typeface="+mj-ea"/>
+                <a:cs typeface="+mj-cs"/>
+              </a:defRPr>
+            </a:lvl1pPr>
+          </a:lstStyle>
+          <a:p>
+            <a:pPr algn="l"/>
+            <a:r>
+              <a:rPr lang="zh-TW" altLang="en-US" dirty="0" smtClean="0">
+                <a:latin typeface="微軟正黑體" panose="020B0604030504040204" pitchFamily="34" charset="-120"/>
+                <a:ea typeface="微軟正黑體" panose="020B0604030504040204" pitchFamily="34" charset="-120"/>
+              </a:rPr>
+              <a:t>建構模型</a:t>
+            </a:r>
+            <a:r>
+              <a:rPr lang="en-US" altLang="zh-TW" b="1" dirty="0" smtClean="0">
+                <a:latin typeface="微軟正黑體" panose="020B0604030504040204" pitchFamily="34" charset="-120"/>
+                <a:ea typeface="微軟正黑體" panose="020B0604030504040204" pitchFamily="34" charset="-120"/>
+              </a:rPr>
+              <a:t/>
+            </a:r>
+            <a:br>
+              <a:rPr lang="en-US" altLang="zh-TW" b="1" dirty="0" smtClean="0">
+                <a:latin typeface="微軟正黑體" panose="020B0604030504040204" pitchFamily="34" charset="-120"/>
+                <a:ea typeface="微軟正黑體" panose="020B0604030504040204" pitchFamily="34" charset="-120"/>
+              </a:rPr>
+            </a:br>
+            <a:endParaRPr lang="zh-TW" altLang="en-US" b="1" dirty="0">
+              <a:latin typeface="微軟正黑體" panose="020B0604030504040204" pitchFamily="34" charset="-120"/>
+              <a:ea typeface="微軟正黑體" panose="020B0604030504040204" pitchFamily="34" charset="-120"/>
+            </a:endParaRPr>
+          </a:p>
+        </p:txBody>
+      </p:sp>
+      <p:sp>
+        <p:nvSpPr>
+          <p:cNvPr id="10" name="文字方塊 9"/>
+          <p:cNvSpPr txBox="1"/>
+          <p:nvPr/>
+        </p:nvSpPr>
+        <p:spPr>
+          <a:xfrm>
+            <a:off x="359229" y="1024390"/>
+            <a:ext cx="5341257" cy="461665"/>
+          </a:xfrm>
+          <a:prstGeom prst="rect">
+            <a:avLst/>
+          </a:prstGeom>
+          <a:noFill/>
+        </p:spPr>
+        <p:txBody>
+          <a:bodyPr wrap="square" rtlCol="0">
+            <a:spAutoFit/>
+          </a:bodyPr>
+          <a:lstStyle/>
+          <a:p>
+            <a:r>
+              <a:rPr lang="en-US" altLang="zh-TW" sz="2400" dirty="0" err="1" smtClean="0"/>
+              <a:t>LinearSVC</a:t>
+            </a:r>
+            <a:r>
+              <a:rPr lang="en-US" altLang="zh-TW" sz="2400" dirty="0" smtClean="0"/>
+              <a:t>(</a:t>
+            </a:r>
+            <a:r>
+              <a:rPr lang="zh-CN" altLang="en-US" dirty="0" smtClean="0"/>
+              <a:t>線性支援向量分類</a:t>
+            </a:r>
+            <a:r>
+              <a:rPr lang="en-US" altLang="zh-TW" sz="2400" dirty="0" smtClean="0"/>
+              <a:t>)</a:t>
+            </a:r>
+            <a:r>
+              <a:rPr lang="zh-TW" altLang="en-US" sz="2400" dirty="0"/>
+              <a:t>模型理論</a:t>
+            </a:r>
+            <a:endParaRPr lang="en-US" altLang="zh-TW" sz="2400" dirty="0"/>
+          </a:p>
+        </p:txBody>
+      </p:sp>
+      <p:sp>
+        <p:nvSpPr>
+          <p:cNvPr id="12" name="文字方塊 11"/>
+          <p:cNvSpPr txBox="1"/>
+          <p:nvPr/>
+        </p:nvSpPr>
+        <p:spPr>
+          <a:xfrm>
+            <a:off x="359229" y="1795890"/>
+            <a:ext cx="11107057" cy="2031325"/>
+          </a:xfrm>
+          <a:prstGeom prst="rect">
+            <a:avLst/>
+          </a:prstGeom>
+          <a:noFill/>
+        </p:spPr>
+        <p:txBody>
+          <a:bodyPr wrap="square" rtlCol="0">
+            <a:spAutoFit/>
+          </a:bodyPr>
+          <a:lstStyle/>
+          <a:p>
+            <a:r>
+              <a:rPr lang="zh-TW" altLang="en-US" dirty="0" smtClean="0">
+                <a:latin typeface="微軟正黑體" panose="020B0604030504040204" pitchFamily="34" charset="-120"/>
+                <a:ea typeface="微軟正黑體" panose="020B0604030504040204" pitchFamily="34" charset="-120"/>
+              </a:rPr>
+              <a:t>核函數</a:t>
+            </a:r>
+            <a:r>
+              <a:rPr lang="en-US" altLang="zh-TW" dirty="0" smtClean="0">
+                <a:latin typeface="微軟正黑體" panose="020B0604030504040204" pitchFamily="34" charset="-120"/>
+                <a:ea typeface="微軟正黑體" panose="020B0604030504040204" pitchFamily="34" charset="-120"/>
+              </a:rPr>
+              <a:t>(kernel</a:t>
+            </a:r>
+            <a:r>
+              <a:rPr lang="zh-TW" altLang="en-US" dirty="0" smtClean="0">
+                <a:latin typeface="微軟正黑體" panose="020B0604030504040204" pitchFamily="34" charset="-120"/>
+                <a:ea typeface="微軟正黑體" panose="020B0604030504040204" pitchFamily="34" charset="-120"/>
+              </a:rPr>
+              <a:t> </a:t>
+            </a:r>
+            <a:r>
+              <a:rPr lang="en-US" altLang="zh-TW" dirty="0" smtClean="0">
+                <a:latin typeface="微軟正黑體" panose="020B0604030504040204" pitchFamily="34" charset="-120"/>
+                <a:ea typeface="微軟正黑體" panose="020B0604030504040204" pitchFamily="34" charset="-120"/>
+              </a:rPr>
+              <a:t>function)</a:t>
+            </a:r>
+          </a:p>
+          <a:p>
+            <a:endParaRPr lang="en-US" altLang="zh-TW" dirty="0">
+              <a:latin typeface="微軟正黑體" panose="020B0604030504040204" pitchFamily="34" charset="-120"/>
+              <a:ea typeface="微軟正黑體" panose="020B0604030504040204" pitchFamily="34" charset="-120"/>
+            </a:endParaRPr>
+          </a:p>
+          <a:p>
+            <a:r>
+              <a:rPr lang="zh-TW" altLang="en-US" dirty="0" smtClean="0">
+                <a:latin typeface="微軟正黑體" panose="020B0604030504040204" pitchFamily="34" charset="-120"/>
+                <a:ea typeface="微軟正黑體" panose="020B0604030504040204" pitchFamily="34" charset="-120"/>
+              </a:rPr>
+              <a:t>常用的核函數</a:t>
+            </a:r>
+            <a:endParaRPr lang="en-US" altLang="zh-TW" dirty="0" smtClean="0">
+              <a:latin typeface="微軟正黑體" panose="020B0604030504040204" pitchFamily="34" charset="-120"/>
+              <a:ea typeface="微軟正黑體" panose="020B0604030504040204" pitchFamily="34" charset="-120"/>
+            </a:endParaRPr>
+          </a:p>
+          <a:p>
+            <a:endParaRPr lang="en-US" altLang="zh-TW" dirty="0" smtClean="0">
+              <a:latin typeface="微軟正黑體" panose="020B0604030504040204" pitchFamily="34" charset="-120"/>
+              <a:ea typeface="微軟正黑體" panose="020B0604030504040204" pitchFamily="34" charset="-120"/>
+            </a:endParaRPr>
+          </a:p>
+          <a:p>
+            <a:endParaRPr lang="en-US" altLang="zh-TW" dirty="0">
+              <a:latin typeface="微軟正黑體" panose="020B0604030504040204" pitchFamily="34" charset="-120"/>
+              <a:ea typeface="微軟正黑體" panose="020B0604030504040204" pitchFamily="34" charset="-120"/>
+            </a:endParaRPr>
+          </a:p>
+          <a:p>
+            <a:endParaRPr lang="en-US" altLang="zh-TW" dirty="0" smtClean="0">
+              <a:latin typeface="微軟正黑體" panose="020B0604030504040204" pitchFamily="34" charset="-120"/>
+              <a:ea typeface="微軟正黑體" panose="020B0604030504040204" pitchFamily="34" charset="-120"/>
+            </a:endParaRPr>
+          </a:p>
+          <a:p>
+            <a:endParaRPr lang="zh-TW" altLang="en-US" dirty="0"/>
+          </a:p>
+        </p:txBody>
+      </p:sp>
+      <p:pic>
+        <p:nvPicPr>
+          <p:cNvPr id="9" name="圖片 8"/>
+          <p:cNvPicPr>
+            <a:picLocks noChangeAspect="1"/>
+          </p:cNvPicPr>
+          <p:nvPr/>
+        </p:nvPicPr>
+        <p:blipFill>
+          <a:blip r:embed="rId4">
+            <a:extLst>
+              <a:ext uri="{28A0092B-C50C-407E-A947-70E740481C1C}">
+                <a14:useLocalDpi xmlns:a14="http://schemas.microsoft.com/office/drawing/2010/main" val="0"/>
+              </a:ext>
+            </a:extLst>
+          </a:blip>
+          <a:stretch>
+            <a:fillRect/>
+          </a:stretch>
+        </p:blipFill>
+        <p:spPr>
+          <a:xfrm>
+            <a:off x="160507" y="4449622"/>
+            <a:ext cx="3696996" cy="798412"/>
+          </a:xfrm>
+          <a:prstGeom prst="rect">
+            <a:avLst/>
+          </a:prstGeom>
+        </p:spPr>
+      </p:pic>
+      <p:pic>
+        <p:nvPicPr>
+          <p:cNvPr id="11" name="圖片 10"/>
+          <p:cNvPicPr>
+            <a:picLocks noChangeAspect="1"/>
+          </p:cNvPicPr>
+          <p:nvPr/>
+        </p:nvPicPr>
+        <p:blipFill>
+          <a:blip r:embed="rId5">
+            <a:extLst>
+              <a:ext uri="{28A0092B-C50C-407E-A947-70E740481C1C}">
+                <a14:useLocalDpi xmlns:a14="http://schemas.microsoft.com/office/drawing/2010/main" val="0"/>
+              </a:ext>
+            </a:extLst>
+          </a:blip>
+          <a:stretch>
+            <a:fillRect/>
+          </a:stretch>
+        </p:blipFill>
+        <p:spPr>
+          <a:xfrm>
+            <a:off x="354593" y="3604636"/>
+            <a:ext cx="5345893" cy="867839"/>
+          </a:xfrm>
+          <a:prstGeom prst="rect">
+            <a:avLst/>
+          </a:prstGeom>
+        </p:spPr>
+      </p:pic>
+      <p:pic>
+        <p:nvPicPr>
+          <p:cNvPr id="13" name="圖片 12"/>
+          <p:cNvPicPr>
+            <a:picLocks noChangeAspect="1"/>
+          </p:cNvPicPr>
+          <p:nvPr/>
+        </p:nvPicPr>
+        <p:blipFill>
+          <a:blip r:embed="rId6">
+            <a:extLst>
+              <a:ext uri="{28A0092B-C50C-407E-A947-70E740481C1C}">
+                <a14:useLocalDpi xmlns:a14="http://schemas.microsoft.com/office/drawing/2010/main" val="0"/>
+              </a:ext>
+            </a:extLst>
+          </a:blip>
+          <a:stretch>
+            <a:fillRect/>
+          </a:stretch>
+        </p:blipFill>
+        <p:spPr>
+          <a:xfrm>
+            <a:off x="359229" y="2817503"/>
+            <a:ext cx="4078846" cy="781056"/>
+          </a:xfrm>
+          <a:prstGeom prst="rect">
+            <a:avLst/>
+          </a:prstGeom>
+        </p:spPr>
+      </p:pic>
+    </p:spTree>
+    <p:extLst>
+      <p:ext uri="{BB962C8B-B14F-4D97-AF65-F5344CB8AC3E}">
+        <p14:creationId xmlns:p14="http://schemas.microsoft.com/office/powerpoint/2010/main" val="3704253468"/>
+      </p:ext>
+    </p:extLst>
+  </p:cSld>
+  <p:clrMapOvr>
+    <a:masterClrMapping/>
+  </p:clrMapOvr>
+  <p:timing>
+    <p:tnLst>
+      <p:par>
+        <p:cTn id="1" dur="indefinite" restart="never" nodeType="tmRoot"/>
+      </p:par>
+    </p:tnLst>
+  </p:timing>
+</p:sld>
+</file>
+
+<file path=ppt/slides/slide28.xml><?xml version="1.0" encoding="utf-8"?>
+<p:sld xmlns:a="http://schemas.openxmlformats.org/drawingml/2006/main" xmlns:r="http://schemas.openxmlformats.org/officeDocument/2006/relationships" xmlns:p="http://schemas.openxmlformats.org/presentationml/2006/main">
+  <p:cSld>
+    <p:spTree>
+      <p:nvGrpSpPr>
+        <p:cNvPr id="1" name=""/>
+        <p:cNvGrpSpPr/>
+        <p:nvPr/>
+      </p:nvGrpSpPr>
+      <p:grpSpPr>
+        <a:xfrm>
+          <a:off x="0" y="0"/>
+          <a:ext cx="0" cy="0"/>
+          <a:chOff x="0" y="0"/>
+          <a:chExt cx="0" cy="0"/>
+        </a:xfrm>
+      </p:grpSpPr>
+      <p:pic>
+        <p:nvPicPr>
+          <p:cNvPr id="4" name="圖片 3"/>
+          <p:cNvPicPr>
+            <a:picLocks noChangeAspect="1"/>
+          </p:cNvPicPr>
+          <p:nvPr/>
+        </p:nvPicPr>
+        <p:blipFill>
+          <a:blip r:embed="rId2">
+            <a:extLst>
+              <a:ext uri="{28A0092B-C50C-407E-A947-70E740481C1C}">
+                <a14:useLocalDpi xmlns:a14="http://schemas.microsoft.com/office/drawing/2010/main" val="0"/>
+              </a:ext>
+            </a:extLst>
+          </a:blip>
+          <a:stretch>
+            <a:fillRect/>
+          </a:stretch>
+        </p:blipFill>
+        <p:spPr>
+          <a:xfrm>
+            <a:off x="7400256" y="0"/>
+            <a:ext cx="4791744" cy="828791"/>
+          </a:xfrm>
+          <a:prstGeom prst="rect">
+            <a:avLst/>
+          </a:prstGeom>
+        </p:spPr>
+      </p:pic>
+      <p:pic>
+        <p:nvPicPr>
+          <p:cNvPr id="2" name="圖片 1"/>
+          <p:cNvPicPr>
+            <a:picLocks noChangeAspect="1"/>
+          </p:cNvPicPr>
+          <p:nvPr/>
+        </p:nvPicPr>
+        <p:blipFill>
+          <a:blip r:embed="rId3">
+            <a:extLst>
+              <a:ext uri="{28A0092B-C50C-407E-A947-70E740481C1C}">
+                <a14:useLocalDpi xmlns:a14="http://schemas.microsoft.com/office/drawing/2010/main" val="0"/>
+              </a:ext>
+            </a:extLst>
+          </a:blip>
+          <a:stretch>
+            <a:fillRect/>
+          </a:stretch>
+        </p:blipFill>
+        <p:spPr>
+          <a:xfrm>
+            <a:off x="7485993" y="0"/>
+            <a:ext cx="4706007" cy="1171739"/>
+          </a:xfrm>
+          <a:prstGeom prst="rect">
+            <a:avLst/>
+          </a:prstGeom>
+        </p:spPr>
+      </p:pic>
+      <p:sp>
+        <p:nvSpPr>
+          <p:cNvPr id="6" name="文字方塊 5"/>
+          <p:cNvSpPr txBox="1"/>
+          <p:nvPr/>
+        </p:nvSpPr>
+        <p:spPr>
+          <a:xfrm>
+            <a:off x="11350172" y="6021028"/>
+            <a:ext cx="841828" cy="461665"/>
+          </a:xfrm>
+          <a:prstGeom prst="rect">
+            <a:avLst/>
+          </a:prstGeom>
+          <a:noFill/>
+        </p:spPr>
+        <p:txBody>
+          <a:bodyPr wrap="square" rtlCol="0">
+            <a:spAutoFit/>
+          </a:bodyPr>
+          <a:lstStyle/>
+          <a:p>
+            <a:r>
+              <a:rPr lang="en-US" altLang="zh-TW" sz="2400" b="1" dirty="0" smtClean="0">
+                <a:latin typeface="Arial Black" panose="020B0A04020102020204" pitchFamily="34" charset="0"/>
+              </a:rPr>
+              <a:t>1</a:t>
+            </a:r>
+          </a:p>
+        </p:txBody>
+      </p:sp>
+      <p:pic>
+        <p:nvPicPr>
+          <p:cNvPr id="3" name="圖片 2"/>
+          <p:cNvPicPr>
+            <a:picLocks noChangeAspect="1"/>
+          </p:cNvPicPr>
+          <p:nvPr/>
+        </p:nvPicPr>
+        <p:blipFill rotWithShape="1">
+          <a:blip r:embed="rId4">
+            <a:extLst>
+              <a:ext uri="{28A0092B-C50C-407E-A947-70E740481C1C}">
+                <a14:useLocalDpi xmlns:a14="http://schemas.microsoft.com/office/drawing/2010/main" val="0"/>
+              </a:ext>
+            </a:extLst>
+          </a:blip>
+          <a:srcRect b="62450"/>
+          <a:stretch/>
+        </p:blipFill>
+        <p:spPr>
+          <a:xfrm>
+            <a:off x="359228" y="5257367"/>
+            <a:ext cx="6773220" cy="1341439"/>
+          </a:xfrm>
+          <a:prstGeom prst="rect">
+            <a:avLst/>
+          </a:prstGeom>
+        </p:spPr>
+      </p:pic>
+      <p:sp>
+        <p:nvSpPr>
+          <p:cNvPr id="9" name="矩形 8"/>
+          <p:cNvSpPr/>
+          <p:nvPr/>
+        </p:nvSpPr>
+        <p:spPr>
+          <a:xfrm>
+            <a:off x="307633" y="2695758"/>
+            <a:ext cx="11489626" cy="1754326"/>
+          </a:xfrm>
+          <a:prstGeom prst="rect">
+            <a:avLst/>
+          </a:prstGeom>
+        </p:spPr>
+        <p:txBody>
+          <a:bodyPr wrap="square">
+            <a:spAutoFit/>
+          </a:bodyPr>
+          <a:lstStyle/>
+          <a:p>
+            <a:r>
+              <a:rPr lang="zh-TW" altLang="en-US" dirty="0" smtClean="0"/>
+              <a:t>當前問題</a:t>
+            </a:r>
+            <a:r>
+              <a:rPr lang="en-US" altLang="zh-TW" dirty="0" smtClean="0"/>
+              <a:t>:</a:t>
+            </a:r>
+          </a:p>
+          <a:p>
+            <a:endParaRPr lang="en-US" altLang="zh-TW" dirty="0"/>
+          </a:p>
+          <a:p>
+            <a:r>
+              <a:rPr lang="zh-TW" altLang="en-US" dirty="0" smtClean="0"/>
+              <a:t>目前的數據不平衡，在現實世界中，採集的數據往往是比例失衡的。</a:t>
+            </a:r>
+            <a:endParaRPr lang="en-US" altLang="zh-TW" dirty="0" smtClean="0"/>
+          </a:p>
+          <a:p>
+            <a:pPr>
+              <a:lnSpc>
+                <a:spcPct val="150000"/>
+              </a:lnSpc>
+            </a:pPr>
+            <a:r>
+              <a:rPr lang="zh-CN" altLang="en-US" b="1" dirty="0" smtClean="0">
+                <a:solidFill>
+                  <a:schemeClr val="accent2">
+                    <a:lumMod val="75000"/>
+                  </a:schemeClr>
+                </a:solidFill>
+              </a:rPr>
+              <a:t>欺詐性交易的數量要遠低於正常和健康的交易，也就是說，它只占到了總觀測量的大約 </a:t>
+            </a:r>
+            <a:r>
+              <a:rPr lang="en-US" altLang="zh-TW" b="1" dirty="0" smtClean="0">
+                <a:solidFill>
+                  <a:schemeClr val="accent2">
+                    <a:lumMod val="75000"/>
+                  </a:schemeClr>
+                </a:solidFill>
+              </a:rPr>
+              <a:t>0.1</a:t>
+            </a:r>
+            <a:r>
+              <a:rPr lang="en-US" altLang="zh-CN" b="1" dirty="0" smtClean="0">
+                <a:solidFill>
+                  <a:schemeClr val="accent2">
+                    <a:lumMod val="75000"/>
+                  </a:schemeClr>
+                </a:solidFill>
+              </a:rPr>
+              <a:t>%</a:t>
+            </a:r>
+            <a:r>
+              <a:rPr lang="zh-CN" altLang="en-US" b="1" dirty="0" smtClean="0">
+                <a:solidFill>
+                  <a:schemeClr val="accent2">
+                    <a:lumMod val="75000"/>
+                  </a:schemeClr>
+                </a:solidFill>
+              </a:rPr>
+              <a:t>。這裡的問題是提高識別罕見的少數類別的準確率，而不是實現更高的總體準確率</a:t>
+            </a:r>
+            <a:r>
+              <a:rPr lang="zh-CN" altLang="en-US" dirty="0" smtClean="0">
+                <a:solidFill>
+                  <a:schemeClr val="accent2">
+                    <a:lumMod val="75000"/>
+                  </a:schemeClr>
+                </a:solidFill>
+              </a:rPr>
+              <a:t>。</a:t>
+            </a:r>
+            <a:r>
+              <a:rPr lang="zh-TW" altLang="en-US" dirty="0" smtClean="0">
+                <a:solidFill>
+                  <a:schemeClr val="accent2">
+                    <a:lumMod val="75000"/>
+                  </a:schemeClr>
+                </a:solidFill>
+              </a:rPr>
+              <a:t>因此我們需要針對該情況作抽樣上的調整</a:t>
+            </a:r>
+            <a:endParaRPr lang="en-US" altLang="zh-TW" dirty="0">
+              <a:solidFill>
+                <a:schemeClr val="accent2">
+                  <a:lumMod val="75000"/>
+                </a:schemeClr>
+              </a:solidFill>
+            </a:endParaRPr>
+          </a:p>
+        </p:txBody>
+      </p:sp>
+      <p:sp>
+        <p:nvSpPr>
+          <p:cNvPr id="5" name="矩形 4"/>
+          <p:cNvSpPr/>
+          <p:nvPr/>
+        </p:nvSpPr>
+        <p:spPr>
+          <a:xfrm>
+            <a:off x="359228" y="2799523"/>
+            <a:ext cx="10990944" cy="646331"/>
+          </a:xfrm>
+          <a:prstGeom prst="rect">
+            <a:avLst/>
+          </a:prstGeom>
+        </p:spPr>
+        <p:txBody>
+          <a:bodyPr wrap="square">
+            <a:spAutoFit/>
+          </a:bodyPr>
+          <a:lstStyle/>
+          <a:p>
+            <a:endParaRPr lang="zh-CN" altLang="en-US" dirty="0"/>
+          </a:p>
+          <a:p>
+            <a:endParaRPr lang="zh-TW" altLang="en-US" dirty="0"/>
+          </a:p>
+        </p:txBody>
+      </p:sp>
+      <p:sp>
+        <p:nvSpPr>
+          <p:cNvPr id="10" name="矩形 9"/>
+          <p:cNvSpPr/>
+          <p:nvPr/>
+        </p:nvSpPr>
+        <p:spPr>
+          <a:xfrm>
+            <a:off x="-18143" y="0"/>
+            <a:ext cx="377372" cy="377372"/>
+          </a:xfrm>
+          <a:prstGeom prst="rect">
+            <a:avLst/>
+          </a:prstGeom>
+          <a:solidFill>
+            <a:srgbClr val="FF0000"/>
+          </a:solidFill>
+          <a:ln>
+            <a:noFill/>
+          </a:ln>
+        </p:spPr>
+        <p:style>
+          <a:lnRef idx="2">
+            <a:schemeClr val="accent1">
+              <a:shade val="50000"/>
+            </a:schemeClr>
+          </a:lnRef>
+          <a:fillRef idx="1">
+            <a:schemeClr val="accent1"/>
+          </a:fillRef>
+          <a:effectRef idx="0">
+            <a:schemeClr val="accent1"/>
+          </a:effectRef>
+          <a:fontRef idx="minor">
+            <a:schemeClr val="lt1"/>
+          </a:fontRef>
+        </p:style>
+        <p:txBody>
+          <a:bodyPr rtlCol="0" anchor="ctr"/>
+          <a:lstStyle/>
+          <a:p>
+            <a:pPr algn="ctr"/>
+            <a:endParaRPr lang="zh-TW" altLang="en-US"/>
+          </a:p>
+        </p:txBody>
+      </p:sp>
+      <p:pic>
+        <p:nvPicPr>
+          <p:cNvPr id="11" name="圖片 10"/>
+          <p:cNvPicPr>
+            <a:picLocks noChangeAspect="1"/>
+          </p:cNvPicPr>
+          <p:nvPr/>
+        </p:nvPicPr>
+        <p:blipFill rotWithShape="1">
+          <a:blip r:embed="rId5">
+            <a:extLst>
+              <a:ext uri="{28A0092B-C50C-407E-A947-70E740481C1C}">
+                <a14:useLocalDpi xmlns:a14="http://schemas.microsoft.com/office/drawing/2010/main" val="0"/>
+              </a:ext>
+            </a:extLst>
+          </a:blip>
+          <a:srcRect t="76441"/>
+          <a:stretch/>
+        </p:blipFill>
+        <p:spPr>
+          <a:xfrm>
+            <a:off x="359228" y="2064411"/>
+            <a:ext cx="6649378" cy="626161"/>
+          </a:xfrm>
+          <a:prstGeom prst="rect">
+            <a:avLst/>
+          </a:prstGeom>
+        </p:spPr>
+      </p:pic>
+      <p:sp>
+        <p:nvSpPr>
+          <p:cNvPr id="8" name="向下箭號 7"/>
+          <p:cNvSpPr/>
+          <p:nvPr/>
+        </p:nvSpPr>
+        <p:spPr>
+          <a:xfrm>
+            <a:off x="3265714" y="2740397"/>
+            <a:ext cx="418203" cy="490770"/>
+          </a:xfrm>
+          <a:prstGeom prst="downArrow">
+            <a:avLst/>
+          </a:prstGeom>
+        </p:spPr>
+        <p:style>
+          <a:lnRef idx="2">
+            <a:schemeClr val="accent1">
+              <a:shade val="50000"/>
+            </a:schemeClr>
+          </a:lnRef>
+          <a:fillRef idx="1">
+            <a:schemeClr val="accent1"/>
+          </a:fillRef>
+          <a:effectRef idx="0">
+            <a:schemeClr val="accent1"/>
+          </a:effectRef>
+          <a:fontRef idx="minor">
+            <a:schemeClr val="lt1"/>
+          </a:fontRef>
+        </p:style>
+        <p:txBody>
+          <a:bodyPr rtlCol="0" anchor="ctr"/>
+          <a:lstStyle/>
+          <a:p>
+            <a:pPr algn="ctr"/>
+            <a:endParaRPr lang="zh-TW" altLang="en-US"/>
+          </a:p>
+        </p:txBody>
+      </p:sp>
+      <p:sp>
+        <p:nvSpPr>
+          <p:cNvPr id="12" name="向下箭號 11"/>
+          <p:cNvSpPr/>
+          <p:nvPr/>
+        </p:nvSpPr>
+        <p:spPr>
+          <a:xfrm>
+            <a:off x="3265713" y="4496252"/>
+            <a:ext cx="418203" cy="656318"/>
+          </a:xfrm>
+          <a:prstGeom prst="downArrow">
+            <a:avLst/>
+          </a:prstGeom>
+        </p:spPr>
+        <p:style>
+          <a:lnRef idx="2">
+            <a:schemeClr val="accent1">
+              <a:shade val="50000"/>
+            </a:schemeClr>
+          </a:lnRef>
+          <a:fillRef idx="1">
+            <a:schemeClr val="accent1"/>
+          </a:fillRef>
+          <a:effectRef idx="0">
+            <a:schemeClr val="accent1"/>
+          </a:effectRef>
+          <a:fontRef idx="minor">
+            <a:schemeClr val="lt1"/>
+          </a:fontRef>
+        </p:style>
+        <p:txBody>
+          <a:bodyPr rtlCol="0" anchor="ctr"/>
+          <a:lstStyle/>
+          <a:p>
+            <a:pPr algn="ctr"/>
+            <a:endParaRPr lang="zh-TW" altLang="en-US"/>
+          </a:p>
+        </p:txBody>
+      </p:sp>
+      <p:sp>
+        <p:nvSpPr>
+          <p:cNvPr id="13" name="標題 1"/>
+          <p:cNvSpPr txBox="1">
+            <a:spLocks/>
+          </p:cNvSpPr>
+          <p:nvPr/>
+        </p:nvSpPr>
+        <p:spPr>
+          <a:xfrm>
+            <a:off x="359229" y="495753"/>
+            <a:ext cx="7928429" cy="1057275"/>
+          </a:xfrm>
+          <a:prstGeom prst="rect">
+            <a:avLst/>
+          </a:prstGeom>
+        </p:spPr>
+        <p:txBody>
+          <a:bodyPr vert="horz" lIns="91440" tIns="45720" rIns="91440" bIns="45720" rtlCol="0" anchor="b">
+            <a:normAutofit fontScale="75000" lnSpcReduction="20000"/>
+          </a:bodyPr>
+          <a:lstStyle>
+            <a:lvl1pPr algn="ctr" defTabSz="914400" rtl="0" eaLnBrk="1" latinLnBrk="0" hangingPunct="1">
+              <a:lnSpc>
+                <a:spcPct val="90000"/>
+              </a:lnSpc>
+              <a:spcBef>
+                <a:spcPct val="0"/>
+              </a:spcBef>
+              <a:buNone/>
+              <a:defRPr sz="6000" kern="1200">
+                <a:solidFill>
+                  <a:schemeClr val="tx1"/>
+                </a:solidFill>
+                <a:latin typeface="+mj-lt"/>
+                <a:ea typeface="+mj-ea"/>
+                <a:cs typeface="+mj-cs"/>
+              </a:defRPr>
+            </a:lvl1pPr>
+          </a:lstStyle>
+          <a:p>
+            <a:pPr algn="l"/>
+            <a:r>
+              <a:rPr lang="zh-TW" altLang="en-US" dirty="0" smtClean="0">
+                <a:latin typeface="微軟正黑體" panose="020B0604030504040204" pitchFamily="34" charset="-120"/>
+                <a:ea typeface="微軟正黑體" panose="020B0604030504040204" pitchFamily="34" charset="-120"/>
+              </a:rPr>
+              <a:t>建構模型</a:t>
+            </a:r>
+            <a:r>
+              <a:rPr lang="en-US" altLang="zh-TW" b="1" dirty="0" smtClean="0">
+                <a:latin typeface="微軟正黑體" panose="020B0604030504040204" pitchFamily="34" charset="-120"/>
+                <a:ea typeface="微軟正黑體" panose="020B0604030504040204" pitchFamily="34" charset="-120"/>
+              </a:rPr>
+              <a:t/>
+            </a:r>
+            <a:br>
+              <a:rPr lang="en-US" altLang="zh-TW" b="1" dirty="0" smtClean="0">
+                <a:latin typeface="微軟正黑體" panose="020B0604030504040204" pitchFamily="34" charset="-120"/>
+                <a:ea typeface="微軟正黑體" panose="020B0604030504040204" pitchFamily="34" charset="-120"/>
+              </a:rPr>
+            </a:br>
+            <a:endParaRPr lang="zh-TW" altLang="en-US" b="1" dirty="0">
+              <a:latin typeface="微軟正黑體" panose="020B0604030504040204" pitchFamily="34" charset="-120"/>
+              <a:ea typeface="微軟正黑體" panose="020B0604030504040204" pitchFamily="34" charset="-120"/>
+            </a:endParaRPr>
+          </a:p>
+        </p:txBody>
+      </p:sp>
+      <p:sp>
+        <p:nvSpPr>
+          <p:cNvPr id="14" name="矩形 13"/>
+          <p:cNvSpPr/>
+          <p:nvPr/>
+        </p:nvSpPr>
+        <p:spPr>
+          <a:xfrm>
+            <a:off x="307633" y="1353609"/>
+            <a:ext cx="2088200" cy="369332"/>
+          </a:xfrm>
+          <a:prstGeom prst="rect">
+            <a:avLst/>
+          </a:prstGeom>
+        </p:spPr>
+        <p:txBody>
+          <a:bodyPr wrap="none">
+            <a:spAutoFit/>
+          </a:bodyPr>
+          <a:lstStyle/>
+          <a:p>
+            <a:pPr>
+              <a:defRPr/>
+            </a:pPr>
+            <a:r>
+              <a:rPr lang="en-US" altLang="zh-TW" kern="100" dirty="0">
+                <a:latin typeface="Calibri" panose="020F0502020204030204" pitchFamily="34" charset="0"/>
+                <a:cs typeface="Times New Roman" panose="02020603050405020304" pitchFamily="18" charset="0"/>
+              </a:rPr>
+              <a:t>2.</a:t>
+            </a:r>
+            <a:r>
+              <a:rPr lang="zh-TW" altLang="en-US" kern="100" dirty="0">
+                <a:latin typeface="Calibri" panose="020F0502020204030204" pitchFamily="34" charset="0"/>
+                <a:cs typeface="Times New Roman" panose="02020603050405020304" pitchFamily="18" charset="0"/>
+              </a:rPr>
+              <a:t> 什麼是</a:t>
+            </a:r>
+            <a:r>
+              <a:rPr lang="en-US" altLang="zh-TW" kern="100" dirty="0">
+                <a:latin typeface="Calibri" panose="020F0502020204030204" pitchFamily="34" charset="0"/>
+                <a:cs typeface="Times New Roman" panose="02020603050405020304" pitchFamily="18" charset="0"/>
+              </a:rPr>
+              <a:t>ADASYN</a:t>
+            </a:r>
+            <a:r>
+              <a:rPr lang="zh-TW" altLang="en-US" kern="100" dirty="0">
+                <a:latin typeface="Calibri" panose="020F0502020204030204" pitchFamily="34" charset="0"/>
+                <a:cs typeface="Times New Roman" panose="02020603050405020304" pitchFamily="18" charset="0"/>
+              </a:rPr>
+              <a:t> </a:t>
+            </a:r>
+            <a:r>
+              <a:rPr lang="en-US" altLang="zh-TW" kern="100" dirty="0">
+                <a:latin typeface="Calibri" panose="020F0502020204030204" pitchFamily="34" charset="0"/>
+                <a:cs typeface="Times New Roman" panose="02020603050405020304" pitchFamily="18" charset="0"/>
+              </a:rPr>
+              <a:t>?</a:t>
+            </a:r>
+            <a:r>
+              <a:rPr lang="zh-TW" altLang="en-US" kern="100" dirty="0">
+                <a:latin typeface="Calibri" panose="020F0502020204030204" pitchFamily="34" charset="0"/>
+                <a:cs typeface="Times New Roman" panose="02020603050405020304" pitchFamily="18" charset="0"/>
+              </a:rPr>
+              <a:t> </a:t>
+            </a:r>
+            <a:endParaRPr lang="zh-TW" altLang="zh-TW" kern="100" dirty="0">
+              <a:latin typeface="Calibri" panose="020F0502020204030204" pitchFamily="34" charset="0"/>
+              <a:cs typeface="Times New Roman" panose="02020603050405020304" pitchFamily="18" charset="0"/>
+            </a:endParaRPr>
+          </a:p>
+        </p:txBody>
+      </p:sp>
+    </p:spTree>
+    <p:extLst>
+      <p:ext uri="{BB962C8B-B14F-4D97-AF65-F5344CB8AC3E}">
+        <p14:creationId xmlns:p14="http://schemas.microsoft.com/office/powerpoint/2010/main" val="951638388"/>
+      </p:ext>
+    </p:extLst>
+  </p:cSld>
+  <p:clrMapOvr>
+    <a:masterClrMapping/>
+  </p:clrMapOvr>
+  <p:timing>
+    <p:tnLst>
+      <p:par>
+        <p:cTn id="1" dur="indefinite" restart="never" nodeType="tmRoot"/>
+      </p:par>
+    </p:tnLst>
+  </p:timing>
+</p:sld>
+</file>
+
+<file path=ppt/slides/slide29.xml><?xml version="1.0" encoding="utf-8"?>
+<p:sld xmlns:a="http://schemas.openxmlformats.org/drawingml/2006/main" xmlns:r="http://schemas.openxmlformats.org/officeDocument/2006/relationships" xmlns:p="http://schemas.openxmlformats.org/presentationml/2006/main">
+  <p:cSld>
+    <p:spTree>
+      <p:nvGrpSpPr>
+        <p:cNvPr id="1" name=""/>
+        <p:cNvGrpSpPr/>
+        <p:nvPr/>
+      </p:nvGrpSpPr>
+      <p:grpSpPr>
+        <a:xfrm>
+          <a:off x="0" y="0"/>
+          <a:ext cx="0" cy="0"/>
+          <a:chOff x="0" y="0"/>
+          <a:chExt cx="0" cy="0"/>
+        </a:xfrm>
+      </p:grpSpPr>
+      <p:pic>
+        <p:nvPicPr>
+          <p:cNvPr id="4" name="圖片 3"/>
+          <p:cNvPicPr>
+            <a:picLocks noChangeAspect="1"/>
+          </p:cNvPicPr>
+          <p:nvPr/>
+        </p:nvPicPr>
+        <p:blipFill>
+          <a:blip r:embed="rId2">
+            <a:extLst>
+              <a:ext uri="{28A0092B-C50C-407E-A947-70E740481C1C}">
+                <a14:useLocalDpi xmlns:a14="http://schemas.microsoft.com/office/drawing/2010/main" val="0"/>
+              </a:ext>
+            </a:extLst>
+          </a:blip>
+          <a:stretch>
+            <a:fillRect/>
+          </a:stretch>
+        </p:blipFill>
+        <p:spPr>
+          <a:xfrm>
+            <a:off x="7400256" y="0"/>
+            <a:ext cx="4791744" cy="828791"/>
+          </a:xfrm>
+          <a:prstGeom prst="rect">
+            <a:avLst/>
+          </a:prstGeom>
+        </p:spPr>
+      </p:pic>
+      <p:pic>
+        <p:nvPicPr>
+          <p:cNvPr id="2" name="圖片 1"/>
+          <p:cNvPicPr>
+            <a:picLocks noChangeAspect="1"/>
+          </p:cNvPicPr>
+          <p:nvPr/>
+        </p:nvPicPr>
+        <p:blipFill>
+          <a:blip r:embed="rId3">
+            <a:extLst>
+              <a:ext uri="{28A0092B-C50C-407E-A947-70E740481C1C}">
+                <a14:useLocalDpi xmlns:a14="http://schemas.microsoft.com/office/drawing/2010/main" val="0"/>
+              </a:ext>
+            </a:extLst>
+          </a:blip>
+          <a:stretch>
+            <a:fillRect/>
+          </a:stretch>
+        </p:blipFill>
+        <p:spPr>
+          <a:xfrm>
+            <a:off x="7485993" y="0"/>
+            <a:ext cx="4706007" cy="1171739"/>
+          </a:xfrm>
+          <a:prstGeom prst="rect">
+            <a:avLst/>
+          </a:prstGeom>
+        </p:spPr>
+      </p:pic>
+      <p:sp>
+        <p:nvSpPr>
+          <p:cNvPr id="6" name="文字方塊 5"/>
+          <p:cNvSpPr txBox="1"/>
+          <p:nvPr/>
+        </p:nvSpPr>
+        <p:spPr>
+          <a:xfrm>
+            <a:off x="11350172" y="6021028"/>
+            <a:ext cx="841828" cy="461665"/>
+          </a:xfrm>
+          <a:prstGeom prst="rect">
+            <a:avLst/>
+          </a:prstGeom>
+          <a:noFill/>
+        </p:spPr>
+        <p:txBody>
+          <a:bodyPr wrap="square" rtlCol="0">
+            <a:spAutoFit/>
+          </a:bodyPr>
+          <a:lstStyle/>
+          <a:p>
+            <a:r>
+              <a:rPr lang="en-US" altLang="zh-TW" sz="2400" b="1" dirty="0" smtClean="0">
+                <a:latin typeface="Arial Black" panose="020B0A04020102020204" pitchFamily="34" charset="0"/>
+              </a:rPr>
+              <a:t>1</a:t>
+            </a:r>
+          </a:p>
+        </p:txBody>
+      </p:sp>
+      <p:sp>
+        <p:nvSpPr>
+          <p:cNvPr id="7" name="標題 1"/>
+          <p:cNvSpPr txBox="1">
+            <a:spLocks/>
+          </p:cNvSpPr>
+          <p:nvPr/>
+        </p:nvSpPr>
+        <p:spPr>
+          <a:xfrm>
+            <a:off x="359229" y="495753"/>
+            <a:ext cx="7928429" cy="1057275"/>
+          </a:xfrm>
+          <a:prstGeom prst="rect">
+            <a:avLst/>
+          </a:prstGeom>
+        </p:spPr>
+        <p:txBody>
+          <a:bodyPr vert="horz" lIns="91440" tIns="45720" rIns="91440" bIns="45720" rtlCol="0" anchor="b">
+            <a:normAutofit fontScale="75000" lnSpcReduction="20000"/>
+          </a:bodyPr>
+          <a:lstStyle>
+            <a:lvl1pPr algn="ctr" defTabSz="914400" rtl="0" eaLnBrk="1" latinLnBrk="0" hangingPunct="1">
+              <a:lnSpc>
+                <a:spcPct val="90000"/>
+              </a:lnSpc>
+              <a:spcBef>
+                <a:spcPct val="0"/>
+              </a:spcBef>
+              <a:buNone/>
+              <a:defRPr sz="6000" kern="1200">
+                <a:solidFill>
+                  <a:schemeClr val="tx1"/>
+                </a:solidFill>
+                <a:latin typeface="+mj-lt"/>
+                <a:ea typeface="+mj-ea"/>
+                <a:cs typeface="+mj-cs"/>
+              </a:defRPr>
+            </a:lvl1pPr>
+          </a:lstStyle>
+          <a:p>
+            <a:pPr algn="l"/>
+            <a:r>
+              <a:rPr lang="zh-TW" altLang="en-US" dirty="0" smtClean="0">
+                <a:latin typeface="微軟正黑體" panose="020B0604030504040204" pitchFamily="34" charset="-120"/>
+                <a:ea typeface="微軟正黑體" panose="020B0604030504040204" pitchFamily="34" charset="-120"/>
+              </a:rPr>
+              <a:t>建構模型</a:t>
+            </a:r>
+            <a:r>
+              <a:rPr lang="en-US" altLang="zh-TW" b="1" dirty="0" smtClean="0">
+                <a:latin typeface="微軟正黑體" panose="020B0604030504040204" pitchFamily="34" charset="-120"/>
+                <a:ea typeface="微軟正黑體" panose="020B0604030504040204" pitchFamily="34" charset="-120"/>
+              </a:rPr>
+              <a:t/>
+            </a:r>
+            <a:br>
+              <a:rPr lang="en-US" altLang="zh-TW" b="1" dirty="0" smtClean="0">
+                <a:latin typeface="微軟正黑體" panose="020B0604030504040204" pitchFamily="34" charset="-120"/>
+                <a:ea typeface="微軟正黑體" panose="020B0604030504040204" pitchFamily="34" charset="-120"/>
+              </a:rPr>
+            </a:br>
+            <a:endParaRPr lang="zh-TW" altLang="en-US" b="1" dirty="0">
+              <a:latin typeface="微軟正黑體" panose="020B0604030504040204" pitchFamily="34" charset="-120"/>
+              <a:ea typeface="微軟正黑體" panose="020B0604030504040204" pitchFamily="34" charset="-120"/>
+            </a:endParaRPr>
+          </a:p>
+        </p:txBody>
+      </p:sp>
+      <p:pic>
+        <p:nvPicPr>
+          <p:cNvPr id="3" name="圖片 2"/>
+          <p:cNvPicPr>
+            <a:picLocks noChangeAspect="1"/>
+          </p:cNvPicPr>
+          <p:nvPr/>
+        </p:nvPicPr>
+        <p:blipFill rotWithShape="1">
+          <a:blip r:embed="rId4">
+            <a:extLst>
+              <a:ext uri="{28A0092B-C50C-407E-A947-70E740481C1C}">
+                <a14:useLocalDpi xmlns:a14="http://schemas.microsoft.com/office/drawing/2010/main" val="0"/>
+              </a:ext>
+            </a:extLst>
+          </a:blip>
+          <a:srcRect b="62450"/>
+          <a:stretch/>
+        </p:blipFill>
+        <p:spPr>
+          <a:xfrm>
+            <a:off x="359229" y="1024390"/>
+            <a:ext cx="6773220" cy="1341439"/>
+          </a:xfrm>
+          <a:prstGeom prst="rect">
+            <a:avLst/>
+          </a:prstGeom>
+        </p:spPr>
+      </p:pic>
+      <p:sp>
+        <p:nvSpPr>
+          <p:cNvPr id="9" name="矩形 8"/>
+          <p:cNvSpPr/>
+          <p:nvPr/>
+        </p:nvSpPr>
+        <p:spPr>
+          <a:xfrm>
+            <a:off x="359229" y="2430191"/>
+            <a:ext cx="6206827" cy="369332"/>
+          </a:xfrm>
+          <a:prstGeom prst="rect">
+            <a:avLst/>
+          </a:prstGeom>
+        </p:spPr>
+        <p:txBody>
+          <a:bodyPr wrap="none">
+            <a:spAutoFit/>
+          </a:bodyPr>
+          <a:lstStyle/>
+          <a:p>
+            <a:r>
+              <a:rPr lang="zh-CN" altLang="en-US" dirty="0" smtClean="0"/>
+              <a:t>處理不平衡學習</a:t>
+            </a:r>
+            <a:r>
+              <a:rPr lang="zh-TW" altLang="en-US" dirty="0" smtClean="0"/>
+              <a:t>的其中一種方式 </a:t>
+            </a:r>
+            <a:r>
+              <a:rPr lang="en-US" altLang="zh-TW" dirty="0" smtClean="0"/>
+              <a:t>=&gt;</a:t>
+            </a:r>
+            <a:r>
+              <a:rPr lang="zh-TW" altLang="en-US" dirty="0" smtClean="0"/>
+              <a:t>過採樣 </a:t>
+            </a:r>
+            <a:r>
+              <a:rPr lang="en-US" altLang="zh-TW" dirty="0" smtClean="0"/>
+              <a:t>(</a:t>
+            </a:r>
+            <a:r>
+              <a:rPr lang="en-US" altLang="zh-TW" dirty="0" err="1" smtClean="0"/>
+              <a:t>Onver</a:t>
+            </a:r>
+            <a:r>
+              <a:rPr lang="en-US" altLang="zh-TW" dirty="0" smtClean="0"/>
+              <a:t>-Sampling</a:t>
+            </a:r>
+            <a:r>
+              <a:rPr lang="en-US" altLang="zh-TW" dirty="0"/>
+              <a:t>)</a:t>
+            </a:r>
+            <a:endParaRPr lang="en-US" altLang="zh-TW" b="1" dirty="0"/>
+          </a:p>
+        </p:txBody>
+      </p:sp>
+      <p:sp>
+        <p:nvSpPr>
+          <p:cNvPr id="5" name="矩形 4"/>
+          <p:cNvSpPr/>
+          <p:nvPr/>
+        </p:nvSpPr>
+        <p:spPr>
+          <a:xfrm>
+            <a:off x="359228" y="2799523"/>
+            <a:ext cx="10990944" cy="646331"/>
+          </a:xfrm>
+          <a:prstGeom prst="rect">
+            <a:avLst/>
+          </a:prstGeom>
+        </p:spPr>
+        <p:txBody>
+          <a:bodyPr wrap="square">
+            <a:spAutoFit/>
+          </a:bodyPr>
+          <a:lstStyle/>
+          <a:p>
+            <a:endParaRPr lang="zh-CN" altLang="en-US" dirty="0"/>
+          </a:p>
+          <a:p>
+            <a:endParaRPr lang="zh-TW" altLang="en-US" dirty="0"/>
+          </a:p>
+        </p:txBody>
+      </p:sp>
+      <p:sp>
+        <p:nvSpPr>
+          <p:cNvPr id="10" name="矩形 9"/>
+          <p:cNvSpPr/>
+          <p:nvPr/>
+        </p:nvSpPr>
+        <p:spPr>
+          <a:xfrm>
+            <a:off x="-18143" y="0"/>
+            <a:ext cx="377372" cy="377372"/>
+          </a:xfrm>
+          <a:prstGeom prst="rect">
+            <a:avLst/>
+          </a:prstGeom>
+          <a:solidFill>
+            <a:srgbClr val="FF0000"/>
+          </a:solidFill>
+          <a:ln>
+            <a:noFill/>
+          </a:ln>
+        </p:spPr>
+        <p:style>
+          <a:lnRef idx="2">
+            <a:schemeClr val="accent1">
+              <a:shade val="50000"/>
+            </a:schemeClr>
+          </a:lnRef>
+          <a:fillRef idx="1">
+            <a:schemeClr val="accent1"/>
+          </a:fillRef>
+          <a:effectRef idx="0">
+            <a:schemeClr val="accent1"/>
+          </a:effectRef>
+          <a:fontRef idx="minor">
+            <a:schemeClr val="lt1"/>
+          </a:fontRef>
+        </p:style>
+        <p:txBody>
+          <a:bodyPr rtlCol="0" anchor="ctr"/>
+          <a:lstStyle/>
+          <a:p>
+            <a:pPr algn="ctr"/>
+            <a:endParaRPr lang="zh-TW" altLang="en-US"/>
+          </a:p>
+        </p:txBody>
+      </p:sp>
+    </p:spTree>
+    <p:extLst>
+      <p:ext uri="{BB962C8B-B14F-4D97-AF65-F5344CB8AC3E}">
+        <p14:creationId xmlns:p14="http://schemas.microsoft.com/office/powerpoint/2010/main" val="398999244"/>
+      </p:ext>
+    </p:extLst>
+  </p:cSld>
+  <p:clrMapOvr>
+    <a:masterClrMapping/>
+  </p:clrMapOvr>
+  <p:timing>
+    <p:tnLst>
+      <p:par>
+        <p:cTn id="1" dur="indefinite" restart="never" nodeType="tmRoot"/>
+      </p:par>
+    </p:tnLst>
+  </p:timing>
+</p:sld>
+</file>
+
+<file path=ppt/slides/slide3.xml><?xml version="1.0" encoding="utf-8"?>
+<p:sld xmlns:a="http://schemas.openxmlformats.org/drawingml/2006/main" xmlns:r="http://schemas.openxmlformats.org/officeDocument/2006/relationships" xmlns:p="http://schemas.openxmlformats.org/presentationml/2006/main">
+  <p:cSld>
+    <p:spTree>
+      <p:nvGrpSpPr>
+        <p:cNvPr id="1" name=""/>
+        <p:cNvGrpSpPr/>
+        <p:nvPr/>
+      </p:nvGrpSpPr>
+      <p:grpSpPr>
+        <a:xfrm>
+          <a:off x="0" y="0"/>
+          <a:ext cx="0" cy="0"/>
+          <a:chOff x="0" y="0"/>
+          <a:chExt cx="0" cy="0"/>
+        </a:xfrm>
+      </p:grpSpPr>
+      <p:pic>
+        <p:nvPicPr>
+          <p:cNvPr id="4" name="圖片 3"/>
+          <p:cNvPicPr>
+            <a:picLocks noChangeAspect="1"/>
+          </p:cNvPicPr>
+          <p:nvPr/>
+        </p:nvPicPr>
+        <p:blipFill>
+          <a:blip r:embed="rId2">
+            <a:extLst>
+              <a:ext uri="{28A0092B-C50C-407E-A947-70E740481C1C}">
+                <a14:useLocalDpi xmlns:a14="http://schemas.microsoft.com/office/drawing/2010/main" val="0"/>
+              </a:ext>
+            </a:extLst>
+          </a:blip>
+          <a:stretch>
+            <a:fillRect/>
+          </a:stretch>
+        </p:blipFill>
+        <p:spPr>
+          <a:xfrm>
+            <a:off x="7400256" y="0"/>
+            <a:ext cx="4791744" cy="828791"/>
+          </a:xfrm>
+          <a:prstGeom prst="rect">
+            <a:avLst/>
+          </a:prstGeom>
+        </p:spPr>
+      </p:pic>
+      <p:sp>
+        <p:nvSpPr>
+          <p:cNvPr id="5" name="標題 1"/>
+          <p:cNvSpPr txBox="1">
+            <a:spLocks/>
+          </p:cNvSpPr>
+          <p:nvPr/>
+        </p:nvSpPr>
+        <p:spPr>
+          <a:xfrm>
+            <a:off x="359229" y="495753"/>
+            <a:ext cx="7928429" cy="1057275"/>
+          </a:xfrm>
+          <a:prstGeom prst="rect">
+            <a:avLst/>
+          </a:prstGeom>
+        </p:spPr>
+        <p:txBody>
+          <a:bodyPr vert="horz" lIns="91440" tIns="45720" rIns="91440" bIns="45720" rtlCol="0" anchor="b">
+            <a:normAutofit fontScale="75000" lnSpcReduction="20000"/>
+          </a:bodyPr>
+          <a:lstStyle>
+            <a:lvl1pPr algn="ctr" defTabSz="914400" rtl="0" eaLnBrk="1" latinLnBrk="0" hangingPunct="1">
+              <a:lnSpc>
+                <a:spcPct val="90000"/>
+              </a:lnSpc>
+              <a:spcBef>
+                <a:spcPct val="0"/>
+              </a:spcBef>
+              <a:buNone/>
+              <a:defRPr sz="6000" kern="1200">
+                <a:solidFill>
+                  <a:schemeClr val="tx1"/>
+                </a:solidFill>
+                <a:latin typeface="+mj-lt"/>
+                <a:ea typeface="+mj-ea"/>
+                <a:cs typeface="+mj-cs"/>
+              </a:defRPr>
+            </a:lvl1pPr>
+          </a:lstStyle>
+          <a:p>
+            <a:pPr algn="l"/>
+            <a:r>
+              <a:rPr lang="zh-TW" altLang="en-US" dirty="0" smtClean="0">
+                <a:latin typeface="微軟正黑體" panose="020B0604030504040204" pitchFamily="34" charset="-120"/>
+                <a:ea typeface="微軟正黑體" panose="020B0604030504040204" pitchFamily="34" charset="-120"/>
+              </a:rPr>
+              <a:t>資料讀取</a:t>
+            </a:r>
+            <a:r>
+              <a:rPr lang="en-US" altLang="zh-TW" b="1" dirty="0" smtClean="0">
+                <a:latin typeface="微軟正黑體" panose="020B0604030504040204" pitchFamily="34" charset="-120"/>
+                <a:ea typeface="微軟正黑體" panose="020B0604030504040204" pitchFamily="34" charset="-120"/>
+              </a:rPr>
+              <a:t/>
+            </a:r>
+            <a:br>
+              <a:rPr lang="en-US" altLang="zh-TW" b="1" dirty="0" smtClean="0">
+                <a:latin typeface="微軟正黑體" panose="020B0604030504040204" pitchFamily="34" charset="-120"/>
+                <a:ea typeface="微軟正黑體" panose="020B0604030504040204" pitchFamily="34" charset="-120"/>
+              </a:rPr>
+            </a:br>
+            <a:endParaRPr lang="zh-TW" altLang="en-US" b="1" dirty="0">
+              <a:latin typeface="微軟正黑體" panose="020B0604030504040204" pitchFamily="34" charset="-120"/>
+              <a:ea typeface="微軟正黑體" panose="020B0604030504040204" pitchFamily="34" charset="-120"/>
+            </a:endParaRPr>
+          </a:p>
+        </p:txBody>
+      </p:sp>
+      <p:sp>
+        <p:nvSpPr>
+          <p:cNvPr id="6" name="文字方塊 5"/>
+          <p:cNvSpPr txBox="1"/>
+          <p:nvPr/>
+        </p:nvSpPr>
+        <p:spPr>
+          <a:xfrm>
+            <a:off x="11350172" y="6021028"/>
+            <a:ext cx="841828" cy="461665"/>
+          </a:xfrm>
+          <a:prstGeom prst="rect">
+            <a:avLst/>
+          </a:prstGeom>
+          <a:noFill/>
+        </p:spPr>
+        <p:txBody>
+          <a:bodyPr wrap="square" rtlCol="0">
+            <a:spAutoFit/>
+          </a:bodyPr>
+          <a:lstStyle/>
+          <a:p>
+            <a:r>
+              <a:rPr lang="en-US" altLang="zh-TW" sz="2400" b="1" dirty="0" smtClean="0">
+                <a:latin typeface="Arial Black" panose="020B0A04020102020204" pitchFamily="34" charset="0"/>
+              </a:rPr>
+              <a:t>1</a:t>
+            </a:r>
+          </a:p>
+        </p:txBody>
+      </p:sp>
+      <p:sp>
+        <p:nvSpPr>
+          <p:cNvPr id="7" name="矩形 6"/>
+          <p:cNvSpPr/>
+          <p:nvPr/>
+        </p:nvSpPr>
+        <p:spPr>
+          <a:xfrm>
+            <a:off x="359229" y="1553028"/>
+            <a:ext cx="1424855" cy="461665"/>
+          </a:xfrm>
+          <a:prstGeom prst="rect">
+            <a:avLst/>
+          </a:prstGeom>
+        </p:spPr>
+        <p:txBody>
+          <a:bodyPr wrap="square">
+            <a:spAutoFit/>
+          </a:bodyPr>
+          <a:lstStyle/>
+          <a:p>
+            <a:endParaRPr lang="zh-TW" altLang="en-US" sz="2400" dirty="0"/>
+          </a:p>
+        </p:txBody>
+      </p:sp>
+      <p:sp>
+        <p:nvSpPr>
+          <p:cNvPr id="9" name="矩形 8"/>
+          <p:cNvSpPr/>
+          <p:nvPr/>
+        </p:nvSpPr>
+        <p:spPr>
+          <a:xfrm>
+            <a:off x="359229" y="1636263"/>
+            <a:ext cx="1957283" cy="1569660"/>
+          </a:xfrm>
+          <a:prstGeom prst="rect">
+            <a:avLst/>
+          </a:prstGeom>
+        </p:spPr>
+        <p:txBody>
+          <a:bodyPr wrap="square">
+            <a:spAutoFit/>
+          </a:bodyPr>
+          <a:lstStyle/>
+          <a:p>
+            <a:r>
+              <a:rPr lang="en-US" altLang="zh-TW" sz="2400" dirty="0" err="1" smtClean="0"/>
+              <a:t>Numpy</a:t>
+            </a:r>
+            <a:endParaRPr lang="en-US" altLang="zh-TW" sz="2400" dirty="0" smtClean="0"/>
+          </a:p>
+          <a:p>
+            <a:r>
+              <a:rPr lang="en-US" altLang="zh-TW" sz="2400" dirty="0" err="1"/>
+              <a:t>matplotlib</a:t>
+            </a:r>
+            <a:endParaRPr lang="en-US" altLang="zh-TW" sz="2400" dirty="0"/>
+          </a:p>
+          <a:p>
+            <a:r>
+              <a:rPr lang="en-US" altLang="zh-TW" sz="2400" dirty="0"/>
+              <a:t>pandas</a:t>
+            </a:r>
+          </a:p>
+          <a:p>
+            <a:r>
+              <a:rPr lang="en-US" altLang="zh-TW" sz="2400" dirty="0" smtClean="0"/>
+              <a:t>random</a:t>
+            </a:r>
+            <a:endParaRPr lang="en-US" altLang="zh-TW" sz="2400" dirty="0"/>
+          </a:p>
+        </p:txBody>
+      </p:sp>
+      <p:sp>
+        <p:nvSpPr>
+          <p:cNvPr id="10" name="矩形 9"/>
+          <p:cNvSpPr/>
+          <p:nvPr/>
+        </p:nvSpPr>
+        <p:spPr>
+          <a:xfrm>
+            <a:off x="359229" y="1146628"/>
+            <a:ext cx="1846942" cy="461665"/>
+          </a:xfrm>
+          <a:prstGeom prst="rect">
+            <a:avLst/>
+          </a:prstGeom>
+        </p:spPr>
+        <p:txBody>
+          <a:bodyPr wrap="square">
+            <a:spAutoFit/>
+          </a:bodyPr>
+          <a:lstStyle/>
+          <a:p>
+            <a:r>
+              <a:rPr lang="zh-TW" altLang="en-US" sz="2400" dirty="0" smtClean="0"/>
+              <a:t>套件匯入</a:t>
+            </a:r>
+            <a:endParaRPr lang="zh-TW" altLang="en-US" sz="2400" dirty="0"/>
+          </a:p>
+        </p:txBody>
+      </p:sp>
+      <p:sp>
+        <p:nvSpPr>
+          <p:cNvPr id="11" name="矩形 10"/>
+          <p:cNvSpPr/>
+          <p:nvPr/>
+        </p:nvSpPr>
+        <p:spPr>
+          <a:xfrm>
+            <a:off x="-18143" y="-18370"/>
+            <a:ext cx="377372" cy="377372"/>
+          </a:xfrm>
+          <a:prstGeom prst="rect">
+            <a:avLst/>
+          </a:prstGeom>
+          <a:solidFill>
+            <a:schemeClr val="accent6">
+              <a:lumMod val="50000"/>
+            </a:schemeClr>
+          </a:solidFill>
+          <a:ln>
+            <a:noFill/>
+          </a:ln>
+        </p:spPr>
+        <p:style>
+          <a:lnRef idx="2">
+            <a:schemeClr val="accent1">
+              <a:shade val="50000"/>
+            </a:schemeClr>
+          </a:lnRef>
+          <a:fillRef idx="1">
+            <a:schemeClr val="accent1"/>
+          </a:fillRef>
+          <a:effectRef idx="0">
+            <a:schemeClr val="accent1"/>
+          </a:effectRef>
+          <a:fontRef idx="minor">
+            <a:schemeClr val="lt1"/>
+          </a:fontRef>
+        </p:style>
+        <p:txBody>
+          <a:bodyPr rtlCol="0" anchor="ctr"/>
+          <a:lstStyle/>
+          <a:p>
+            <a:pPr algn="ctr"/>
+            <a:endParaRPr lang="zh-TW" altLang="en-US"/>
+          </a:p>
+        </p:txBody>
+      </p:sp>
+    </p:spTree>
+    <p:extLst>
+      <p:ext uri="{BB962C8B-B14F-4D97-AF65-F5344CB8AC3E}">
+        <p14:creationId xmlns:p14="http://schemas.microsoft.com/office/powerpoint/2010/main" val="3211016061"/>
+      </p:ext>
+    </p:extLst>
+  </p:cSld>
+  <p:clrMapOvr>
+    <a:masterClrMapping/>
+  </p:clrMapOvr>
+  <p:timing>
+    <p:tnLst>
+      <p:par>
+        <p:cTn id="1" dur="indefinite" restart="never" nodeType="tmRoot"/>
+      </p:par>
+    </p:tnLst>
+  </p:timing>
+</p:sld>
+</file>
+
+<file path=ppt/slides/slide30.xml><?xml version="1.0" encoding="utf-8"?>
+<p:sld xmlns:a="http://schemas.openxmlformats.org/drawingml/2006/main" xmlns:r="http://schemas.openxmlformats.org/officeDocument/2006/relationships" xmlns:p="http://schemas.openxmlformats.org/presentationml/2006/main">
+  <p:cSld>
+    <p:spTree>
+      <p:nvGrpSpPr>
+        <p:cNvPr id="1" name=""/>
+        <p:cNvGrpSpPr/>
+        <p:nvPr/>
+      </p:nvGrpSpPr>
+      <p:grpSpPr>
+        <a:xfrm>
+          <a:off x="0" y="0"/>
+          <a:ext cx="0" cy="0"/>
+          <a:chOff x="0" y="0"/>
+          <a:chExt cx="0" cy="0"/>
+        </a:xfrm>
+      </p:grpSpPr>
+      <p:pic>
+        <p:nvPicPr>
+          <p:cNvPr id="4" name="圖片 3"/>
+          <p:cNvPicPr>
+            <a:picLocks noChangeAspect="1"/>
+          </p:cNvPicPr>
+          <p:nvPr/>
+        </p:nvPicPr>
+        <p:blipFill>
+          <a:blip r:embed="rId2">
+            <a:extLst>
+              <a:ext uri="{28A0092B-C50C-407E-A947-70E740481C1C}">
+                <a14:useLocalDpi xmlns:a14="http://schemas.microsoft.com/office/drawing/2010/main" val="0"/>
+              </a:ext>
+            </a:extLst>
+          </a:blip>
+          <a:stretch>
+            <a:fillRect/>
+          </a:stretch>
+        </p:blipFill>
+        <p:spPr>
+          <a:xfrm>
+            <a:off x="7400256" y="0"/>
+            <a:ext cx="4791744" cy="828791"/>
+          </a:xfrm>
+          <a:prstGeom prst="rect">
+            <a:avLst/>
+          </a:prstGeom>
+        </p:spPr>
+      </p:pic>
+      <p:pic>
+        <p:nvPicPr>
+          <p:cNvPr id="2" name="圖片 1"/>
+          <p:cNvPicPr>
+            <a:picLocks noChangeAspect="1"/>
+          </p:cNvPicPr>
+          <p:nvPr/>
+        </p:nvPicPr>
+        <p:blipFill>
+          <a:blip r:embed="rId3">
+            <a:extLst>
+              <a:ext uri="{28A0092B-C50C-407E-A947-70E740481C1C}">
+                <a14:useLocalDpi xmlns:a14="http://schemas.microsoft.com/office/drawing/2010/main" val="0"/>
+              </a:ext>
+            </a:extLst>
+          </a:blip>
+          <a:stretch>
+            <a:fillRect/>
+          </a:stretch>
+        </p:blipFill>
+        <p:spPr>
+          <a:xfrm>
+            <a:off x="7485993" y="0"/>
+            <a:ext cx="4706007" cy="1171739"/>
+          </a:xfrm>
+          <a:prstGeom prst="rect">
+            <a:avLst/>
+          </a:prstGeom>
+        </p:spPr>
+      </p:pic>
+      <p:sp>
+        <p:nvSpPr>
+          <p:cNvPr id="6" name="文字方塊 5"/>
+          <p:cNvSpPr txBox="1"/>
+          <p:nvPr/>
+        </p:nvSpPr>
+        <p:spPr>
+          <a:xfrm>
+            <a:off x="11350172" y="6021028"/>
+            <a:ext cx="841828" cy="461665"/>
+          </a:xfrm>
+          <a:prstGeom prst="rect">
+            <a:avLst/>
+          </a:prstGeom>
+          <a:noFill/>
+        </p:spPr>
+        <p:txBody>
+          <a:bodyPr wrap="square" rtlCol="0">
+            <a:spAutoFit/>
+          </a:bodyPr>
+          <a:lstStyle/>
+          <a:p>
+            <a:r>
+              <a:rPr lang="en-US" altLang="zh-TW" sz="2400" b="1" dirty="0" smtClean="0">
+                <a:latin typeface="Arial Black" panose="020B0A04020102020204" pitchFamily="34" charset="0"/>
+              </a:rPr>
+              <a:t>1</a:t>
+            </a:r>
+          </a:p>
+        </p:txBody>
+      </p:sp>
+      <p:sp>
+        <p:nvSpPr>
+          <p:cNvPr id="7" name="標題 1"/>
+          <p:cNvSpPr txBox="1">
+            <a:spLocks/>
+          </p:cNvSpPr>
+          <p:nvPr/>
+        </p:nvSpPr>
+        <p:spPr>
+          <a:xfrm>
+            <a:off x="359229" y="495753"/>
+            <a:ext cx="7928429" cy="1057275"/>
+          </a:xfrm>
+          <a:prstGeom prst="rect">
+            <a:avLst/>
+          </a:prstGeom>
+        </p:spPr>
+        <p:txBody>
+          <a:bodyPr vert="horz" lIns="91440" tIns="45720" rIns="91440" bIns="45720" rtlCol="0" anchor="b">
+            <a:normAutofit fontScale="75000" lnSpcReduction="20000"/>
+          </a:bodyPr>
+          <a:lstStyle>
+            <a:lvl1pPr algn="ctr" defTabSz="914400" rtl="0" eaLnBrk="1" latinLnBrk="0" hangingPunct="1">
+              <a:lnSpc>
+                <a:spcPct val="90000"/>
+              </a:lnSpc>
+              <a:spcBef>
+                <a:spcPct val="0"/>
+              </a:spcBef>
+              <a:buNone/>
+              <a:defRPr sz="6000" kern="1200">
+                <a:solidFill>
+                  <a:schemeClr val="tx1"/>
+                </a:solidFill>
+                <a:latin typeface="+mj-lt"/>
+                <a:ea typeface="+mj-ea"/>
+                <a:cs typeface="+mj-cs"/>
+              </a:defRPr>
+            </a:lvl1pPr>
+          </a:lstStyle>
+          <a:p>
+            <a:pPr algn="l"/>
+            <a:r>
+              <a:rPr lang="zh-TW" altLang="en-US" dirty="0" smtClean="0">
+                <a:latin typeface="微軟正黑體" panose="020B0604030504040204" pitchFamily="34" charset="-120"/>
+                <a:ea typeface="微軟正黑體" panose="020B0604030504040204" pitchFamily="34" charset="-120"/>
+              </a:rPr>
+              <a:t>建構模型</a:t>
+            </a:r>
+            <a:r>
+              <a:rPr lang="en-US" altLang="zh-TW" b="1" dirty="0" smtClean="0">
+                <a:latin typeface="微軟正黑體" panose="020B0604030504040204" pitchFamily="34" charset="-120"/>
+                <a:ea typeface="微軟正黑體" panose="020B0604030504040204" pitchFamily="34" charset="-120"/>
+              </a:rPr>
+              <a:t/>
+            </a:r>
+            <a:br>
+              <a:rPr lang="en-US" altLang="zh-TW" b="1" dirty="0" smtClean="0">
+                <a:latin typeface="微軟正黑體" panose="020B0604030504040204" pitchFamily="34" charset="-120"/>
+                <a:ea typeface="微軟正黑體" panose="020B0604030504040204" pitchFamily="34" charset="-120"/>
+              </a:rPr>
+            </a:br>
+            <a:endParaRPr lang="zh-TW" altLang="en-US" b="1" dirty="0">
+              <a:latin typeface="微軟正黑體" panose="020B0604030504040204" pitchFamily="34" charset="-120"/>
+              <a:ea typeface="微軟正黑體" panose="020B0604030504040204" pitchFamily="34" charset="-120"/>
+            </a:endParaRPr>
+          </a:p>
+        </p:txBody>
+      </p:sp>
+      <p:pic>
+        <p:nvPicPr>
+          <p:cNvPr id="3" name="圖片 2"/>
+          <p:cNvPicPr>
+            <a:picLocks noChangeAspect="1"/>
+          </p:cNvPicPr>
+          <p:nvPr/>
+        </p:nvPicPr>
+        <p:blipFill rotWithShape="1">
+          <a:blip r:embed="rId4">
+            <a:extLst>
+              <a:ext uri="{28A0092B-C50C-407E-A947-70E740481C1C}">
+                <a14:useLocalDpi xmlns:a14="http://schemas.microsoft.com/office/drawing/2010/main" val="0"/>
+              </a:ext>
+            </a:extLst>
+          </a:blip>
+          <a:srcRect b="62450"/>
+          <a:stretch/>
+        </p:blipFill>
+        <p:spPr>
+          <a:xfrm>
+            <a:off x="359229" y="1024390"/>
+            <a:ext cx="6773220" cy="1341439"/>
+          </a:xfrm>
+          <a:prstGeom prst="rect">
+            <a:avLst/>
+          </a:prstGeom>
+        </p:spPr>
+      </p:pic>
+      <p:sp>
+        <p:nvSpPr>
+          <p:cNvPr id="9" name="矩形 8"/>
+          <p:cNvSpPr/>
+          <p:nvPr/>
+        </p:nvSpPr>
+        <p:spPr>
+          <a:xfrm>
+            <a:off x="359229" y="2430191"/>
+            <a:ext cx="6206827" cy="1200329"/>
+          </a:xfrm>
+          <a:prstGeom prst="rect">
+            <a:avLst/>
+          </a:prstGeom>
+        </p:spPr>
+        <p:txBody>
+          <a:bodyPr wrap="none">
+            <a:spAutoFit/>
+          </a:bodyPr>
+          <a:lstStyle/>
+          <a:p>
+            <a:r>
+              <a:rPr lang="zh-CN" altLang="en-US" dirty="0" smtClean="0"/>
+              <a:t>處理不平衡學習</a:t>
+            </a:r>
+            <a:r>
+              <a:rPr lang="zh-TW" altLang="en-US" dirty="0" smtClean="0"/>
+              <a:t>的其中一種方式 </a:t>
+            </a:r>
+            <a:r>
+              <a:rPr lang="en-US" altLang="zh-TW" dirty="0" smtClean="0"/>
+              <a:t>=&gt;</a:t>
+            </a:r>
+            <a:r>
+              <a:rPr lang="zh-TW" altLang="en-US" dirty="0" smtClean="0"/>
+              <a:t>過採樣 </a:t>
+            </a:r>
+            <a:r>
+              <a:rPr lang="en-US" altLang="zh-TW" dirty="0" smtClean="0"/>
+              <a:t>(</a:t>
+            </a:r>
+            <a:r>
+              <a:rPr lang="en-US" altLang="zh-TW" dirty="0" err="1" smtClean="0"/>
+              <a:t>Onver</a:t>
+            </a:r>
+            <a:r>
+              <a:rPr lang="en-US" altLang="zh-TW" dirty="0" smtClean="0"/>
+              <a:t>-Sampling)</a:t>
+            </a:r>
+          </a:p>
+          <a:p>
+            <a:endParaRPr lang="en-US" altLang="zh-TW" i="1" dirty="0" smtClean="0">
+              <a:solidFill>
+                <a:schemeClr val="bg2">
+                  <a:lumMod val="50000"/>
+                </a:schemeClr>
+              </a:solidFill>
+            </a:endParaRPr>
+          </a:p>
+          <a:p>
+            <a:r>
+              <a:rPr lang="en-US" altLang="zh-TW" i="1" dirty="0" smtClean="0">
+                <a:solidFill>
+                  <a:schemeClr val="bg2">
+                    <a:lumMod val="50000"/>
+                  </a:schemeClr>
+                </a:solidFill>
+              </a:rPr>
+              <a:t>SMOTE(</a:t>
+            </a:r>
+            <a:r>
+              <a:rPr lang="en-US" altLang="zh-TW" dirty="0" smtClean="0">
+                <a:solidFill>
+                  <a:schemeClr val="bg2">
+                    <a:lumMod val="50000"/>
+                  </a:schemeClr>
+                </a:solidFill>
+              </a:rPr>
+              <a:t>Synthetic </a:t>
+            </a:r>
+            <a:r>
+              <a:rPr lang="en-US" altLang="zh-TW" dirty="0">
+                <a:solidFill>
+                  <a:schemeClr val="bg2">
+                    <a:lumMod val="50000"/>
+                  </a:schemeClr>
+                </a:solidFill>
+              </a:rPr>
+              <a:t>Minority Oversampling </a:t>
+            </a:r>
+            <a:r>
+              <a:rPr lang="en-US" altLang="zh-TW" dirty="0" smtClean="0">
+                <a:solidFill>
+                  <a:schemeClr val="bg2">
+                    <a:lumMod val="50000"/>
+                  </a:schemeClr>
+                </a:solidFill>
+              </a:rPr>
+              <a:t>Technique)</a:t>
+            </a:r>
+            <a:endParaRPr lang="en-US" altLang="zh-TW" b="1" dirty="0">
+              <a:solidFill>
+                <a:schemeClr val="bg2">
+                  <a:lumMod val="50000"/>
+                </a:schemeClr>
+              </a:solidFill>
+            </a:endParaRPr>
+          </a:p>
+          <a:p>
+            <a:r>
+              <a:rPr lang="en-US" altLang="zh-TW" b="1" dirty="0"/>
+              <a:t>Adaptive </a:t>
+            </a:r>
+            <a:r>
+              <a:rPr lang="en-US" altLang="zh-TW" b="1" dirty="0" smtClean="0"/>
+              <a:t>Synthetic(</a:t>
+            </a:r>
+            <a:r>
+              <a:rPr lang="en-US" altLang="zh-TW" b="1" dirty="0"/>
+              <a:t>ADASYN</a:t>
+            </a:r>
+            <a:r>
+              <a:rPr lang="en-US" altLang="zh-TW" b="1" dirty="0" smtClean="0"/>
+              <a:t>)</a:t>
+            </a:r>
+            <a:endParaRPr lang="en-US" altLang="zh-TW" b="1" dirty="0"/>
+          </a:p>
+        </p:txBody>
+      </p:sp>
+      <p:sp>
+        <p:nvSpPr>
+          <p:cNvPr id="5" name="矩形 4"/>
+          <p:cNvSpPr/>
+          <p:nvPr/>
+        </p:nvSpPr>
+        <p:spPr>
+          <a:xfrm>
+            <a:off x="359228" y="2799523"/>
+            <a:ext cx="10990944" cy="646331"/>
+          </a:xfrm>
+          <a:prstGeom prst="rect">
+            <a:avLst/>
+          </a:prstGeom>
+        </p:spPr>
+        <p:txBody>
+          <a:bodyPr wrap="square">
+            <a:spAutoFit/>
+          </a:bodyPr>
+          <a:lstStyle/>
+          <a:p>
+            <a:endParaRPr lang="zh-CN" altLang="en-US" dirty="0"/>
+          </a:p>
+          <a:p>
+            <a:endParaRPr lang="zh-TW" altLang="en-US" dirty="0"/>
+          </a:p>
+        </p:txBody>
+      </p:sp>
+      <p:sp>
+        <p:nvSpPr>
+          <p:cNvPr id="10" name="矩形 9"/>
+          <p:cNvSpPr/>
+          <p:nvPr/>
+        </p:nvSpPr>
+        <p:spPr>
+          <a:xfrm>
+            <a:off x="-18143" y="0"/>
+            <a:ext cx="377372" cy="377372"/>
+          </a:xfrm>
+          <a:prstGeom prst="rect">
+            <a:avLst/>
+          </a:prstGeom>
+          <a:solidFill>
+            <a:srgbClr val="FF0000"/>
+          </a:solidFill>
+          <a:ln>
+            <a:noFill/>
+          </a:ln>
+        </p:spPr>
+        <p:style>
+          <a:lnRef idx="2">
+            <a:schemeClr val="accent1">
+              <a:shade val="50000"/>
+            </a:schemeClr>
+          </a:lnRef>
+          <a:fillRef idx="1">
+            <a:schemeClr val="accent1"/>
+          </a:fillRef>
+          <a:effectRef idx="0">
+            <a:schemeClr val="accent1"/>
+          </a:effectRef>
+          <a:fontRef idx="minor">
+            <a:schemeClr val="lt1"/>
+          </a:fontRef>
+        </p:style>
+        <p:txBody>
+          <a:bodyPr rtlCol="0" anchor="ctr"/>
+          <a:lstStyle/>
+          <a:p>
+            <a:pPr algn="ctr"/>
+            <a:endParaRPr lang="zh-TW" altLang="en-US"/>
+          </a:p>
+        </p:txBody>
+      </p:sp>
+    </p:spTree>
+    <p:extLst>
+      <p:ext uri="{BB962C8B-B14F-4D97-AF65-F5344CB8AC3E}">
+        <p14:creationId xmlns:p14="http://schemas.microsoft.com/office/powerpoint/2010/main" val="1892465289"/>
+      </p:ext>
+    </p:extLst>
+  </p:cSld>
+  <p:clrMapOvr>
+    <a:masterClrMapping/>
+  </p:clrMapOvr>
+  <p:timing>
+    <p:tnLst>
+      <p:par>
+        <p:cTn id="1" dur="indefinite" restart="never" nodeType="tmRoot"/>
+      </p:par>
+    </p:tnLst>
+  </p:timing>
+</p:sld>
+</file>
+
+<file path=ppt/slides/slide31.xml><?xml version="1.0" encoding="utf-8"?>
+<p:sld xmlns:a="http://schemas.openxmlformats.org/drawingml/2006/main" xmlns:r="http://schemas.openxmlformats.org/officeDocument/2006/relationships" xmlns:p="http://schemas.openxmlformats.org/presentationml/2006/main">
+  <p:cSld>
+    <p:spTree>
+      <p:nvGrpSpPr>
+        <p:cNvPr id="1" name=""/>
+        <p:cNvGrpSpPr/>
+        <p:nvPr/>
+      </p:nvGrpSpPr>
+      <p:grpSpPr>
+        <a:xfrm>
+          <a:off x="0" y="0"/>
+          <a:ext cx="0" cy="0"/>
+          <a:chOff x="0" y="0"/>
+          <a:chExt cx="0" cy="0"/>
+        </a:xfrm>
+      </p:grpSpPr>
+      <p:pic>
+        <p:nvPicPr>
+          <p:cNvPr id="4" name="圖片 3"/>
+          <p:cNvPicPr>
+            <a:picLocks noChangeAspect="1"/>
+          </p:cNvPicPr>
+          <p:nvPr/>
+        </p:nvPicPr>
+        <p:blipFill>
+          <a:blip r:embed="rId2">
+            <a:extLst>
+              <a:ext uri="{28A0092B-C50C-407E-A947-70E740481C1C}">
+                <a14:useLocalDpi xmlns:a14="http://schemas.microsoft.com/office/drawing/2010/main" val="0"/>
+              </a:ext>
+            </a:extLst>
+          </a:blip>
+          <a:stretch>
+            <a:fillRect/>
+          </a:stretch>
+        </p:blipFill>
+        <p:spPr>
+          <a:xfrm>
+            <a:off x="7400256" y="0"/>
+            <a:ext cx="4791744" cy="828791"/>
+          </a:xfrm>
+          <a:prstGeom prst="rect">
+            <a:avLst/>
+          </a:prstGeom>
+        </p:spPr>
+      </p:pic>
+      <p:pic>
+        <p:nvPicPr>
+          <p:cNvPr id="2" name="圖片 1"/>
+          <p:cNvPicPr>
+            <a:picLocks noChangeAspect="1"/>
+          </p:cNvPicPr>
+          <p:nvPr/>
+        </p:nvPicPr>
+        <p:blipFill>
+          <a:blip r:embed="rId3">
+            <a:extLst>
+              <a:ext uri="{28A0092B-C50C-407E-A947-70E740481C1C}">
+                <a14:useLocalDpi xmlns:a14="http://schemas.microsoft.com/office/drawing/2010/main" val="0"/>
+              </a:ext>
+            </a:extLst>
+          </a:blip>
+          <a:stretch>
+            <a:fillRect/>
+          </a:stretch>
+        </p:blipFill>
+        <p:spPr>
+          <a:xfrm>
+            <a:off x="7485993" y="0"/>
+            <a:ext cx="4706007" cy="1171739"/>
+          </a:xfrm>
+          <a:prstGeom prst="rect">
+            <a:avLst/>
+          </a:prstGeom>
+        </p:spPr>
+      </p:pic>
+      <p:sp>
+        <p:nvSpPr>
+          <p:cNvPr id="6" name="文字方塊 5"/>
+          <p:cNvSpPr txBox="1"/>
+          <p:nvPr/>
+        </p:nvSpPr>
+        <p:spPr>
+          <a:xfrm>
+            <a:off x="11350172" y="6021028"/>
+            <a:ext cx="841828" cy="461665"/>
+          </a:xfrm>
+          <a:prstGeom prst="rect">
+            <a:avLst/>
+          </a:prstGeom>
+          <a:noFill/>
+        </p:spPr>
+        <p:txBody>
+          <a:bodyPr wrap="square" rtlCol="0">
+            <a:spAutoFit/>
+          </a:bodyPr>
+          <a:lstStyle/>
+          <a:p>
+            <a:r>
+              <a:rPr lang="en-US" altLang="zh-TW" sz="2400" b="1" dirty="0" smtClean="0">
+                <a:latin typeface="Arial Black" panose="020B0A04020102020204" pitchFamily="34" charset="0"/>
+              </a:rPr>
+              <a:t>1</a:t>
+            </a:r>
+          </a:p>
+        </p:txBody>
+      </p:sp>
+      <p:sp>
+        <p:nvSpPr>
+          <p:cNvPr id="7" name="標題 1"/>
+          <p:cNvSpPr txBox="1">
+            <a:spLocks/>
+          </p:cNvSpPr>
+          <p:nvPr/>
+        </p:nvSpPr>
+        <p:spPr>
+          <a:xfrm>
+            <a:off x="359229" y="495753"/>
+            <a:ext cx="7928429" cy="1057275"/>
+          </a:xfrm>
+          <a:prstGeom prst="rect">
+            <a:avLst/>
+          </a:prstGeom>
+        </p:spPr>
+        <p:txBody>
+          <a:bodyPr vert="horz" lIns="91440" tIns="45720" rIns="91440" bIns="45720" rtlCol="0" anchor="b">
+            <a:normAutofit fontScale="75000" lnSpcReduction="20000"/>
+          </a:bodyPr>
+          <a:lstStyle>
+            <a:lvl1pPr algn="ctr" defTabSz="914400" rtl="0" eaLnBrk="1" latinLnBrk="0" hangingPunct="1">
+              <a:lnSpc>
+                <a:spcPct val="90000"/>
+              </a:lnSpc>
+              <a:spcBef>
+                <a:spcPct val="0"/>
+              </a:spcBef>
+              <a:buNone/>
+              <a:defRPr sz="6000" kern="1200">
+                <a:solidFill>
+                  <a:schemeClr val="tx1"/>
+                </a:solidFill>
+                <a:latin typeface="+mj-lt"/>
+                <a:ea typeface="+mj-ea"/>
+                <a:cs typeface="+mj-cs"/>
+              </a:defRPr>
+            </a:lvl1pPr>
+          </a:lstStyle>
+          <a:p>
+            <a:pPr algn="l"/>
+            <a:r>
+              <a:rPr lang="zh-TW" altLang="en-US" dirty="0" smtClean="0">
+                <a:latin typeface="微軟正黑體" panose="020B0604030504040204" pitchFamily="34" charset="-120"/>
+                <a:ea typeface="微軟正黑體" panose="020B0604030504040204" pitchFamily="34" charset="-120"/>
+              </a:rPr>
+              <a:t>建構模型</a:t>
+            </a:r>
+            <a:r>
+              <a:rPr lang="en-US" altLang="zh-TW" b="1" dirty="0" smtClean="0">
+                <a:latin typeface="微軟正黑體" panose="020B0604030504040204" pitchFamily="34" charset="-120"/>
+                <a:ea typeface="微軟正黑體" panose="020B0604030504040204" pitchFamily="34" charset="-120"/>
+              </a:rPr>
+              <a:t/>
+            </a:r>
+            <a:br>
+              <a:rPr lang="en-US" altLang="zh-TW" b="1" dirty="0" smtClean="0">
+                <a:latin typeface="微軟正黑體" panose="020B0604030504040204" pitchFamily="34" charset="-120"/>
+                <a:ea typeface="微軟正黑體" panose="020B0604030504040204" pitchFamily="34" charset="-120"/>
+              </a:rPr>
+            </a:br>
+            <a:endParaRPr lang="zh-TW" altLang="en-US" b="1" dirty="0">
+              <a:latin typeface="微軟正黑體" panose="020B0604030504040204" pitchFamily="34" charset="-120"/>
+              <a:ea typeface="微軟正黑體" panose="020B0604030504040204" pitchFamily="34" charset="-120"/>
+            </a:endParaRPr>
+          </a:p>
+        </p:txBody>
+      </p:sp>
+      <p:sp>
+        <p:nvSpPr>
+          <p:cNvPr id="9" name="矩形 8"/>
+          <p:cNvSpPr/>
+          <p:nvPr/>
+        </p:nvSpPr>
+        <p:spPr>
+          <a:xfrm>
+            <a:off x="359228" y="1171739"/>
+            <a:ext cx="2135328" cy="369332"/>
+          </a:xfrm>
+          <a:prstGeom prst="rect">
+            <a:avLst/>
+          </a:prstGeom>
+        </p:spPr>
+        <p:txBody>
+          <a:bodyPr wrap="none">
+            <a:spAutoFit/>
+          </a:bodyPr>
+          <a:lstStyle/>
+          <a:p>
+            <a:r>
+              <a:rPr lang="zh-TW" altLang="en-US" b="1" dirty="0" smtClean="0"/>
+              <a:t>插值演算法</a:t>
+            </a:r>
+            <a:r>
+              <a:rPr lang="en-US" altLang="zh-TW" b="1" dirty="0" smtClean="0"/>
+              <a:t>ADASYN</a:t>
+            </a:r>
+            <a:endParaRPr lang="en-US" altLang="zh-TW" b="1" dirty="0"/>
+          </a:p>
+        </p:txBody>
+      </p:sp>
+      <p:sp>
+        <p:nvSpPr>
+          <p:cNvPr id="5" name="矩形 4"/>
+          <p:cNvSpPr/>
+          <p:nvPr/>
+        </p:nvSpPr>
+        <p:spPr>
+          <a:xfrm>
+            <a:off x="359228" y="1586470"/>
+            <a:ext cx="10990944" cy="1200329"/>
+          </a:xfrm>
+          <a:prstGeom prst="rect">
+            <a:avLst/>
+          </a:prstGeom>
+        </p:spPr>
+        <p:txBody>
+          <a:bodyPr wrap="square">
+            <a:spAutoFit/>
+          </a:bodyPr>
+          <a:lstStyle/>
+          <a:p>
+            <a:r>
+              <a:rPr lang="zh-CN" altLang="en-US" dirty="0" smtClean="0"/>
+              <a:t>基於</a:t>
+            </a:r>
+            <a:r>
+              <a:rPr lang="en-US" altLang="zh-CN" dirty="0" smtClean="0"/>
+              <a:t>k</a:t>
+            </a:r>
+            <a:r>
+              <a:rPr lang="zh-CN" altLang="en-US" dirty="0" smtClean="0"/>
+              <a:t>臨近和插值演算法。不同的是</a:t>
+            </a:r>
+            <a:r>
+              <a:rPr lang="en-US" altLang="zh-CN" dirty="0" smtClean="0"/>
+              <a:t>ADASYN</a:t>
+            </a:r>
+            <a:r>
+              <a:rPr lang="zh-CN" altLang="en-US" dirty="0" smtClean="0"/>
+              <a:t>演算法在考慮</a:t>
+            </a:r>
+            <a:r>
+              <a:rPr lang="en-US" altLang="zh-CN" dirty="0" smtClean="0"/>
+              <a:t>K</a:t>
+            </a:r>
+            <a:r>
+              <a:rPr lang="zh-CN" altLang="en-US" dirty="0" smtClean="0"/>
+              <a:t>個臨近樣本點的時候是包括所有類別的不僅僅是 </a:t>
+            </a:r>
+            <a:r>
+              <a:rPr lang="en-US" altLang="zh-CN" dirty="0" smtClean="0"/>
+              <a:t>Xi</a:t>
+            </a:r>
+            <a:r>
+              <a:rPr lang="en-US" altLang="zh-CN" dirty="0"/>
+              <a:t> </a:t>
+            </a:r>
+            <a:r>
+              <a:rPr lang="zh-CN" altLang="en-US" dirty="0" smtClean="0"/>
+              <a:t>同類。並且根據每個少數類樣本周圍異類樣本點的個數賦予權重 </a:t>
+            </a:r>
+            <a:r>
+              <a:rPr lang="en-US" altLang="zh-CN" dirty="0" err="1" smtClean="0"/>
+              <a:t>ri</a:t>
+            </a:r>
+            <a:r>
+              <a:rPr lang="en-US" altLang="zh-CN" dirty="0"/>
+              <a:t> </a:t>
+            </a:r>
+            <a:r>
+              <a:rPr lang="en-US" altLang="zh-CN" dirty="0" smtClean="0"/>
+              <a:t>,</a:t>
+            </a:r>
+            <a:r>
+              <a:rPr lang="zh-CN" altLang="en-US" dirty="0" smtClean="0"/>
+              <a:t>權重越高，一會根據同類臨近點生成的樣本數也就越多。</a:t>
+            </a:r>
+            <a:endParaRPr lang="zh-CN" altLang="en-US" dirty="0"/>
+          </a:p>
+          <a:p>
+            <a:endParaRPr lang="zh-TW" altLang="en-US" dirty="0"/>
+          </a:p>
+        </p:txBody>
+      </p:sp>
+      <p:sp>
+        <p:nvSpPr>
+          <p:cNvPr id="10" name="矩形 9"/>
+          <p:cNvSpPr/>
+          <p:nvPr/>
+        </p:nvSpPr>
+        <p:spPr>
+          <a:xfrm>
+            <a:off x="-18144" y="0"/>
+            <a:ext cx="377372" cy="377372"/>
+          </a:xfrm>
+          <a:prstGeom prst="rect">
+            <a:avLst/>
+          </a:prstGeom>
+          <a:solidFill>
+            <a:srgbClr val="002060"/>
+          </a:solidFill>
+          <a:ln>
+            <a:noFill/>
+          </a:ln>
+        </p:spPr>
+        <p:style>
+          <a:lnRef idx="2">
+            <a:schemeClr val="accent1">
+              <a:shade val="50000"/>
+            </a:schemeClr>
+          </a:lnRef>
+          <a:fillRef idx="1">
+            <a:schemeClr val="accent1"/>
+          </a:fillRef>
+          <a:effectRef idx="0">
+            <a:schemeClr val="accent1"/>
+          </a:effectRef>
+          <a:fontRef idx="minor">
+            <a:schemeClr val="lt1"/>
+          </a:fontRef>
+        </p:style>
+        <p:txBody>
+          <a:bodyPr rtlCol="0" anchor="ctr"/>
+          <a:lstStyle/>
+          <a:p>
+            <a:pPr algn="ctr"/>
+            <a:endParaRPr lang="zh-TW" altLang="en-US"/>
+          </a:p>
+        </p:txBody>
+      </p:sp>
+    </p:spTree>
+    <p:extLst>
+      <p:ext uri="{BB962C8B-B14F-4D97-AF65-F5344CB8AC3E}">
+        <p14:creationId xmlns:p14="http://schemas.microsoft.com/office/powerpoint/2010/main" val="3014193443"/>
+      </p:ext>
+    </p:extLst>
+  </p:cSld>
+  <p:clrMapOvr>
+    <a:masterClrMapping/>
+  </p:clrMapOvr>
+  <p:timing>
+    <p:tnLst>
+      <p:par>
+        <p:cTn id="1" dur="indefinite" restart="never" nodeType="tmRoot"/>
+      </p:par>
+    </p:tnLst>
+  </p:timing>
+</p:sld>
+</file>
+
+<file path=ppt/slides/slide32.xml><?xml version="1.0" encoding="utf-8"?>
+<p:sld xmlns:a="http://schemas.openxmlformats.org/drawingml/2006/main" xmlns:r="http://schemas.openxmlformats.org/officeDocument/2006/relationships" xmlns:p="http://schemas.openxmlformats.org/presentationml/2006/main">
+  <p:cSld>
+    <p:spTree>
+      <p:nvGrpSpPr>
+        <p:cNvPr id="1" name=""/>
+        <p:cNvGrpSpPr/>
+        <p:nvPr/>
+      </p:nvGrpSpPr>
+      <p:grpSpPr>
+        <a:xfrm>
+          <a:off x="0" y="0"/>
+          <a:ext cx="0" cy="0"/>
+          <a:chOff x="0" y="0"/>
+          <a:chExt cx="0" cy="0"/>
+        </a:xfrm>
+      </p:grpSpPr>
+      <p:pic>
+        <p:nvPicPr>
+          <p:cNvPr id="4" name="圖片 3"/>
+          <p:cNvPicPr>
+            <a:picLocks noChangeAspect="1"/>
+          </p:cNvPicPr>
+          <p:nvPr/>
+        </p:nvPicPr>
+        <p:blipFill>
+          <a:blip r:embed="rId2">
+            <a:extLst>
+              <a:ext uri="{28A0092B-C50C-407E-A947-70E740481C1C}">
+                <a14:useLocalDpi xmlns:a14="http://schemas.microsoft.com/office/drawing/2010/main" val="0"/>
+              </a:ext>
+            </a:extLst>
+          </a:blip>
+          <a:stretch>
+            <a:fillRect/>
+          </a:stretch>
+        </p:blipFill>
+        <p:spPr>
+          <a:xfrm>
+            <a:off x="7400256" y="0"/>
+            <a:ext cx="4791744" cy="828791"/>
+          </a:xfrm>
+          <a:prstGeom prst="rect">
+            <a:avLst/>
+          </a:prstGeom>
+        </p:spPr>
+      </p:pic>
+      <p:pic>
+        <p:nvPicPr>
+          <p:cNvPr id="2" name="圖片 1"/>
+          <p:cNvPicPr>
+            <a:picLocks noChangeAspect="1"/>
+          </p:cNvPicPr>
+          <p:nvPr/>
+        </p:nvPicPr>
+        <p:blipFill>
+          <a:blip r:embed="rId3">
+            <a:extLst>
+              <a:ext uri="{28A0092B-C50C-407E-A947-70E740481C1C}">
+                <a14:useLocalDpi xmlns:a14="http://schemas.microsoft.com/office/drawing/2010/main" val="0"/>
+              </a:ext>
+            </a:extLst>
+          </a:blip>
+          <a:stretch>
+            <a:fillRect/>
+          </a:stretch>
+        </p:blipFill>
+        <p:spPr>
+          <a:xfrm>
+            <a:off x="7485993" y="0"/>
+            <a:ext cx="4706007" cy="1171739"/>
+          </a:xfrm>
+          <a:prstGeom prst="rect">
+            <a:avLst/>
+          </a:prstGeom>
+        </p:spPr>
+      </p:pic>
+      <p:sp>
+        <p:nvSpPr>
+          <p:cNvPr id="6" name="文字方塊 5"/>
+          <p:cNvSpPr txBox="1"/>
+          <p:nvPr/>
+        </p:nvSpPr>
+        <p:spPr>
+          <a:xfrm>
+            <a:off x="11350172" y="6021028"/>
+            <a:ext cx="841828" cy="461665"/>
+          </a:xfrm>
+          <a:prstGeom prst="rect">
+            <a:avLst/>
+          </a:prstGeom>
+          <a:noFill/>
+        </p:spPr>
+        <p:txBody>
+          <a:bodyPr wrap="square" rtlCol="0">
+            <a:spAutoFit/>
+          </a:bodyPr>
+          <a:lstStyle/>
+          <a:p>
+            <a:r>
+              <a:rPr lang="en-US" altLang="zh-TW" sz="2400" b="1" dirty="0" smtClean="0">
+                <a:latin typeface="Arial Black" panose="020B0A04020102020204" pitchFamily="34" charset="0"/>
+              </a:rPr>
+              <a:t>1</a:t>
+            </a:r>
+          </a:p>
+        </p:txBody>
+      </p:sp>
+      <p:sp>
+        <p:nvSpPr>
+          <p:cNvPr id="7" name="標題 1"/>
+          <p:cNvSpPr txBox="1">
+            <a:spLocks/>
+          </p:cNvSpPr>
+          <p:nvPr/>
+        </p:nvSpPr>
+        <p:spPr>
+          <a:xfrm>
+            <a:off x="359229" y="495753"/>
+            <a:ext cx="7928429" cy="1057275"/>
+          </a:xfrm>
+          <a:prstGeom prst="rect">
+            <a:avLst/>
+          </a:prstGeom>
+        </p:spPr>
+        <p:txBody>
+          <a:bodyPr vert="horz" lIns="91440" tIns="45720" rIns="91440" bIns="45720" rtlCol="0" anchor="b">
+            <a:normAutofit fontScale="75000" lnSpcReduction="20000"/>
+          </a:bodyPr>
+          <a:lstStyle>
+            <a:lvl1pPr algn="ctr" defTabSz="914400" rtl="0" eaLnBrk="1" latinLnBrk="0" hangingPunct="1">
+              <a:lnSpc>
+                <a:spcPct val="90000"/>
+              </a:lnSpc>
+              <a:spcBef>
+                <a:spcPct val="0"/>
+              </a:spcBef>
+              <a:buNone/>
+              <a:defRPr sz="6000" kern="1200">
+                <a:solidFill>
+                  <a:schemeClr val="tx1"/>
+                </a:solidFill>
+                <a:latin typeface="+mj-lt"/>
+                <a:ea typeface="+mj-ea"/>
+                <a:cs typeface="+mj-cs"/>
+              </a:defRPr>
+            </a:lvl1pPr>
+          </a:lstStyle>
+          <a:p>
+            <a:pPr algn="l"/>
+            <a:r>
+              <a:rPr lang="zh-TW" altLang="en-US" dirty="0" smtClean="0">
+                <a:latin typeface="微軟正黑體" panose="020B0604030504040204" pitchFamily="34" charset="-120"/>
+                <a:ea typeface="微軟正黑體" panose="020B0604030504040204" pitchFamily="34" charset="-120"/>
+              </a:rPr>
+              <a:t>建構模型</a:t>
+            </a:r>
+            <a:r>
+              <a:rPr lang="en-US" altLang="zh-TW" b="1" dirty="0" smtClean="0">
+                <a:latin typeface="微軟正黑體" panose="020B0604030504040204" pitchFamily="34" charset="-120"/>
+                <a:ea typeface="微軟正黑體" panose="020B0604030504040204" pitchFamily="34" charset="-120"/>
+              </a:rPr>
+              <a:t/>
+            </a:r>
+            <a:br>
+              <a:rPr lang="en-US" altLang="zh-TW" b="1" dirty="0" smtClean="0">
+                <a:latin typeface="微軟正黑體" panose="020B0604030504040204" pitchFamily="34" charset="-120"/>
+                <a:ea typeface="微軟正黑體" panose="020B0604030504040204" pitchFamily="34" charset="-120"/>
+              </a:rPr>
+            </a:br>
+            <a:endParaRPr lang="zh-TW" altLang="en-US" b="1" dirty="0">
+              <a:latin typeface="微軟正黑體" panose="020B0604030504040204" pitchFamily="34" charset="-120"/>
+              <a:ea typeface="微軟正黑體" panose="020B0604030504040204" pitchFamily="34" charset="-120"/>
+            </a:endParaRPr>
+          </a:p>
+        </p:txBody>
+      </p:sp>
       <p:pic>
         <p:nvPicPr>
           <p:cNvPr id="3" name="圖片 2"/>
@@ -13963,7 +17127,7 @@
 </p:sld>
 </file>
 
-<file path=ppt/slides/slide26.xml><?xml version="1.0" encoding="utf-8"?>
+<file path=ppt/slides/slide33.xml><?xml version="1.0" encoding="utf-8"?>
 <p:sld xmlns:a="http://schemas.openxmlformats.org/drawingml/2006/main" xmlns:r="http://schemas.openxmlformats.org/officeDocument/2006/relationships" xmlns:p="http://schemas.openxmlformats.org/presentationml/2006/main">
   <p:cSld>
     <p:spTree>
@@ -14884,6 +18048,54 @@
           </a:graphicData>
         </a:graphic>
       </p:graphicFrame>
+      <p:sp>
+        <p:nvSpPr>
+          <p:cNvPr id="8" name="矩形 7"/>
+          <p:cNvSpPr/>
+          <p:nvPr/>
+        </p:nvSpPr>
+        <p:spPr>
+          <a:xfrm>
+            <a:off x="-18143" y="-18370"/>
+            <a:ext cx="377372" cy="377372"/>
+          </a:xfrm>
+          <a:prstGeom prst="rect">
+            <a:avLst/>
+          </a:prstGeom>
+          <a:solidFill>
+            <a:schemeClr val="accent6">
+              <a:lumMod val="50000"/>
+            </a:schemeClr>
+          </a:solidFill>
+          <a:ln>
+            <a:noFill/>
+          </a:ln>
+        </p:spPr>
+        <p:style>
+          <a:lnRef idx="2">
+            <a:schemeClr val="accent1">
+              <a:shade val="50000"/>
+            </a:schemeClr>
+          </a:lnRef>
+          <a:fillRef idx="1">
+            <a:schemeClr val="accent1"/>
+          </a:fillRef>
+          <a:effectRef idx="0">
+            <a:schemeClr val="accent1"/>
+          </a:effectRef>
+          <a:fontRef idx="minor">
+            <a:schemeClr val="lt1"/>
+          </a:fontRef>
+        </p:style>
+        <p:txBody>
+          <a:bodyPr rtlCol="0" anchor="ctr"/>
+          <a:lstStyle/>
+          <a:p>
+            <a:pPr algn="ctr"/>
+            <a:endParaRPr lang="zh-TW" altLang="en-US"/>
+          </a:p>
+        </p:txBody>
+      </p:sp>
     </p:spTree>
     <p:extLst>
       <p:ext uri="{BB962C8B-B14F-4D97-AF65-F5344CB8AC3E}">
@@ -14904,7 +18116,7 @@
 </p:sld>
 </file>
 
-<file path=ppt/slides/slide27.xml><?xml version="1.0" encoding="utf-8"?>
+<file path=ppt/slides/slide34.xml><?xml version="1.0" encoding="utf-8"?>
 <p:sld xmlns:a="http://schemas.openxmlformats.org/drawingml/2006/main" xmlns:r="http://schemas.openxmlformats.org/officeDocument/2006/relationships" xmlns:p="http://schemas.openxmlformats.org/presentationml/2006/main">
   <p:cSld>
     <p:spTree>
@@ -15066,7 +18278,7 @@
                 <a:latin typeface="微軟正黑體" panose="020B0604030504040204" pitchFamily="34" charset="-120"/>
                 <a:ea typeface="微軟正黑體" panose="020B0604030504040204" pitchFamily="34" charset="-120"/>
               </a:rPr>
-              <a:t>模型</a:t>
+              <a:t>模型結果</a:t>
             </a:r>
             <a:r>
               <a:rPr lang="en-US" altLang="zh-TW" b="1" dirty="0" smtClean="0">
@@ -15118,6 +18330,100 @@
           </a:prstGeom>
         </p:spPr>
       </p:pic>
+      <p:sp>
+        <p:nvSpPr>
+          <p:cNvPr id="8" name="矩形 7"/>
+          <p:cNvSpPr/>
+          <p:nvPr/>
+        </p:nvSpPr>
+        <p:spPr>
+          <a:xfrm>
+            <a:off x="-18143" y="-18370"/>
+            <a:ext cx="377372" cy="377372"/>
+          </a:xfrm>
+          <a:prstGeom prst="rect">
+            <a:avLst/>
+          </a:prstGeom>
+          <a:solidFill>
+            <a:schemeClr val="accent6">
+              <a:lumMod val="50000"/>
+            </a:schemeClr>
+          </a:solidFill>
+          <a:ln>
+            <a:noFill/>
+          </a:ln>
+        </p:spPr>
+        <p:style>
+          <a:lnRef idx="2">
+            <a:schemeClr val="accent1">
+              <a:shade val="50000"/>
+            </a:schemeClr>
+          </a:lnRef>
+          <a:fillRef idx="1">
+            <a:schemeClr val="accent1"/>
+          </a:fillRef>
+          <a:effectRef idx="0">
+            <a:schemeClr val="accent1"/>
+          </a:effectRef>
+          <a:fontRef idx="minor">
+            <a:schemeClr val="lt1"/>
+          </a:fontRef>
+        </p:style>
+        <p:txBody>
+          <a:bodyPr rtlCol="0" anchor="ctr"/>
+          <a:lstStyle/>
+          <a:p>
+            <a:pPr algn="ctr"/>
+            <a:endParaRPr lang="zh-TW" altLang="en-US"/>
+          </a:p>
+        </p:txBody>
+      </p:sp>
+      <p:sp>
+        <p:nvSpPr>
+          <p:cNvPr id="9" name="矩形 8"/>
+          <p:cNvSpPr/>
+          <p:nvPr/>
+        </p:nvSpPr>
+        <p:spPr>
+          <a:xfrm>
+            <a:off x="0" y="0"/>
+            <a:ext cx="377372" cy="377372"/>
+          </a:xfrm>
+          <a:prstGeom prst="rect">
+            <a:avLst/>
+          </a:prstGeom>
+          <a:solidFill>
+            <a:srgbClr val="FF0000"/>
+          </a:solidFill>
+          <a:ln>
+            <a:noFill/>
+          </a:ln>
+        </p:spPr>
+        <p:style>
+          <a:lnRef idx="2">
+            <a:schemeClr val="accent1">
+              <a:shade val="50000"/>
+            </a:schemeClr>
+          </a:lnRef>
+          <a:fillRef idx="1">
+            <a:schemeClr val="accent1"/>
+          </a:fillRef>
+          <a:effectRef idx="0">
+            <a:schemeClr val="accent1"/>
+          </a:effectRef>
+          <a:fontRef idx="minor">
+            <a:schemeClr val="lt1"/>
+          </a:fontRef>
+        </p:style>
+        <p:txBody>
+          <a:bodyPr rtlCol="0" anchor="ctr"/>
+          <a:lstStyle/>
+          <a:p>
+            <a:pPr algn="ctr"/>
+            <a:endParaRPr lang="zh-TW" altLang="en-US"/>
+          </a:p>
+        </p:txBody>
+      </p:sp>
     </p:spTree>
     <p:extLst>
       <p:ext uri="{BB962C8B-B14F-4D97-AF65-F5344CB8AC3E}">
@@ -15131,7 +18437,7 @@
 </p:sld>
 </file>
 
-<file path=ppt/slides/slide28.xml><?xml version="1.0" encoding="utf-8"?>
+<file path=ppt/slides/slide35.xml><?xml version="1.0" encoding="utf-8"?>
 <p:sld xmlns:a="http://schemas.openxmlformats.org/drawingml/2006/main" xmlns:r="http://schemas.openxmlformats.org/officeDocument/2006/relationships" xmlns:p="http://schemas.openxmlformats.org/presentationml/2006/main">
   <p:cSld>
     <p:spTree>
@@ -15293,7 +18599,7 @@
                 <a:latin typeface="微軟正黑體" panose="020B0604030504040204" pitchFamily="34" charset="-120"/>
                 <a:ea typeface="微軟正黑體" panose="020B0604030504040204" pitchFamily="34" charset="-120"/>
               </a:rPr>
-              <a:t>模型</a:t>
+              <a:t>模型結果</a:t>
             </a:r>
             <a:r>
               <a:rPr lang="en-US" altLang="zh-TW" b="1" dirty="0" smtClean="0">
@@ -15337,7 +18643,7 @@
         </p:blipFill>
         <p:spPr>
           <a:xfrm>
-            <a:off x="359229" y="1324544"/>
+            <a:off x="359229" y="1805433"/>
             <a:ext cx="10583752" cy="1724266"/>
           </a:xfrm>
           <a:prstGeom prst="rect">
@@ -15345,6 +18651,902 @@
           </a:prstGeom>
         </p:spPr>
       </p:pic>
+      <p:sp>
+        <p:nvSpPr>
+          <p:cNvPr id="3" name="文字方塊 2"/>
+          <p:cNvSpPr txBox="1"/>
+          <p:nvPr/>
+        </p:nvSpPr>
+        <p:spPr>
+          <a:xfrm>
+            <a:off x="243115" y="1309899"/>
+            <a:ext cx="4908716" cy="369332"/>
+          </a:xfrm>
+          <a:prstGeom prst="rect">
+            <a:avLst/>
+          </a:prstGeom>
+          <a:noFill/>
+        </p:spPr>
+        <p:txBody>
+          <a:bodyPr wrap="none" rtlCol="0">
+            <a:spAutoFit/>
+          </a:bodyPr>
+          <a:lstStyle/>
+          <a:p>
+            <a:r>
+              <a:rPr lang="zh-TW" altLang="en-US" dirty="0" smtClean="0"/>
+              <a:t>最後，我們該如何去判斷一個分類模型好不好</a:t>
+            </a:r>
+            <a:r>
+              <a:rPr lang="en-US" altLang="zh-TW" dirty="0" smtClean="0"/>
+              <a:t>?</a:t>
+            </a:r>
+            <a:endParaRPr lang="zh-TW" altLang="en-US" dirty="0"/>
+          </a:p>
+        </p:txBody>
+      </p:sp>
+      <p:sp>
+        <p:nvSpPr>
+          <p:cNvPr id="8" name="矩形 7"/>
+          <p:cNvSpPr/>
+          <p:nvPr/>
+        </p:nvSpPr>
+        <p:spPr>
+          <a:xfrm>
+            <a:off x="-18143" y="0"/>
+            <a:ext cx="377372" cy="377372"/>
+          </a:xfrm>
+          <a:prstGeom prst="rect">
+            <a:avLst/>
+          </a:prstGeom>
+          <a:solidFill>
+            <a:srgbClr val="FF0000"/>
+          </a:solidFill>
+          <a:ln>
+            <a:noFill/>
+          </a:ln>
+        </p:spPr>
+        <p:style>
+          <a:lnRef idx="2">
+            <a:schemeClr val="accent1">
+              <a:shade val="50000"/>
+            </a:schemeClr>
+          </a:lnRef>
+          <a:fillRef idx="1">
+            <a:schemeClr val="accent1"/>
+          </a:fillRef>
+          <a:effectRef idx="0">
+            <a:schemeClr val="accent1"/>
+          </a:effectRef>
+          <a:fontRef idx="minor">
+            <a:schemeClr val="lt1"/>
+          </a:fontRef>
+        </p:style>
+        <p:txBody>
+          <a:bodyPr rtlCol="0" anchor="ctr"/>
+          <a:lstStyle/>
+          <a:p>
+            <a:pPr algn="ctr"/>
+            <a:endParaRPr lang="zh-TW" altLang="en-US"/>
+          </a:p>
+        </p:txBody>
+      </p:sp>
+      <p:sp>
+        <p:nvSpPr>
+          <p:cNvPr id="9" name="矩形 8"/>
+          <p:cNvSpPr/>
+          <p:nvPr/>
+        </p:nvSpPr>
+        <p:spPr>
+          <a:xfrm>
+            <a:off x="423802" y="3782104"/>
+            <a:ext cx="3382464" cy="369332"/>
+          </a:xfrm>
+          <a:prstGeom prst="rect">
+            <a:avLst/>
+          </a:prstGeom>
+        </p:spPr>
+        <p:txBody>
+          <a:bodyPr wrap="none">
+            <a:spAutoFit/>
+          </a:bodyPr>
+          <a:lstStyle/>
+          <a:p>
+            <a:r>
+              <a:rPr lang="zh-TW" altLang="en-US" b="1" dirty="0">
+                <a:solidFill>
+                  <a:srgbClr val="292929"/>
+                </a:solidFill>
+                <a:latin typeface="sohne"/>
+              </a:rPr>
+              <a:t>製作</a:t>
+            </a:r>
+            <a:r>
+              <a:rPr lang="zh-TW" altLang="en-US" b="1" dirty="0" smtClean="0">
+                <a:solidFill>
+                  <a:srgbClr val="292929"/>
+                </a:solidFill>
+                <a:latin typeface="sohne"/>
+              </a:rPr>
+              <a:t>混淆</a:t>
+            </a:r>
+            <a:r>
+              <a:rPr lang="zh-TW" altLang="en-US" b="1" dirty="0">
+                <a:solidFill>
+                  <a:srgbClr val="292929"/>
+                </a:solidFill>
+                <a:latin typeface="sohne"/>
+              </a:rPr>
+              <a:t>矩陣</a:t>
+            </a:r>
+            <a:r>
+              <a:rPr lang="en-US" altLang="zh-TW" b="1" dirty="0">
+                <a:solidFill>
+                  <a:srgbClr val="292929"/>
+                </a:solidFill>
+                <a:latin typeface="sohne"/>
+              </a:rPr>
+              <a:t>(confusion matrix)</a:t>
+            </a:r>
+            <a:endParaRPr lang="en-US" altLang="zh-TW" b="1" i="0" dirty="0">
+              <a:solidFill>
+                <a:srgbClr val="292929"/>
+              </a:solidFill>
+              <a:effectLst/>
+              <a:latin typeface="sohne"/>
+            </a:endParaRPr>
+          </a:p>
+        </p:txBody>
+      </p:sp>
+      <p:sp>
+        <p:nvSpPr>
+          <p:cNvPr id="10" name="矩形 9"/>
+          <p:cNvSpPr/>
+          <p:nvPr/>
+        </p:nvSpPr>
+        <p:spPr>
+          <a:xfrm>
+            <a:off x="423802" y="4277857"/>
+            <a:ext cx="4092787" cy="369332"/>
+          </a:xfrm>
+          <a:prstGeom prst="rect">
+            <a:avLst/>
+          </a:prstGeom>
+        </p:spPr>
+        <p:txBody>
+          <a:bodyPr wrap="none">
+            <a:spAutoFit/>
+          </a:bodyPr>
+          <a:lstStyle/>
+          <a:p>
+            <a:r>
+              <a:rPr lang="zh-TW" altLang="en-US" dirty="0">
+                <a:solidFill>
+                  <a:srgbClr val="292929"/>
+                </a:solidFill>
+                <a:latin typeface="source-serif-pro"/>
+              </a:rPr>
+              <a:t>組成混淆矩陣的四個元素</a:t>
+            </a:r>
+            <a:r>
+              <a:rPr lang="en-US" altLang="zh-TW" dirty="0">
+                <a:solidFill>
+                  <a:srgbClr val="292929"/>
+                </a:solidFill>
+                <a:latin typeface="source-serif-pro"/>
+              </a:rPr>
+              <a:t>(TP,TN,FP,FN)</a:t>
+            </a:r>
+            <a:endParaRPr lang="zh-TW" altLang="en-US" dirty="0"/>
+          </a:p>
+        </p:txBody>
+      </p:sp>
+      <p:graphicFrame>
+        <p:nvGraphicFramePr>
+          <p:cNvPr id="11" name="表格 10"/>
+          <p:cNvGraphicFramePr>
+            <a:graphicFrameLocks noGrp="1"/>
+          </p:cNvGraphicFramePr>
+          <p:nvPr>
+            <p:extLst>
+              <p:ext uri="{D42A27DB-BD31-4B8C-83A1-F6EECF244321}">
+                <p14:modId xmlns:p14="http://schemas.microsoft.com/office/powerpoint/2010/main" val="3378957476"/>
+              </p:ext>
+            </p:extLst>
+          </p:nvPr>
+        </p:nvGraphicFramePr>
+        <p:xfrm>
+          <a:off x="500003" y="4863396"/>
+          <a:ext cx="9303656" cy="1097280"/>
+        </p:xfrm>
+        <a:graphic>
+          <a:graphicData uri="http://schemas.openxmlformats.org/drawingml/2006/table">
+            <a:tbl>
+              <a:tblPr firstRow="1" firstCol="1" bandRow="1"/>
+              <a:tblGrid>
+                <a:gridCol w="1944161">
+                  <a:extLst>
+                    <a:ext uri="{9D8B030D-6E8A-4147-A177-3AD203B41FA5}">
+                      <a16:colId xmlns:a16="http://schemas.microsoft.com/office/drawing/2014/main" val="3205464376"/>
+                    </a:ext>
+                  </a:extLst>
+                </a:gridCol>
+                <a:gridCol w="7359495">
+                  <a:extLst>
+                    <a:ext uri="{9D8B030D-6E8A-4147-A177-3AD203B41FA5}">
+                      <a16:colId xmlns:a16="http://schemas.microsoft.com/office/drawing/2014/main" val="2747741340"/>
+                    </a:ext>
+                  </a:extLst>
+                </a:gridCol>
+              </a:tblGrid>
+              <a:tr h="0">
+                <a:tc>
+                  <a:txBody>
+                    <a:bodyPr/>
+                    <a:lstStyle/>
+                    <a:p>
+                      <a:pPr>
+                        <a:spcAft>
+                          <a:spcPts val="0"/>
+                        </a:spcAft>
+                      </a:pPr>
+                      <a:r>
+                        <a:rPr lang="en-US" sz="1800" b="1" kern="100">
+                          <a:effectLst/>
+                          <a:latin typeface="Calibri" panose="020F0502020204030204" pitchFamily="34" charset="0"/>
+                          <a:ea typeface="新細明體" panose="02020500000000000000" pitchFamily="18" charset="-120"/>
+                          <a:cs typeface="Times New Roman" panose="02020603050405020304" pitchFamily="18" charset="0"/>
+                        </a:rPr>
+                        <a:t>TP(True Positive)</a:t>
+                      </a:r>
+                      <a:endParaRPr lang="zh-TW" sz="1800" kern="100">
+                        <a:effectLst/>
+                        <a:latin typeface="Calibri" panose="020F0502020204030204" pitchFamily="34" charset="0"/>
+                        <a:ea typeface="新細明體" panose="02020500000000000000" pitchFamily="18" charset="-120"/>
+                        <a:cs typeface="Times New Roman" panose="02020603050405020304" pitchFamily="18" charset="0"/>
+                      </a:endParaRPr>
+                    </a:p>
+                  </a:txBody>
+                  <a:tcPr marL="68580" marR="68580" marT="0" marB="0">
+                    <a:lnL w="12700" cap="flat" cmpd="sng" algn="ctr">
+                      <a:solidFill>
+                        <a:srgbClr val="000000"/>
+                      </a:solidFill>
+                      <a:prstDash val="solid"/>
+                      <a:round/>
+                      <a:headEnd type="none" w="med" len="med"/>
+                      <a:tailEnd type="none" w="med" len="med"/>
+                    </a:lnL>
+                    <a:lnR w="12700" cap="flat" cmpd="sng" algn="ctr">
+                      <a:solidFill>
+                        <a:srgbClr val="000000"/>
+                      </a:solidFill>
+                      <a:prstDash val="solid"/>
+                      <a:round/>
+                      <a:headEnd type="none" w="med" len="med"/>
+                      <a:tailEnd type="none" w="med" len="med"/>
+                    </a:lnR>
+                    <a:lnT w="12700" cap="flat" cmpd="sng" algn="ctr">
+                      <a:solidFill>
+                        <a:srgbClr val="000000"/>
+                      </a:solidFill>
+                      <a:prstDash val="solid"/>
+                      <a:round/>
+                      <a:headEnd type="none" w="med" len="med"/>
+                      <a:tailEnd type="none" w="med" len="med"/>
+                    </a:lnT>
+                    <a:lnB w="12700" cap="flat" cmpd="sng" algn="ctr">
+                      <a:solidFill>
+                        <a:srgbClr val="000000"/>
+                      </a:solidFill>
+                      <a:prstDash val="solid"/>
+                      <a:round/>
+                      <a:headEnd type="none" w="med" len="med"/>
+                      <a:tailEnd type="none" w="med" len="med"/>
+                    </a:lnB>
+                  </a:tcPr>
+                </a:tc>
+                <a:tc>
+                  <a:txBody>
+                    <a:bodyPr/>
+                    <a:lstStyle/>
+                    <a:p>
+                      <a:pPr>
+                        <a:spcAft>
+                          <a:spcPts val="0"/>
+                        </a:spcAft>
+                      </a:pPr>
+                      <a:r>
+                        <a:rPr lang="zh-TW" sz="1800" kern="100">
+                          <a:effectLst/>
+                          <a:latin typeface="Calibri" panose="020F0502020204030204" pitchFamily="34" charset="0"/>
+                          <a:ea typeface="新細明體" panose="02020500000000000000" pitchFamily="18" charset="-120"/>
+                          <a:cs typeface="Times New Roman" panose="02020603050405020304" pitchFamily="18" charset="0"/>
+                        </a:rPr>
+                        <a:t>正確預測成功的正樣本</a:t>
+                      </a:r>
+                    </a:p>
+                  </a:txBody>
+                  <a:tcPr marL="68580" marR="68580" marT="0" marB="0">
+                    <a:lnL w="12700" cap="flat" cmpd="sng" algn="ctr">
+                      <a:solidFill>
+                        <a:srgbClr val="000000"/>
+                      </a:solidFill>
+                      <a:prstDash val="solid"/>
+                      <a:round/>
+                      <a:headEnd type="none" w="med" len="med"/>
+                      <a:tailEnd type="none" w="med" len="med"/>
+                    </a:lnL>
+                    <a:lnR w="12700" cap="flat" cmpd="sng" algn="ctr">
+                      <a:solidFill>
+                        <a:srgbClr val="000000"/>
+                      </a:solidFill>
+                      <a:prstDash val="solid"/>
+                      <a:round/>
+                      <a:headEnd type="none" w="med" len="med"/>
+                      <a:tailEnd type="none" w="med" len="med"/>
+                    </a:lnR>
+                    <a:lnT w="12700" cap="flat" cmpd="sng" algn="ctr">
+                      <a:solidFill>
+                        <a:srgbClr val="000000"/>
+                      </a:solidFill>
+                      <a:prstDash val="solid"/>
+                      <a:round/>
+                      <a:headEnd type="none" w="med" len="med"/>
+                      <a:tailEnd type="none" w="med" len="med"/>
+                    </a:lnT>
+                    <a:lnB w="12700" cap="flat" cmpd="sng" algn="ctr">
+                      <a:solidFill>
+                        <a:srgbClr val="000000"/>
+                      </a:solidFill>
+                      <a:prstDash val="solid"/>
+                      <a:round/>
+                      <a:headEnd type="none" w="med" len="med"/>
+                      <a:tailEnd type="none" w="med" len="med"/>
+                    </a:lnB>
+                  </a:tcPr>
+                </a:tc>
+                <a:extLst>
+                  <a:ext uri="{0D108BD9-81ED-4DB2-BD59-A6C34878D82A}">
+                    <a16:rowId xmlns:a16="http://schemas.microsoft.com/office/drawing/2014/main" val="836304848"/>
+                  </a:ext>
+                </a:extLst>
+              </a:tr>
+              <a:tr h="0">
+                <a:tc>
+                  <a:txBody>
+                    <a:bodyPr/>
+                    <a:lstStyle/>
+                    <a:p>
+                      <a:pPr>
+                        <a:spcAft>
+                          <a:spcPts val="0"/>
+                        </a:spcAft>
+                      </a:pPr>
+                      <a:r>
+                        <a:rPr lang="en-US" sz="1800" b="1" kern="100">
+                          <a:effectLst/>
+                          <a:latin typeface="Calibri" panose="020F0502020204030204" pitchFamily="34" charset="0"/>
+                          <a:ea typeface="新細明體" panose="02020500000000000000" pitchFamily="18" charset="-120"/>
+                          <a:cs typeface="Times New Roman" panose="02020603050405020304" pitchFamily="18" charset="0"/>
+                        </a:rPr>
+                        <a:t>TN(True Negative)</a:t>
+                      </a:r>
+                      <a:endParaRPr lang="zh-TW" sz="1800" kern="100">
+                        <a:effectLst/>
+                        <a:latin typeface="Calibri" panose="020F0502020204030204" pitchFamily="34" charset="0"/>
+                        <a:ea typeface="新細明體" panose="02020500000000000000" pitchFamily="18" charset="-120"/>
+                        <a:cs typeface="Times New Roman" panose="02020603050405020304" pitchFamily="18" charset="0"/>
+                      </a:endParaRPr>
+                    </a:p>
+                  </a:txBody>
+                  <a:tcPr marL="68580" marR="68580" marT="0" marB="0">
+                    <a:lnL w="12700" cap="flat" cmpd="sng" algn="ctr">
+                      <a:solidFill>
+                        <a:srgbClr val="000000"/>
+                      </a:solidFill>
+                      <a:prstDash val="solid"/>
+                      <a:round/>
+                      <a:headEnd type="none" w="med" len="med"/>
+                      <a:tailEnd type="none" w="med" len="med"/>
+                    </a:lnL>
+                    <a:lnR w="12700" cap="flat" cmpd="sng" algn="ctr">
+                      <a:solidFill>
+                        <a:srgbClr val="000000"/>
+                      </a:solidFill>
+                      <a:prstDash val="solid"/>
+                      <a:round/>
+                      <a:headEnd type="none" w="med" len="med"/>
+                      <a:tailEnd type="none" w="med" len="med"/>
+                    </a:lnR>
+                    <a:lnT w="12700" cap="flat" cmpd="sng" algn="ctr">
+                      <a:solidFill>
+                        <a:srgbClr val="000000"/>
+                      </a:solidFill>
+                      <a:prstDash val="solid"/>
+                      <a:round/>
+                      <a:headEnd type="none" w="med" len="med"/>
+                      <a:tailEnd type="none" w="med" len="med"/>
+                    </a:lnT>
+                    <a:lnB w="12700" cap="flat" cmpd="sng" algn="ctr">
+                      <a:solidFill>
+                        <a:srgbClr val="000000"/>
+                      </a:solidFill>
+                      <a:prstDash val="solid"/>
+                      <a:round/>
+                      <a:headEnd type="none" w="med" len="med"/>
+                      <a:tailEnd type="none" w="med" len="med"/>
+                    </a:lnB>
+                  </a:tcPr>
+                </a:tc>
+                <a:tc>
+                  <a:txBody>
+                    <a:bodyPr/>
+                    <a:lstStyle/>
+                    <a:p>
+                      <a:pPr>
+                        <a:spcAft>
+                          <a:spcPts val="0"/>
+                        </a:spcAft>
+                      </a:pPr>
+                      <a:r>
+                        <a:rPr lang="zh-TW" sz="1800" kern="100">
+                          <a:effectLst/>
+                          <a:latin typeface="Calibri" panose="020F0502020204030204" pitchFamily="34" charset="0"/>
+                          <a:ea typeface="新細明體" panose="02020500000000000000" pitchFamily="18" charset="-120"/>
+                          <a:cs typeface="Times New Roman" panose="02020603050405020304" pitchFamily="18" charset="0"/>
+                        </a:rPr>
+                        <a:t>正確預測成功的負樣本</a:t>
+                      </a:r>
+                    </a:p>
+                  </a:txBody>
+                  <a:tcPr marL="68580" marR="68580" marT="0" marB="0">
+                    <a:lnL w="12700" cap="flat" cmpd="sng" algn="ctr">
+                      <a:solidFill>
+                        <a:srgbClr val="000000"/>
+                      </a:solidFill>
+                      <a:prstDash val="solid"/>
+                      <a:round/>
+                      <a:headEnd type="none" w="med" len="med"/>
+                      <a:tailEnd type="none" w="med" len="med"/>
+                    </a:lnL>
+                    <a:lnR w="12700" cap="flat" cmpd="sng" algn="ctr">
+                      <a:solidFill>
+                        <a:srgbClr val="000000"/>
+                      </a:solidFill>
+                      <a:prstDash val="solid"/>
+                      <a:round/>
+                      <a:headEnd type="none" w="med" len="med"/>
+                      <a:tailEnd type="none" w="med" len="med"/>
+                    </a:lnR>
+                    <a:lnT w="12700" cap="flat" cmpd="sng" algn="ctr">
+                      <a:solidFill>
+                        <a:srgbClr val="000000"/>
+                      </a:solidFill>
+                      <a:prstDash val="solid"/>
+                      <a:round/>
+                      <a:headEnd type="none" w="med" len="med"/>
+                      <a:tailEnd type="none" w="med" len="med"/>
+                    </a:lnT>
+                    <a:lnB w="12700" cap="flat" cmpd="sng" algn="ctr">
+                      <a:solidFill>
+                        <a:srgbClr val="000000"/>
+                      </a:solidFill>
+                      <a:prstDash val="solid"/>
+                      <a:round/>
+                      <a:headEnd type="none" w="med" len="med"/>
+                      <a:tailEnd type="none" w="med" len="med"/>
+                    </a:lnB>
+                  </a:tcPr>
+                </a:tc>
+                <a:extLst>
+                  <a:ext uri="{0D108BD9-81ED-4DB2-BD59-A6C34878D82A}">
+                    <a16:rowId xmlns:a16="http://schemas.microsoft.com/office/drawing/2014/main" val="2694913057"/>
+                  </a:ext>
+                </a:extLst>
+              </a:tr>
+              <a:tr h="0">
+                <a:tc>
+                  <a:txBody>
+                    <a:bodyPr/>
+                    <a:lstStyle/>
+                    <a:p>
+                      <a:pPr>
+                        <a:spcAft>
+                          <a:spcPts val="0"/>
+                        </a:spcAft>
+                      </a:pPr>
+                      <a:r>
+                        <a:rPr lang="en-US" sz="1800" b="1" kern="100">
+                          <a:effectLst/>
+                          <a:latin typeface="Calibri" panose="020F0502020204030204" pitchFamily="34" charset="0"/>
+                          <a:ea typeface="新細明體" panose="02020500000000000000" pitchFamily="18" charset="-120"/>
+                          <a:cs typeface="Times New Roman" panose="02020603050405020304" pitchFamily="18" charset="0"/>
+                        </a:rPr>
+                        <a:t>FP(False Positive)</a:t>
+                      </a:r>
+                      <a:endParaRPr lang="zh-TW" sz="1800" kern="100">
+                        <a:effectLst/>
+                        <a:latin typeface="Calibri" panose="020F0502020204030204" pitchFamily="34" charset="0"/>
+                        <a:ea typeface="新細明體" panose="02020500000000000000" pitchFamily="18" charset="-120"/>
+                        <a:cs typeface="Times New Roman" panose="02020603050405020304" pitchFamily="18" charset="0"/>
+                      </a:endParaRPr>
+                    </a:p>
+                  </a:txBody>
+                  <a:tcPr marL="68580" marR="68580" marT="0" marB="0">
+                    <a:lnL w="12700" cap="flat" cmpd="sng" algn="ctr">
+                      <a:solidFill>
+                        <a:srgbClr val="000000"/>
+                      </a:solidFill>
+                      <a:prstDash val="solid"/>
+                      <a:round/>
+                      <a:headEnd type="none" w="med" len="med"/>
+                      <a:tailEnd type="none" w="med" len="med"/>
+                    </a:lnL>
+                    <a:lnR w="12700" cap="flat" cmpd="sng" algn="ctr">
+                      <a:solidFill>
+                        <a:srgbClr val="000000"/>
+                      </a:solidFill>
+                      <a:prstDash val="solid"/>
+                      <a:round/>
+                      <a:headEnd type="none" w="med" len="med"/>
+                      <a:tailEnd type="none" w="med" len="med"/>
+                    </a:lnR>
+                    <a:lnT w="12700" cap="flat" cmpd="sng" algn="ctr">
+                      <a:solidFill>
+                        <a:srgbClr val="000000"/>
+                      </a:solidFill>
+                      <a:prstDash val="solid"/>
+                      <a:round/>
+                      <a:headEnd type="none" w="med" len="med"/>
+                      <a:tailEnd type="none" w="med" len="med"/>
+                    </a:lnT>
+                    <a:lnB w="12700" cap="flat" cmpd="sng" algn="ctr">
+                      <a:solidFill>
+                        <a:srgbClr val="000000"/>
+                      </a:solidFill>
+                      <a:prstDash val="solid"/>
+                      <a:round/>
+                      <a:headEnd type="none" w="med" len="med"/>
+                      <a:tailEnd type="none" w="med" len="med"/>
+                    </a:lnB>
+                  </a:tcPr>
+                </a:tc>
+                <a:tc>
+                  <a:txBody>
+                    <a:bodyPr/>
+                    <a:lstStyle/>
+                    <a:p>
+                      <a:pPr>
+                        <a:spcAft>
+                          <a:spcPts val="0"/>
+                        </a:spcAft>
+                      </a:pPr>
+                      <a:r>
+                        <a:rPr lang="zh-TW" sz="1800" kern="100" dirty="0">
+                          <a:effectLst/>
+                          <a:latin typeface="Calibri" panose="020F0502020204030204" pitchFamily="34" charset="0"/>
+                          <a:ea typeface="新細明體" panose="02020500000000000000" pitchFamily="18" charset="-120"/>
+                          <a:cs typeface="Times New Roman" panose="02020603050405020304" pitchFamily="18" charset="0"/>
+                        </a:rPr>
+                        <a:t>錯誤預測成正樣本，實際上為負</a:t>
+                      </a:r>
+                      <a:r>
+                        <a:rPr lang="zh-TW" sz="1800" kern="100" dirty="0" smtClean="0">
+                          <a:effectLst/>
+                          <a:latin typeface="Calibri" panose="020F0502020204030204" pitchFamily="34" charset="0"/>
+                          <a:ea typeface="新細明體" panose="02020500000000000000" pitchFamily="18" charset="-120"/>
+                          <a:cs typeface="Times New Roman" panose="02020603050405020304" pitchFamily="18" charset="0"/>
+                        </a:rPr>
+                        <a:t>樣本</a:t>
+                      </a:r>
+                      <a:r>
+                        <a:rPr lang="en-US" altLang="zh-TW" sz="1800" kern="100" dirty="0" smtClean="0">
+                          <a:effectLst/>
+                          <a:latin typeface="Calibri" panose="020F0502020204030204" pitchFamily="34" charset="0"/>
+                          <a:ea typeface="新細明體" panose="02020500000000000000" pitchFamily="18" charset="-120"/>
+                          <a:cs typeface="Times New Roman" panose="02020603050405020304" pitchFamily="18" charset="0"/>
+                        </a:rPr>
+                        <a:t>(</a:t>
+                      </a:r>
+                      <a:r>
+                        <a:rPr lang="zh-TW" altLang="en-US" sz="1800" b="0" i="0" kern="1200" dirty="0" smtClean="0">
+                          <a:solidFill>
+                            <a:schemeClr val="tx1"/>
+                          </a:solidFill>
+                          <a:effectLst/>
+                          <a:latin typeface="+mn-lt"/>
+                          <a:ea typeface="+mn-ea"/>
+                          <a:cs typeface="+mn-cs"/>
+                        </a:rPr>
+                        <a:t>第一型錯誤</a:t>
+                      </a:r>
+                      <a:r>
+                        <a:rPr lang="en-US" altLang="zh-TW" sz="1800" b="0" i="0" kern="1200" dirty="0" smtClean="0">
+                          <a:solidFill>
+                            <a:srgbClr val="FF0000"/>
+                          </a:solidFill>
+                          <a:effectLst/>
+                          <a:latin typeface="+mn-lt"/>
+                          <a:ea typeface="+mn-ea"/>
+                          <a:cs typeface="+mn-cs"/>
+                        </a:rPr>
+                        <a:t>(Type 1 Error</a:t>
+                      </a:r>
+                      <a:r>
+                        <a:rPr lang="en-US" altLang="zh-TW" sz="1800" kern="100" dirty="0" smtClean="0">
+                          <a:solidFill>
+                            <a:srgbClr val="FF0000"/>
+                          </a:solidFill>
+                          <a:effectLst/>
+                          <a:latin typeface="Calibri" panose="020F0502020204030204" pitchFamily="34" charset="0"/>
+                          <a:ea typeface="新細明體" panose="02020500000000000000" pitchFamily="18" charset="-120"/>
+                          <a:cs typeface="Times New Roman" panose="02020603050405020304" pitchFamily="18" charset="0"/>
+                        </a:rPr>
+                        <a:t>)</a:t>
+                      </a:r>
+                      <a:endParaRPr lang="zh-TW" sz="1800" kern="100" dirty="0">
+                        <a:solidFill>
+                          <a:srgbClr val="FF0000"/>
+                        </a:solidFill>
+                        <a:effectLst/>
+                        <a:latin typeface="Calibri" panose="020F0502020204030204" pitchFamily="34" charset="0"/>
+                        <a:ea typeface="新細明體" panose="02020500000000000000" pitchFamily="18" charset="-120"/>
+                        <a:cs typeface="Times New Roman" panose="02020603050405020304" pitchFamily="18" charset="0"/>
+                      </a:endParaRPr>
+                    </a:p>
+                  </a:txBody>
+                  <a:tcPr marL="68580" marR="68580" marT="0" marB="0">
+                    <a:lnL w="12700" cap="flat" cmpd="sng" algn="ctr">
+                      <a:solidFill>
+                        <a:srgbClr val="000000"/>
+                      </a:solidFill>
+                      <a:prstDash val="solid"/>
+                      <a:round/>
+                      <a:headEnd type="none" w="med" len="med"/>
+                      <a:tailEnd type="none" w="med" len="med"/>
+                    </a:lnL>
+                    <a:lnR w="12700" cap="flat" cmpd="sng" algn="ctr">
+                      <a:solidFill>
+                        <a:srgbClr val="000000"/>
+                      </a:solidFill>
+                      <a:prstDash val="solid"/>
+                      <a:round/>
+                      <a:headEnd type="none" w="med" len="med"/>
+                      <a:tailEnd type="none" w="med" len="med"/>
+                    </a:lnR>
+                    <a:lnT w="12700" cap="flat" cmpd="sng" algn="ctr">
+                      <a:solidFill>
+                        <a:srgbClr val="000000"/>
+                      </a:solidFill>
+                      <a:prstDash val="solid"/>
+                      <a:round/>
+                      <a:headEnd type="none" w="med" len="med"/>
+                      <a:tailEnd type="none" w="med" len="med"/>
+                    </a:lnT>
+                    <a:lnB w="12700" cap="flat" cmpd="sng" algn="ctr">
+                      <a:solidFill>
+                        <a:srgbClr val="000000"/>
+                      </a:solidFill>
+                      <a:prstDash val="solid"/>
+                      <a:round/>
+                      <a:headEnd type="none" w="med" len="med"/>
+                      <a:tailEnd type="none" w="med" len="med"/>
+                    </a:lnB>
+                  </a:tcPr>
+                </a:tc>
+                <a:extLst>
+                  <a:ext uri="{0D108BD9-81ED-4DB2-BD59-A6C34878D82A}">
+                    <a16:rowId xmlns:a16="http://schemas.microsoft.com/office/drawing/2014/main" val="2678152508"/>
+                  </a:ext>
+                </a:extLst>
+              </a:tr>
+              <a:tr h="0">
+                <a:tc>
+                  <a:txBody>
+                    <a:bodyPr/>
+                    <a:lstStyle/>
+                    <a:p>
+                      <a:pPr>
+                        <a:spcAft>
+                          <a:spcPts val="0"/>
+                        </a:spcAft>
+                      </a:pPr>
+                      <a:r>
+                        <a:rPr lang="en-US" sz="1800" b="1" kern="100" dirty="0" smtClean="0">
+                          <a:effectLst/>
+                          <a:latin typeface="Calibri" panose="020F0502020204030204" pitchFamily="34" charset="0"/>
+                          <a:ea typeface="新細明體" panose="02020500000000000000" pitchFamily="18" charset="-120"/>
+                          <a:cs typeface="Times New Roman" panose="02020603050405020304" pitchFamily="18" charset="0"/>
+                        </a:rPr>
+                        <a:t>FN(False </a:t>
+                      </a:r>
+                      <a:r>
+                        <a:rPr lang="en-US" sz="1800" b="1" kern="100" dirty="0">
+                          <a:effectLst/>
+                          <a:latin typeface="Calibri" panose="020F0502020204030204" pitchFamily="34" charset="0"/>
+                          <a:ea typeface="新細明體" panose="02020500000000000000" pitchFamily="18" charset="-120"/>
+                          <a:cs typeface="Times New Roman" panose="02020603050405020304" pitchFamily="18" charset="0"/>
+                        </a:rPr>
+                        <a:t>Negative)</a:t>
+                      </a:r>
+                      <a:endParaRPr lang="zh-TW" sz="1800" kern="100" dirty="0">
+                        <a:effectLst/>
+                        <a:latin typeface="Calibri" panose="020F0502020204030204" pitchFamily="34" charset="0"/>
+                        <a:ea typeface="新細明體" panose="02020500000000000000" pitchFamily="18" charset="-120"/>
+                        <a:cs typeface="Times New Roman" panose="02020603050405020304" pitchFamily="18" charset="0"/>
+                      </a:endParaRPr>
+                    </a:p>
+                  </a:txBody>
+                  <a:tcPr marL="68580" marR="68580" marT="0" marB="0">
+                    <a:lnL w="12700" cap="flat" cmpd="sng" algn="ctr">
+                      <a:solidFill>
+                        <a:srgbClr val="000000"/>
+                      </a:solidFill>
+                      <a:prstDash val="solid"/>
+                      <a:round/>
+                      <a:headEnd type="none" w="med" len="med"/>
+                      <a:tailEnd type="none" w="med" len="med"/>
+                    </a:lnL>
+                    <a:lnR w="12700" cap="flat" cmpd="sng" algn="ctr">
+                      <a:solidFill>
+                        <a:srgbClr val="000000"/>
+                      </a:solidFill>
+                      <a:prstDash val="solid"/>
+                      <a:round/>
+                      <a:headEnd type="none" w="med" len="med"/>
+                      <a:tailEnd type="none" w="med" len="med"/>
+                    </a:lnR>
+                    <a:lnT w="12700" cap="flat" cmpd="sng" algn="ctr">
+                      <a:solidFill>
+                        <a:srgbClr val="000000"/>
+                      </a:solidFill>
+                      <a:prstDash val="solid"/>
+                      <a:round/>
+                      <a:headEnd type="none" w="med" len="med"/>
+                      <a:tailEnd type="none" w="med" len="med"/>
+                    </a:lnT>
+                    <a:lnB w="12700" cap="flat" cmpd="sng" algn="ctr">
+                      <a:solidFill>
+                        <a:srgbClr val="000000"/>
+                      </a:solidFill>
+                      <a:prstDash val="solid"/>
+                      <a:round/>
+                      <a:headEnd type="none" w="med" len="med"/>
+                      <a:tailEnd type="none" w="med" len="med"/>
+                    </a:lnB>
+                  </a:tcPr>
+                </a:tc>
+                <a:tc>
+                  <a:txBody>
+                    <a:bodyPr/>
+                    <a:lstStyle/>
+                    <a:p>
+                      <a:pPr>
+                        <a:spcAft>
+                          <a:spcPts val="0"/>
+                        </a:spcAft>
+                      </a:pPr>
+                      <a:r>
+                        <a:rPr lang="zh-TW" sz="1800" kern="100" dirty="0">
+                          <a:effectLst/>
+                          <a:latin typeface="Calibri" panose="020F0502020204030204" pitchFamily="34" charset="0"/>
+                          <a:ea typeface="新細明體" panose="02020500000000000000" pitchFamily="18" charset="-120"/>
+                          <a:cs typeface="Times New Roman" panose="02020603050405020304" pitchFamily="18" charset="0"/>
+                        </a:rPr>
+                        <a:t>錯誤預測成負樣本</a:t>
+                      </a:r>
+                      <a:r>
+                        <a:rPr lang="en-US" sz="1800" kern="100" dirty="0">
+                          <a:effectLst/>
+                          <a:latin typeface="Calibri" panose="020F0502020204030204" pitchFamily="34" charset="0"/>
+                          <a:ea typeface="新細明體" panose="02020500000000000000" pitchFamily="18" charset="-120"/>
+                          <a:cs typeface="Times New Roman" panose="02020603050405020304" pitchFamily="18" charset="0"/>
+                        </a:rPr>
+                        <a:t>(</a:t>
+                      </a:r>
+                      <a:r>
+                        <a:rPr lang="zh-TW" sz="1800" kern="100" dirty="0">
+                          <a:effectLst/>
+                          <a:latin typeface="Calibri" panose="020F0502020204030204" pitchFamily="34" charset="0"/>
+                          <a:ea typeface="新細明體" panose="02020500000000000000" pitchFamily="18" charset="-120"/>
+                          <a:cs typeface="Times New Roman" panose="02020603050405020304" pitchFamily="18" charset="0"/>
+                        </a:rPr>
+                        <a:t>或者說沒能預測出來的正樣本</a:t>
+                      </a:r>
+                      <a:r>
+                        <a:rPr lang="en-US" sz="1800" kern="100" dirty="0" smtClean="0">
+                          <a:effectLst/>
+                          <a:latin typeface="Calibri" panose="020F0502020204030204" pitchFamily="34" charset="0"/>
+                          <a:ea typeface="新細明體" panose="02020500000000000000" pitchFamily="18" charset="-120"/>
+                          <a:cs typeface="Times New Roman" panose="02020603050405020304" pitchFamily="18" charset="0"/>
+                        </a:rPr>
+                        <a:t>)</a:t>
+                      </a:r>
+                      <a:r>
+                        <a:rPr lang="en-US" altLang="zh-TW" sz="1800" b="0" i="0" kern="1200" dirty="0" smtClean="0">
+                          <a:solidFill>
+                            <a:schemeClr val="tx1"/>
+                          </a:solidFill>
+                          <a:effectLst/>
+                          <a:latin typeface="+mn-lt"/>
+                          <a:ea typeface="+mn-ea"/>
+                          <a:cs typeface="+mn-cs"/>
+                        </a:rPr>
+                        <a:t> </a:t>
+                      </a:r>
+                      <a:r>
+                        <a:rPr lang="en-US" altLang="zh-TW" sz="1800" b="0" i="0" kern="1200" dirty="0" smtClean="0">
+                          <a:solidFill>
+                            <a:srgbClr val="FF0000"/>
+                          </a:solidFill>
+                          <a:effectLst/>
+                          <a:latin typeface="+mn-lt"/>
+                          <a:ea typeface="+mn-ea"/>
+                          <a:cs typeface="+mn-cs"/>
+                        </a:rPr>
+                        <a:t>(Type 2 Error)</a:t>
+                      </a:r>
+                      <a:endParaRPr lang="zh-TW" sz="1800" kern="100" dirty="0">
+                        <a:solidFill>
+                          <a:srgbClr val="FF0000"/>
+                        </a:solidFill>
+                        <a:effectLst/>
+                        <a:latin typeface="Calibri" panose="020F0502020204030204" pitchFamily="34" charset="0"/>
+                        <a:ea typeface="新細明體" panose="02020500000000000000" pitchFamily="18" charset="-120"/>
+                        <a:cs typeface="Times New Roman" panose="02020603050405020304" pitchFamily="18" charset="0"/>
+                      </a:endParaRPr>
+                    </a:p>
+                  </a:txBody>
+                  <a:tcPr marL="68580" marR="68580" marT="0" marB="0">
+                    <a:lnL w="12700" cap="flat" cmpd="sng" algn="ctr">
+                      <a:solidFill>
+                        <a:srgbClr val="000000"/>
+                      </a:solidFill>
+                      <a:prstDash val="solid"/>
+                      <a:round/>
+                      <a:headEnd type="none" w="med" len="med"/>
+                      <a:tailEnd type="none" w="med" len="med"/>
+                    </a:lnL>
+                    <a:lnR w="12700" cap="flat" cmpd="sng" algn="ctr">
+                      <a:solidFill>
+                        <a:srgbClr val="000000"/>
+                      </a:solidFill>
+                      <a:prstDash val="solid"/>
+                      <a:round/>
+                      <a:headEnd type="none" w="med" len="med"/>
+                      <a:tailEnd type="none" w="med" len="med"/>
+                    </a:lnR>
+                    <a:lnT w="12700" cap="flat" cmpd="sng" algn="ctr">
+                      <a:solidFill>
+                        <a:srgbClr val="000000"/>
+                      </a:solidFill>
+                      <a:prstDash val="solid"/>
+                      <a:round/>
+                      <a:headEnd type="none" w="med" len="med"/>
+                      <a:tailEnd type="none" w="med" len="med"/>
+                    </a:lnT>
+                    <a:lnB w="12700" cap="flat" cmpd="sng" algn="ctr">
+                      <a:solidFill>
+                        <a:srgbClr val="000000"/>
+                      </a:solidFill>
+                      <a:prstDash val="solid"/>
+                      <a:round/>
+                      <a:headEnd type="none" w="med" len="med"/>
+                      <a:tailEnd type="none" w="med" len="med"/>
+                    </a:lnB>
+                  </a:tcPr>
+                </a:tc>
+                <a:extLst>
+                  <a:ext uri="{0D108BD9-81ED-4DB2-BD59-A6C34878D82A}">
+                    <a16:rowId xmlns:a16="http://schemas.microsoft.com/office/drawing/2014/main" val="1499617897"/>
+                  </a:ext>
+                </a:extLst>
+              </a:tr>
+            </a:tbl>
+          </a:graphicData>
+        </a:graphic>
+      </p:graphicFrame>
     </p:spTree>
     <p:extLst>
       <p:ext uri="{BB962C8B-B14F-4D97-AF65-F5344CB8AC3E}">
@@ -15355,10 +19557,17 @@
   <p:clrMapOvr>
     <a:masterClrMapping/>
   </p:clrMapOvr>
+  <p:timing>
+    <p:tnLst>
+      <p:par>
+        <p:cTn id="1" dur="indefinite" restart="never" nodeType="tmRoot"/>
+      </p:par>
+    </p:tnLst>
+  </p:timing>
 </p:sld>
 </file>
 
-<file path=ppt/slides/slide29.xml><?xml version="1.0" encoding="utf-8"?>
+<file path=ppt/slides/slide36.xml><?xml version="1.0" encoding="utf-8"?>
 <p:sld xmlns:a="http://schemas.openxmlformats.org/drawingml/2006/main" xmlns:r="http://schemas.openxmlformats.org/officeDocument/2006/relationships" xmlns:p="http://schemas.openxmlformats.org/presentationml/2006/main">
   <p:cSld>
     <p:spTree>
@@ -15520,7 +19729,7 @@
                 <a:latin typeface="微軟正黑體" panose="020B0604030504040204" pitchFamily="34" charset="-120"/>
                 <a:ea typeface="微軟正黑體" panose="020B0604030504040204" pitchFamily="34" charset="-120"/>
               </a:rPr>
-              <a:t>模型</a:t>
+              <a:t>模型結果</a:t>
             </a:r>
             <a:r>
               <a:rPr lang="en-US" altLang="zh-TW" b="1" dirty="0" smtClean="0">
@@ -15594,54 +19803,92 @@
         </p:blipFill>
         <p:spPr>
           <a:xfrm>
-            <a:off x="6326187" y="1312087"/>
-            <a:ext cx="4382640" cy="3434837"/>
+            <a:off x="359229" y="3419872"/>
+            <a:ext cx="3907971" cy="3062821"/>
           </a:xfrm>
           <a:prstGeom prst="rect">
             <a:avLst/>
           </a:prstGeom>
         </p:spPr>
       </p:pic>
-    </p:spTree>
-    <p:extLst>
-      <p:ext uri="{BB962C8B-B14F-4D97-AF65-F5344CB8AC3E}">
-        <p14:creationId xmlns:p14="http://schemas.microsoft.com/office/powerpoint/2010/main" val="3629964457"/>
-      </p:ext>
-    </p:extLst>
-  </p:cSld>
-  <p:clrMapOvr>
-    <a:masterClrMapping/>
-  </p:clrMapOvr>
-</p:sld>
-</file>
-
-<file path=ppt/slides/slide3.xml><?xml version="1.0" encoding="utf-8"?>
-<p:sld xmlns:a="http://schemas.openxmlformats.org/drawingml/2006/main" xmlns:r="http://schemas.openxmlformats.org/officeDocument/2006/relationships" xmlns:p="http://schemas.openxmlformats.org/presentationml/2006/main">
-  <p:cSld>
-    <p:spTree>
-      <p:nvGrpSpPr>
-        <p:cNvPr id="1" name=""/>
-        <p:cNvGrpSpPr/>
-        <p:nvPr/>
-      </p:nvGrpSpPr>
-      <p:grpSpPr>
-        <a:xfrm>
-          <a:off x="0" y="0"/>
-          <a:ext cx="0" cy="0"/>
-          <a:chOff x="0" y="0"/>
-          <a:chExt cx="0" cy="0"/>
-        </a:xfrm>
-      </p:grpSpPr>
+      <p:sp>
+        <p:nvSpPr>
+          <p:cNvPr id="5" name="文字方塊 4"/>
+          <p:cNvSpPr txBox="1"/>
+          <p:nvPr/>
+        </p:nvSpPr>
+        <p:spPr>
+          <a:xfrm>
+            <a:off x="4383313" y="4003309"/>
+            <a:ext cx="5940857" cy="923330"/>
+          </a:xfrm>
+          <a:prstGeom prst="rect">
+            <a:avLst/>
+          </a:prstGeom>
+          <a:noFill/>
+        </p:spPr>
+        <p:txBody>
+          <a:bodyPr wrap="none" rtlCol="0">
+            <a:spAutoFit/>
+          </a:bodyPr>
+          <a:lstStyle/>
+          <a:p>
+            <a:r>
+              <a:rPr lang="en-US" altLang="zh-TW" dirty="0"/>
+              <a:t>ROC(Receiver operator characteristic</a:t>
+            </a:r>
+            <a:r>
+              <a:rPr lang="zh-TW" altLang="en-US" dirty="0" smtClean="0"/>
+              <a:t>）</a:t>
+            </a:r>
+            <a:r>
+              <a:rPr lang="en-US" altLang="zh-TW" dirty="0"/>
+              <a:t>X</a:t>
+            </a:r>
+            <a:r>
+              <a:rPr lang="zh-TW" altLang="en-US" dirty="0"/>
+              <a:t>軸為假陽率，</a:t>
+            </a:r>
+            <a:r>
+              <a:rPr lang="en-US" altLang="zh-TW" dirty="0"/>
+              <a:t>Y</a:t>
+            </a:r>
+            <a:r>
+              <a:rPr lang="zh-TW" altLang="en-US" dirty="0"/>
+              <a:t>軸</a:t>
+            </a:r>
+            <a:r>
+              <a:rPr lang="zh-TW" altLang="en-US" dirty="0" smtClean="0"/>
+              <a:t>為</a:t>
+            </a:r>
+            <a:endParaRPr lang="en-US" altLang="zh-TW" dirty="0" smtClean="0"/>
+          </a:p>
+          <a:p>
+            <a:r>
+              <a:rPr lang="zh-TW" altLang="en-US" dirty="0" smtClean="0"/>
+              <a:t>真</a:t>
+            </a:r>
+            <a:r>
+              <a:rPr lang="zh-TW" altLang="en-US" dirty="0"/>
+              <a:t>陽率</a:t>
+            </a:r>
+            <a:endParaRPr lang="en-US" altLang="zh-TW" dirty="0" smtClean="0"/>
+          </a:p>
+          <a:p>
+            <a:endParaRPr lang="en-US" altLang="zh-TW" dirty="0"/>
+          </a:p>
+        </p:txBody>
+      </p:sp>
       <p:pic>
         <p:nvPicPr>
-          <p:cNvPr id="4" name="圖片 3"/>
+          <p:cNvPr id="9" name="圖片 8"/>
           <p:cNvPicPr>
             <a:picLocks noChangeAspect="1"/>
           </p:cNvPicPr>
           <p:nvPr/>
         </p:nvPicPr>
         <p:blipFill>
-          <a:blip r:embed="rId2">
+          <a:blip r:embed="rId6">
             <a:extLst>
               <a:ext uri="{28A0092B-C50C-407E-A947-70E740481C1C}">
                 <a14:useLocalDpi xmlns:a14="http://schemas.microsoft.com/office/drawing/2010/main" val="0"/>
@@ -15654,188 +19901,14 @@
         </p:blipFill>
         <p:spPr>
           <a:xfrm>
-            <a:off x="7400256" y="0"/>
-            <a:ext cx="4791744" cy="828791"/>
+            <a:off x="2392356" y="5531545"/>
+            <a:ext cx="1686160" cy="562053"/>
           </a:xfrm>
           <a:prstGeom prst="rect">
             <a:avLst/>
           </a:prstGeom>
         </p:spPr>
       </p:pic>
-      <p:sp>
-        <p:nvSpPr>
-          <p:cNvPr id="5" name="標題 1"/>
-          <p:cNvSpPr txBox="1">
-            <a:spLocks/>
-          </p:cNvSpPr>
-          <p:nvPr/>
-        </p:nvSpPr>
-        <p:spPr>
-          <a:xfrm>
-            <a:off x="359229" y="495753"/>
-            <a:ext cx="7928429" cy="1057275"/>
-          </a:xfrm>
-          <a:prstGeom prst="rect">
-            <a:avLst/>
-          </a:prstGeom>
-        </p:spPr>
-        <p:txBody>
-          <a:bodyPr vert="horz" lIns="91440" tIns="45720" rIns="91440" bIns="45720" rtlCol="0" anchor="b">
-            <a:normAutofit fontScale="75000" lnSpcReduction="20000"/>
-          </a:bodyPr>
-          <a:lstStyle>
-            <a:lvl1pPr algn="ctr" defTabSz="914400" rtl="0" eaLnBrk="1" latinLnBrk="0" hangingPunct="1">
-              <a:lnSpc>
-                <a:spcPct val="90000"/>
-              </a:lnSpc>
-              <a:spcBef>
-                <a:spcPct val="0"/>
-              </a:spcBef>
-              <a:buNone/>
-              <a:defRPr sz="6000" kern="1200">
-                <a:solidFill>
-                  <a:schemeClr val="tx1"/>
-                </a:solidFill>
-                <a:latin typeface="+mj-lt"/>
-                <a:ea typeface="+mj-ea"/>
-                <a:cs typeface="+mj-cs"/>
-              </a:defRPr>
-            </a:lvl1pPr>
-          </a:lstStyle>
-          <a:p>
-            <a:pPr algn="l"/>
-            <a:r>
-              <a:rPr lang="zh-TW" altLang="en-US" dirty="0" smtClean="0">
-                <a:latin typeface="微軟正黑體" panose="020B0604030504040204" pitchFamily="34" charset="-120"/>
-                <a:ea typeface="微軟正黑體" panose="020B0604030504040204" pitchFamily="34" charset="-120"/>
-              </a:rPr>
-              <a:t>資料讀取</a:t>
-            </a:r>
-            <a:r>
-              <a:rPr lang="en-US" altLang="zh-TW" b="1" dirty="0" smtClean="0">
-                <a:latin typeface="微軟正黑體" panose="020B0604030504040204" pitchFamily="34" charset="-120"/>
-                <a:ea typeface="微軟正黑體" panose="020B0604030504040204" pitchFamily="34" charset="-120"/>
-              </a:rPr>
-              <a:t/>
-            </a:r>
-            <a:br>
-              <a:rPr lang="en-US" altLang="zh-TW" b="1" dirty="0" smtClean="0">
-                <a:latin typeface="微軟正黑體" panose="020B0604030504040204" pitchFamily="34" charset="-120"/>
-                <a:ea typeface="微軟正黑體" panose="020B0604030504040204" pitchFamily="34" charset="-120"/>
-              </a:rPr>
-            </a:br>
-            <a:endParaRPr lang="zh-TW" altLang="en-US" b="1" dirty="0">
-              <a:latin typeface="微軟正黑體" panose="020B0604030504040204" pitchFamily="34" charset="-120"/>
-              <a:ea typeface="微軟正黑體" panose="020B0604030504040204" pitchFamily="34" charset="-120"/>
-            </a:endParaRPr>
-          </a:p>
-        </p:txBody>
-      </p:sp>
-      <p:sp>
-        <p:nvSpPr>
-          <p:cNvPr id="6" name="文字方塊 5"/>
-          <p:cNvSpPr txBox="1"/>
-          <p:nvPr/>
-        </p:nvSpPr>
-        <p:spPr>
-          <a:xfrm>
-            <a:off x="11350172" y="6021028"/>
-            <a:ext cx="841828" cy="461665"/>
-          </a:xfrm>
-          <a:prstGeom prst="rect">
-            <a:avLst/>
-          </a:prstGeom>
-          <a:noFill/>
-        </p:spPr>
-        <p:txBody>
-          <a:bodyPr wrap="square" rtlCol="0">
-            <a:spAutoFit/>
-          </a:bodyPr>
-          <a:lstStyle/>
-          <a:p>
-            <a:r>
-              <a:rPr lang="en-US" altLang="zh-TW" sz="2400" b="1" dirty="0" smtClean="0">
-                <a:latin typeface="Arial Black" panose="020B0A04020102020204" pitchFamily="34" charset="0"/>
-              </a:rPr>
-              <a:t>1</a:t>
-            </a:r>
-          </a:p>
-        </p:txBody>
-      </p:sp>
-      <p:sp>
-        <p:nvSpPr>
-          <p:cNvPr id="7" name="矩形 6"/>
-          <p:cNvSpPr/>
-          <p:nvPr/>
-        </p:nvSpPr>
-        <p:spPr>
-          <a:xfrm>
-            <a:off x="359229" y="1553028"/>
-            <a:ext cx="1424855" cy="461665"/>
-          </a:xfrm>
-          <a:prstGeom prst="rect">
-            <a:avLst/>
-          </a:prstGeom>
-        </p:spPr>
-        <p:txBody>
-          <a:bodyPr wrap="square">
-            <a:spAutoFit/>
-          </a:bodyPr>
-          <a:lstStyle/>
-          <a:p>
-            <a:endParaRPr lang="zh-TW" altLang="en-US" sz="2400" dirty="0"/>
-          </a:p>
-        </p:txBody>
-      </p:sp>
-      <p:sp>
-        <p:nvSpPr>
-          <p:cNvPr id="9" name="矩形 8"/>
-          <p:cNvSpPr/>
-          <p:nvPr/>
-        </p:nvSpPr>
-        <p:spPr>
-          <a:xfrm>
-            <a:off x="359229" y="1636263"/>
-            <a:ext cx="1957283" cy="1569660"/>
-          </a:xfrm>
-          <a:prstGeom prst="rect">
-            <a:avLst/>
-          </a:prstGeom>
-        </p:spPr>
-        <p:txBody>
-          <a:bodyPr wrap="square">
-            <a:spAutoFit/>
-          </a:bodyPr>
-          <a:lstStyle/>
-          <a:p>
-            <a:r>
-              <a:rPr lang="en-US" altLang="zh-TW" sz="2400" dirty="0" err="1" smtClean="0"/>
-              <a:t>Numpy</a:t>
-            </a:r>
-            <a:endParaRPr lang="en-US" altLang="zh-TW" sz="2400" dirty="0" smtClean="0"/>
-          </a:p>
-          <a:p>
-            <a:r>
-              <a:rPr lang="en-US" altLang="zh-TW" sz="2400" dirty="0" err="1"/>
-              <a:t>matplotlib</a:t>
-            </a:r>
-            <a:endParaRPr lang="en-US" altLang="zh-TW" sz="2400" dirty="0"/>
-          </a:p>
-          <a:p>
-            <a:r>
-              <a:rPr lang="en-US" altLang="zh-TW" sz="2400" dirty="0"/>
-              <a:t>pandas</a:t>
-            </a:r>
-          </a:p>
-          <a:p>
-            <a:r>
-              <a:rPr lang="en-US" altLang="zh-TW" sz="2400" dirty="0" smtClean="0"/>
-              <a:t>random</a:t>
-            </a:r>
-            <a:endParaRPr lang="en-US" altLang="zh-TW" sz="2400" dirty="0"/>
-          </a:p>
-        </p:txBody>
-      </p:sp>
       <p:sp>
         <p:nvSpPr>
           <p:cNvPr id="10" name="矩形 9"/>
@@ -15844,49 +19917,15 @@
         </p:nvSpPr>
         <p:spPr>
           <a:xfrm>
-            <a:off x="359229" y="1146628"/>
-            <a:ext cx="1846942" cy="461665"/>
-          </a:xfrm>
-          <a:prstGeom prst="rect">
-            <a:avLst/>
-          </a:prstGeom>
-        </p:spPr>
-        <p:txBody>
-          <a:bodyPr wrap="square">
-            <a:spAutoFit/>
-          </a:bodyPr>
-          <a:lstStyle/>
-          <a:p>
-            <a:r>
-              <a:rPr lang="zh-TW" altLang="en-US" sz="2400" dirty="0" smtClean="0"/>
-              <a:t>套件匯入</a:t>
-            </a:r>
-            <a:endParaRPr lang="zh-TW" altLang="en-US" sz="2400" dirty="0"/>
-          </a:p>
-        </p:txBody>
-      </p:sp>
-      <p:sp>
-        <p:nvSpPr>
-          <p:cNvPr id="11" name="矩形 10"/>
-          <p:cNvSpPr/>
-          <p:nvPr/>
-        </p:nvSpPr>
-        <p:spPr>
-          <a:xfrm>
-            <a:off x="-18143" y="-18370"/>
-            <a:ext cx="377372" cy="377372"/>
+            <a:off x="4383313" y="5531545"/>
+            <a:ext cx="6444343" cy="680569"/>
           </a:xfrm>
           <a:prstGeom prst="rect">
             <a:avLst/>
           </a:prstGeom>
           <a:solidFill>
-            <a:schemeClr val="accent6">
-              <a:lumMod val="50000"/>
-            </a:schemeClr>
+            <a:schemeClr val="bg1"/>
           </a:solidFill>
-          <a:ln>
-            <a:noFill/>
-          </a:ln>
         </p:spPr>
         <p:style>
           <a:lnRef idx="2">
@@ -15913,10 +19952,66 @@
           </a:p>
         </p:txBody>
       </p:sp>
+      <p:sp>
+        <p:nvSpPr>
+          <p:cNvPr id="11" name="矩形 10"/>
+          <p:cNvSpPr/>
+          <p:nvPr/>
+        </p:nvSpPr>
+        <p:spPr>
+          <a:xfrm>
+            <a:off x="4731656" y="5548663"/>
+            <a:ext cx="6096000" cy="646331"/>
+          </a:xfrm>
+          <a:prstGeom prst="rect">
+            <a:avLst/>
+          </a:prstGeom>
+        </p:spPr>
+        <p:txBody>
+          <a:bodyPr>
+            <a:spAutoFit/>
+          </a:bodyPr>
+          <a:lstStyle/>
+          <a:p>
+            <a:r>
+              <a:rPr lang="en-US" altLang="zh-TW" dirty="0"/>
+              <a:t>AUC</a:t>
+            </a:r>
+            <a:r>
+              <a:rPr lang="zh-TW" altLang="en-US" dirty="0"/>
+              <a:t> 即</a:t>
+            </a:r>
+            <a:r>
+              <a:rPr lang="en-US" altLang="zh-TW" dirty="0"/>
+              <a:t>ROC</a:t>
+            </a:r>
+            <a:r>
+              <a:rPr lang="zh-TW" altLang="en-US" dirty="0"/>
+              <a:t>曲線之下所覆蓋的面積除以總面積的比率</a:t>
+            </a:r>
+            <a:endParaRPr lang="en-US" altLang="zh-TW" dirty="0"/>
+          </a:p>
+          <a:p>
+            <a:r>
+              <a:rPr lang="zh-TW" altLang="en-US" dirty="0"/>
+              <a:t>二分類的分配差異越顯著，</a:t>
+            </a:r>
+            <a:r>
+              <a:rPr lang="en-US" altLang="zh-TW" dirty="0"/>
+              <a:t>AUC</a:t>
+            </a:r>
+            <a:r>
+              <a:rPr lang="zh-TW" altLang="en-US" dirty="0"/>
+              <a:t>的分數就越高</a:t>
+            </a:r>
+            <a:endParaRPr lang="en-US" altLang="zh-TW" dirty="0"/>
+          </a:p>
+        </p:txBody>
+      </p:sp>
     </p:spTree>
     <p:extLst>
       <p:ext uri="{BB962C8B-B14F-4D97-AF65-F5344CB8AC3E}">
-        <p14:creationId xmlns:p14="http://schemas.microsoft.com/office/powerpoint/2010/main" val="3211016061"/>
+        <p14:creationId xmlns:p14="http://schemas.microsoft.com/office/powerpoint/2010/main" val="3629964457"/>
       </p:ext>
     </p:extLst>
   </p:cSld>
@@ -15933,7 +20028,7 @@
 </p:sld>
 </file>
 
-<file path=ppt/slides/slide30.xml><?xml version="1.0" encoding="utf-8"?>
+<file path=ppt/slides/slide37.xml><?xml version="1.0" encoding="utf-8"?>
 <p:sld xmlns:a="http://schemas.openxmlformats.org/drawingml/2006/main" xmlns:r="http://schemas.openxmlformats.org/officeDocument/2006/relationships" xmlns:p="http://schemas.openxmlformats.org/presentationml/2006/main">
   <p:cSld>
     <p:spTree>
@@ -16179,7 +20274,7 @@
 </p:sld>
 </file>
 
-<file path=ppt/slides/slide31.xml><?xml version="1.0" encoding="utf-8"?>
+<file path=ppt/slides/slide38.xml><?xml version="1.0" encoding="utf-8"?>
 <p:sld xmlns:a="http://schemas.openxmlformats.org/drawingml/2006/main" xmlns:r="http://schemas.openxmlformats.org/officeDocument/2006/relationships" xmlns:p="http://schemas.openxmlformats.org/presentationml/2006/main">
   <p:cSld>
     <p:spTree>
@@ -16330,6 +20425,154 @@
   <p:clrMapOvr>
     <a:masterClrMapping/>
   </p:clrMapOvr>
+</p:sld>
+</file>
+
+<file path=ppt/slides/slide39.xml><?xml version="1.0" encoding="utf-8"?>
+<p:sld xmlns:a="http://schemas.openxmlformats.org/drawingml/2006/main" xmlns:r="http://schemas.openxmlformats.org/officeDocument/2006/relationships" xmlns:p="http://schemas.openxmlformats.org/presentationml/2006/main">
+  <p:cSld>
+    <p:spTree>
+      <p:nvGrpSpPr>
+        <p:cNvPr id="1" name=""/>
+        <p:cNvGrpSpPr/>
+        <p:nvPr/>
+      </p:nvGrpSpPr>
+      <p:grpSpPr>
+        <a:xfrm>
+          <a:off x="0" y="0"/>
+          <a:ext cx="0" cy="0"/>
+          <a:chOff x="0" y="0"/>
+          <a:chExt cx="0" cy="0"/>
+        </a:xfrm>
+      </p:grpSpPr>
+      <p:sp>
+        <p:nvSpPr>
+          <p:cNvPr id="2" name="AutoShape 2" descr="data:image/svg+xml;base64,PD94bWwgdmVyc2lvbj0iMS4wIiBlbmNvZGluZz0iVVRGLTgiPz4KPHN2ZyB4bWxucz0iaHR0cDovL3d3dy53My5vcmcvMjAwMC9zdmciIHZlcnNpb249IjEuMSIgd2lkdGg9IjUwMCIgaGVpZ2h0PSI1MDAiIHZpZXdCb3g9IjAgMCA1MDAgNTAwIj48cmVjdCB4PSIwIiB5PSIwIiB3aWR0aD0iNTAwIiBoZWlnaHQ9IjUwMCIgZmlsbD0iI2ZmZmZmZiIvPjxnIHRyYW5zZm9ybT0ic2NhbGUoMTcuMjQxKSI+PGcgdHJhbnNmb3JtPSJ0cmFuc2xhdGUoMCwwKSI+PGc+PGcgdHJhbnNmb3JtPSJ0cmFuc2xhdGUoMy41LDMuNSkiPjxwYXRoIGZpbGwtcnVsZT0iZXZlbm9kZCIgZD0iTS0zLjUgLTMuNUwtMy41IDMuNUwzLjUgMy41TDMuNSAtMy41Wk0tMi41IC0yLjVMLTIuNSAyLjVMMi41IDIuNUwyLjUgLTIuNVoiIGZpbGw9IiMwMDAwMDAiLz48cGF0aCBmaWxsLXJ1bGU9ImV2ZW5vZGQiIGQ9Ik0tMS41IC0xLjVMLTEuNSAxLjVMMS41IDEuNUwxLjUgLTEuNVoiIGZpbGw9IiMwMDAwMDAiLz48L2c+PC9nPjxnPjxnIHRyYW5zZm9ybT0idHJhbnNsYXRlKDI1LjUsMy41KSI+PGcgdHJhbnNmb3JtPSJyb3RhdGUoOTApIj48cGF0aCBmaWxsLXJ1bGU9ImV2ZW5vZGQiIGQ9Ik0tMy41IC0zLjVMLTMuNSAzLjVMMy41IDMuNUwzLjUgLTMuNVpNLTIuNSAtMi41TC0yLjUgMi41TDIuNSAyLjVMMi41IC0yLjVaIiBmaWxsPSIjMDAwMDAwIi8+PHBhdGggZmlsbC1ydWxlPSJldmVub2RkIiBkPSJNLTEuNSAtMS41TC0xLjUgMS41TDEuNSAxLjVMMS41IC0xLjVaIiBmaWxsPSIjMDAwMDAwIi8+PC9nPjwvZz48L2c+PGc+PGcgdHJhbnNmb3JtPSJ0cmFuc2xhdGUoMy41LDI1LjUpIj48ZyB0cmFuc2Zvcm09InJvdGF0ZSgtOTApIj48cGF0aCBmaWxsLXJ1bGU9ImV2ZW5vZGQiIGQ9Ik0tMy41IC0zLjVMLTMuNSAzLjVMMy41IDMuNUwzLjUgLTMuNVpNLTIuNSAtMi41TC0yLjUgMi41TDIuNSAyLjVMMi41IC0yLjVaIiBmaWxsPSIjMDAwMDAwIi8+PHBhdGggZmlsbC1ydWxlPSJldmVub2RkIiBkPSJNLTEuNSAtMS41TC0xLjUgMS41TDEuNSAxLjVMMS41IC0xLjVaIiBmaWxsPSIjMDAwMDAwIi8+PC9nPjwvZz48L2c+PHBhdGggZmlsbC1ydWxlPSJldmVub2RkIiBkPSJNOCAwTDggMkwxMCAyTDEwIDRMOCA0TDggOUw5IDlMOSAxMEwxMSAxMEwxMSAxMUwxMiAxMUwxMiAxMEwxMSAxMEwxMSA4TDEzIDhMMTMgMTBMMTQgMTBMMTQgOUwxNSA5TDE1IDEwTDE2IDEwTDE2IDExTDE1IDExTDE1IDEzTDE2IDEzTDE2IDE2TDE1IDE2TDE1IDE0TDEzIDE0TDEzIDEzTDE0IDEzTDE0IDExTDEzIDExTDEzIDEyTDExIDEyTDExIDEzTDEyIDEzTDEyIDE1TDExIDE1TDExIDE0TDEwIDE0TDEwIDExTDggMTFMOCAxM0w3IDEzTDcgMTJMNiAxMkw2IDExTDcgMTFMNyAxMEw2IDEwTDYgOUw3IDlMNyA4TDUgOEw1IDEwTDQgMTBMNCA5TDMgOUwzIDhMMCA4TDAgMTBMMSAxMEwxIDExTDMgMTFMMyAxMkwyIDEyTDIgMTNMMSAxM0wxIDEyTDAgMTJMMCAxM0wxIDEzTDEgMTRMMCAxNEwwIDE1TDEgMTVMMSAxOEwwIDE4TDAgMTlMMiAxOUwyIDIwTDAgMjBMMCAyMUwyIDIxTDIgMjBMMyAyMEwzIDIxTDQgMjFMNCAyMEw1IDIwTDUgMjFMOCAyMUw4IDIyTDkgMjJMOSAyMUwxMCAyMUwxMCAyMEw5IDIwTDkgMjFMOCAyMUw4IDE5TDkgMTlMOSAxOEwxMSAxOEwxMSAxOUwxMiAxOUwxMiAxOEwxMSAxOEwxMSAxN0wxMCAxN0wxMCAxNkwxMyAxNkwxMyAxOEwxNSAxOEwxNSAxOUwxNiAxOUwxNiAyMEwxNSAyMEwxNSAyMkwxMyAyMkwxMyAyMUwxNCAyMUwxNCAxOUwxMyAxOUwxMyAyMEwxMSAyMEwxMSAyMUwxMiAyMUwxMiAyM0wxMCAyM0wxMCAyNkw4IDI2TDggMjlMMTAgMjlMMTAgMjhMMTEgMjhMMTEgMjlMMTQgMjlMMTQgMjdMMTMgMjdMMTMgMjhMMTEgMjhMMTEgMjdMMTIgMjdMMTIgMjZMMTEgMjZMMTEgMjRMMTMgMjRMMTMgMjZMMTcgMjZMMTcgMjdMMTYgMjdMMTYgMjhMMTUgMjhMMTUgMjlMMTggMjlMMTggMjZMMTkgMjZMMTkgMjVMMjAgMjVMMjAgMjhMMjEgMjhMMjEgMjlMMjIgMjlMMjIgMjhMMjEgMjhMMjEgMjdMMjIgMjdMMjIgMjZMMjEgMjZMMjEgMjVMMjMgMjVMMjMgMjZMMjUgMjZMMjUgMjdMMjQgMjdMMjQgMjhMMjMgMjhMMjMgMjlMMjUgMjlMMjUgMjhMMjggMjhMMjggMjlMMjkgMjlMMjkgMjZMMjggMjZMMjggMjRMMjkgMjRMMjkgMjJMMjggMjJMMjggMjRMMjcgMjRMMjcgMjNMMjYgMjNMMjYgMjRMMjUgMjRMMjUgMjBMMjQgMjBMMjQgMTdMMjMgMTdMMjMgMTZMMjQgMTZMMjQgMTRMMjYgMTRMMjYgMTNMMjcgMTNMMjcgMTJMMjggMTJMMjggMTNMMjkgMTNMMjkgMTBMMjggMTBMMjggMTFMMjcgMTFMMjcgMTJMMjYgMTJMMjYgMTFMMjUgMTFMMjUgMTJMMjQgMTJMMjQgMTFMMjMgMTFMMjMgMTBMMjQgMTBMMjQgOUwyNSA5TDI1IDEwTDI2IDEwTDI2IDlMMjUgOUwyNSA4TDIxIDhMMjEgNkwyMCA2TDIwIDdMMTkgN0wxOSA1TDE4IDVMMTggNEwxNyA0TDE3IDNMMTYgM0wxNiA0TDE3IDRMMTcgNkwxNiA2TDE2IDdMMTUgN0wxNSA2TDE0IDZMMTQgN0wxNSA3TDE1IDhMMTMgOEwxMyA2TDEyIDZMMTIgNEwxMSA0TDExIDNMMTQgM0wxNCA0TDEzIDRMMTMgNUwxNSA1TDE1IDNMMTQgM0wxNCAyTDE2IDJMMTYgMUwxNyAxTDE3IDJMMTggMkwxOCAzTDE5IDNMMTkgMUwxOCAxTDE4IDBMMTUgMEwxNSAxTDE0IDFMMTQgMEwxMSAwTDExIDFMOSAxTDkgMFpNMTEgMUwxMSAyTDEyIDJMMTIgMVpNMjAgM0wyMCA1TDIxIDVMMjEgM1pNOSA1TDkgOEwxMCA4TDEwIDZMMTEgNkwxMSA3TDEyIDdMMTIgNkwxMSA2TDExIDVaTTE3IDZMMTcgOEwxOCA4TDE4IDlMMTcgOUwxNyAxMUwxNiAxMUwxNiAxM0wxNyAxM0wxNyAxNUwxOCAxNUwxOCAxNkwxNyAxNkwxNyAxOEwxNiAxOEwxNiAxOUwxNyAxOUwxNyAyMEwxNiAyMEwxNiAyM0wxNSAyM0wxNSAyNEwxNiAyNEwxNiAyNUwxNyAyNUwxNyAyNkwxOCAyNkwxOCAyNUwxOSAyNUwxOSAyNEwyMCAyNEwyMCAyMkwxOCAyMkwxOCAyMUwxNyAyMUwxNyAyMEwxOSAyMEwxOSAxOUwyMCAxOUwyMCAxOEwxOCAxOEwxOCAxN0wxOSAxN0wxOSAxNUwyMCAxNUwyMCAxM0wyMSAxM0wyMSAxNUwyMiAxNUwyMiAxNEwyNCAxNEwyNCAxMkwyMiAxMkwyMiAxMEwyMyAxMEwyMyA5TDIxIDlMMjEgOEwyMCA4TDIwIDlMMjEgOUwyMSAxMUwyMCAxMUwyMCAxMEwxOSAxMEwxOSA4TDE4IDhMMTggNlpNMjcgOEwyNyA5TDI5IDlMMjkgOFpNMiA5TDIgMTBMMyAxMEwzIDExTDQgMTFMNCAxM0wzIDEzTDMgMTVMMiAxNUwyIDE0TDEgMTRMMSAxNUwyIDE1TDIgMTdMMyAxN0wzIDE2TDQgMTZMNCAxN0w2IDE3TDYgMThMNSAxOEw1IDE5TDYgMTlMNiAyMEw3IDIwTDcgMTlMNiAxOUw2IDE4TDcgMThMNyAxN0w5IDE3TDkgMTZMNyAxNkw3IDE1TDEwIDE1TDEwIDE0TDkgMTRMOSAxM0w4IDEzTDggMTRMNyAxNEw3IDEzTDYgMTNMNiAxMkw1IDEyTDUgMTFMNiAxMUw2IDEwTDUgMTBMNSAxMUw0IDExTDQgMTBMMyAxMEwzIDlaTTE4IDEwTDE4IDEyTDE5IDEyTDE5IDEzTDIwIDEzTDIwIDExTDE5IDExTDE5IDEwWk0yMSAxMkwyMSAxM0wyMiAxM0wyMiAxMlpNNCAxM0w0IDE0TDUgMTRMNSAxM1pNNiAxNEw2IDE1TDUgMTVMNSAxNkw2IDE2TDYgMTdMNyAxN0w3IDE2TDYgMTZMNiAxNUw3IDE1TDcgMTRaTTE4IDE0TDE4IDE1TDE5IDE1TDE5IDE0Wk0yNyAxNEwyNyAxNUwyOCAxNUwyOCAxN0wyOSAxN0wyOSAxNUwyOCAxNUwyOCAxNFpNMTMgMTVMMTMgMTZMMTQgMTZMMTQgMTVaTTIwIDE2TDIwIDE3TDIyIDE3TDIyIDE4TDIxIDE4TDIxIDIwTDIyIDIwTDIyIDE4TDIzIDE4TDIzIDE3TDIyIDE3TDIyIDE2Wk0yNSAxNkwyNSAxOEwyNiAxOEwyNiAxN0wyNyAxN0wyNyAxNlpNMiAxOEwyIDE5TDMgMTlMMyAxOFpNMTcgMThMMTcgMTlMMTggMTlMMTggMThaTTI4IDE4TDI4IDIwTDI3IDIwTDI3IDIxTDI5IDIxTDI5IDE4Wk0yMSAyMUwyMSAyNEwyNCAyNEwyNCAyMVpNMTcgMjJMMTcgMjNMMTYgMjNMMTYgMjRMMTcgMjRMMTcgMjVMMTggMjVMMTggMjJaTTIyIDIyTDIyIDIzTDIzIDIzTDIzIDIyWk04IDIzTDggMjRMOSAyNEw5IDIzWk0xMyAyM0wxMyAyNEwxNCAyNEwxNCAyM1pNMjYgMjRMMjYgMjVMMjUgMjVMMjUgMjZMMjYgMjZMMjYgMjdMMjcgMjdMMjcgMjRaTTEwIDI2TDEwIDI3TDExIDI3TDExIDI2WiIgZmlsbD0iIzAwMDAwMCIvPjwvZz48L2c+PC9zdmc+Cg=="/>
+          <p:cNvSpPr>
+            <a:spLocks noChangeAspect="1" noChangeArrowheads="1"/>
+          </p:cNvSpPr>
+          <p:nvPr/>
+        </p:nvSpPr>
+        <p:spPr bwMode="auto">
+          <a:xfrm>
+            <a:off x="155575" y="-144463"/>
+            <a:ext cx="304800" cy="304801"/>
+          </a:xfrm>
+          <a:prstGeom prst="rect">
+            <a:avLst/>
+          </a:prstGeom>
+          <a:noFill/>
+          <a:extLst>
+            <a:ext uri="{909E8E84-426E-40DD-AFC4-6F175D3DCCD1}">
+              <a14:hiddenFill xmlns:a14="http://schemas.microsoft.com/office/drawing/2010/main">
+                <a:solidFill>
+                  <a:srgbClr val="FFFFFF"/>
+                </a:solidFill>
+              </a14:hiddenFill>
+            </a:ext>
+          </a:extLst>
+        </p:spPr>
+        <p:txBody>
+          <a:bodyPr vert="horz" wrap="square" lIns="91440" tIns="45720" rIns="91440" bIns="45720" numCol="1" anchor="t" anchorCtr="0" compatLnSpc="1">
+            <a:prstTxWarp prst="textNoShape">
+              <a:avLst/>
+            </a:prstTxWarp>
+          </a:bodyPr>
+          <a:lstStyle/>
+          <a:p>
+            <a:endParaRPr lang="zh-TW" altLang="en-US"/>
+          </a:p>
+        </p:txBody>
+      </p:sp>
+      <p:pic>
+        <p:nvPicPr>
+          <p:cNvPr id="3" name="圖片 2"/>
+          <p:cNvPicPr>
+            <a:picLocks noChangeAspect="1"/>
+          </p:cNvPicPr>
+          <p:nvPr/>
+        </p:nvPicPr>
+        <p:blipFill>
+          <a:blip r:embed="rId2" cstate="print">
+            <a:extLst>
+              <a:ext uri="{28A0092B-C50C-407E-A947-70E740481C1C}">
+                <a14:useLocalDpi xmlns:a14="http://schemas.microsoft.com/office/drawing/2010/main" val="0"/>
+              </a:ext>
+            </a:extLst>
+          </a:blip>
+          <a:stretch>
+            <a:fillRect/>
+          </a:stretch>
+        </p:blipFill>
+        <p:spPr>
+          <a:xfrm>
+            <a:off x="307975" y="4397829"/>
+            <a:ext cx="1741715" cy="1741715"/>
+          </a:xfrm>
+          <a:prstGeom prst="rect">
+            <a:avLst/>
+          </a:prstGeom>
+        </p:spPr>
+      </p:pic>
+      <p:sp>
+        <p:nvSpPr>
+          <p:cNvPr id="6" name="文字方塊 5"/>
+          <p:cNvSpPr txBox="1"/>
+          <p:nvPr/>
+        </p:nvSpPr>
+        <p:spPr>
+          <a:xfrm>
+            <a:off x="155575" y="6270173"/>
+            <a:ext cx="9957707" cy="461665"/>
+          </a:xfrm>
+          <a:prstGeom prst="rect">
+            <a:avLst/>
+          </a:prstGeom>
+          <a:noFill/>
+        </p:spPr>
+        <p:txBody>
+          <a:bodyPr wrap="square" rtlCol="0">
+            <a:spAutoFit/>
+          </a:bodyPr>
+          <a:lstStyle/>
+          <a:p>
+            <a:r>
+              <a:rPr lang="en-US" altLang="zh-TW" sz="2400" dirty="0" smtClean="0"/>
+              <a:t>GitHub</a:t>
+            </a:r>
+            <a:r>
+              <a:rPr lang="zh-TW" altLang="en-US" sz="2400" dirty="0" smtClean="0"/>
+              <a:t> </a:t>
+            </a:r>
+            <a:r>
+              <a:rPr lang="en-US" altLang="zh-TW" sz="2400" dirty="0" err="1"/>
+              <a:t>QRCode</a:t>
+            </a:r>
+            <a:r>
+              <a:rPr lang="en-US" altLang="zh-TW" sz="2400" dirty="0"/>
+              <a:t>(https://github.com/cgit6/AML_SVM.git)</a:t>
+            </a:r>
+            <a:endParaRPr lang="zh-TW" altLang="en-US" sz="2400" dirty="0"/>
+          </a:p>
+        </p:txBody>
+      </p:sp>
+    </p:spTree>
+    <p:extLst>
+      <p:ext uri="{BB962C8B-B14F-4D97-AF65-F5344CB8AC3E}">
+        <p14:creationId xmlns:p14="http://schemas.microsoft.com/office/powerpoint/2010/main" val="342384971"/>
+      </p:ext>
+    </p:extLst>
+  </p:cSld>
+  <p:clrMapOvr>
+    <a:masterClrMapping/>
+  </p:clrMapOvr>
+  <p:timing>
+    <p:tnLst>
+      <p:par>
+        <p:cTn id="1" dur="indefinite" restart="never" nodeType="tmRoot"/>
+      </p:par>
+    </p:tnLst>
+  </p:timing>
 </p:sld>
 </file>
 
@@ -20698,21 +24941,28 @@
                 <a:latin typeface="Arial" panose="020B0604020202020204" pitchFamily="34" charset="0"/>
                 <a:cs typeface="Arial" panose="020B0604020202020204" pitchFamily="34" charset="0"/>
               </a:rPr>
-              <a:t>抽樣</a:t>
+              <a:t>抽樣與轉換資料型態</a:t>
+            </a:r>
+            <a:r>
+              <a:rPr lang="en-US" altLang="zh-TW" sz="2400" dirty="0" smtClean="0">
+                <a:latin typeface="Arial" panose="020B0604020202020204" pitchFamily="34" charset="0"/>
+                <a:cs typeface="Arial" panose="020B0604020202020204" pitchFamily="34" charset="0"/>
+              </a:rPr>
+              <a:t>(object</a:t>
             </a:r>
             <a:r>
               <a:rPr lang="zh-TW" altLang="en-US" sz="2400" dirty="0" smtClean="0">
                 <a:latin typeface="Arial" panose="020B0604020202020204" pitchFamily="34" charset="0"/>
                 <a:cs typeface="Arial" panose="020B0604020202020204" pitchFamily="34" charset="0"/>
               </a:rPr>
-              <a:t>與轉換資料型態</a:t>
+              <a:t> </a:t>
             </a:r>
             <a:r>
               <a:rPr lang="en-US" altLang="zh-TW" sz="2400" dirty="0" smtClean="0">
                 <a:latin typeface="Arial" panose="020B0604020202020204" pitchFamily="34" charset="0"/>
                 <a:cs typeface="Arial" panose="020B0604020202020204" pitchFamily="34" charset="0"/>
               </a:rPr>
-              <a:t>(object</a:t>
+              <a:t>=&gt;</a:t>
             </a:r>
             <a:r>
               <a:rPr lang="zh-TW" altLang="en-US" sz="2400" dirty="0" smtClean="0">
@@ -20726,26 +24976,8 @@
                 <a:latin typeface="Arial" panose="020B0604020202020204" pitchFamily="34" charset="0"/>
                 <a:cs typeface="Arial" panose="020B0604020202020204" pitchFamily="34" charset="0"/>
               </a:rPr>
-              <a:t>=&gt;</a:t>
-            </a:r>
-            <a:r>
-              <a:rPr lang="zh-TW" altLang="en-US" sz="2400" dirty="0" smtClean="0">
-                <a:latin typeface="Arial" panose="020B0604020202020204" pitchFamily="34" charset="0"/>
-                <a:cs typeface="Arial" panose="020B0604020202020204" pitchFamily="34" charset="0"/>
-              </a:rPr>
-              <a:t> </a:t>
-            </a:r>
-            <a:r>
-              <a:rPr lang="en-US" altLang="zh-TW" sz="2400" dirty="0" smtClean="0">
-                <a:latin typeface="Arial" panose="020B0604020202020204" pitchFamily="34" charset="0"/>
-                <a:cs typeface="Arial" panose="020B0604020202020204" pitchFamily="34" charset="0"/>
-              </a:rPr>
               <a:t>array)</a:t>
             </a:r>
-            <a:endParaRPr lang="en-US" altLang="zh-TW" sz="2400" dirty="0" smtClean="0">
-              <a:latin typeface="Arial" panose="020B0604020202020204" pitchFamily="34" charset="0"/>
-              <a:cs typeface="Arial" panose="020B0604020202020204" pitchFamily="34" charset="0"/>
-            </a:endParaRPr>
           </a:p>
         </p:txBody>
       </p:sp>
